--- a/figures/src_PPT_files/ML_summary_figure.pptx
+++ b/figures/src_PPT_files/ML_summary_figure.pptx
@@ -6511,7 +6511,7 @@
             <p:nvPr>
               <p:extLst>
                 <p:ext uri="{D42A27DB-BD31-4B8C-83A1-F6EECF244321}">
-                  <p14:modId xmlns:p14="http://schemas.microsoft.com/office/powerpoint/2010/main" val="2992175220"/>
+                  <p14:modId xmlns:p14="http://schemas.microsoft.com/office/powerpoint/2010/main" val="2729184784"/>
                 </p:ext>
               </p:extLst>
             </p:nvPr>
@@ -6524,7 +6524,7 @@
             <a:graphicData uri="http://schemas.openxmlformats.org/presentationml/2006/ole">
               <mc:AlternateContent xmlns:mc="http://schemas.openxmlformats.org/markup-compatibility/2006">
                 <mc:Choice xmlns:v="urn:schemas-microsoft-com:vml" Requires="v">
-                  <p:oleObj spid="_x0000_s1035" name="Equation" r:id="rId6" imgW="1218960" imgH="787320" progId="Equation.DSMT4">
+                  <p:oleObj spid="_x0000_s1038" name="Equation" r:id="rId6" imgW="1218960" imgH="787320" progId="Equation.DSMT4">
                     <p:embed/>
                   </p:oleObj>
                 </mc:Choice>
@@ -6588,7 +6588,7 @@
           <a:graphicData uri="http://schemas.openxmlformats.org/presentationml/2006/ole">
             <mc:AlternateContent xmlns:mc="http://schemas.openxmlformats.org/markup-compatibility/2006">
               <mc:Choice xmlns:v="urn:schemas-microsoft-com:vml" Requires="v">
-                <p:oleObj spid="_x0000_s1036" name="Equation" r:id="rId8" imgW="914400" imgH="306720" progId="Equation.DSMT4">
+                <p:oleObj spid="_x0000_s1039" name="Equation" r:id="rId8" imgW="914400" imgH="306720" progId="Equation.DSMT4">
                   <p:embed/>
                 </p:oleObj>
               </mc:Choice>
@@ -6729,7 +6729,7 @@
             <p:nvPr>
               <p:extLst>
                 <p:ext uri="{D42A27DB-BD31-4B8C-83A1-F6EECF244321}">
-                  <p14:modId xmlns:p14="http://schemas.microsoft.com/office/powerpoint/2010/main" val="284512435"/>
+                  <p14:modId xmlns:p14="http://schemas.microsoft.com/office/powerpoint/2010/main" val="371822181"/>
                 </p:ext>
               </p:extLst>
             </p:nvPr>
@@ -6742,7 +6742,7 @@
             <a:graphicData uri="http://schemas.openxmlformats.org/presentationml/2006/ole">
               <mc:AlternateContent xmlns:mc="http://schemas.openxmlformats.org/markup-compatibility/2006">
                 <mc:Choice xmlns:v="urn:schemas-microsoft-com:vml" Requires="v">
-                  <p:oleObj spid="_x0000_s1037" name="Equation" r:id="rId10" imgW="3543120" imgH="431640" progId="Equation.DSMT4">
+                  <p:oleObj spid="_x0000_s1040" name="Equation" r:id="rId10" imgW="3543120" imgH="431640" progId="Equation.DSMT4">
                     <p:embed/>
                   </p:oleObj>
                 </mc:Choice>

--- a/figures/src_PPT_files/ML_summary_figure.pptx
+++ b/figures/src_PPT_files/ML_summary_figure.pptx
@@ -5,7 +5,8 @@
     <p:sldMasterId id="2147483648" r:id="rId1"/>
   </p:sldMasterIdLst>
   <p:sldIdLst>
-    <p:sldId id="256" r:id="rId2"/>
+    <p:sldId id="257" r:id="rId2"/>
+    <p:sldId id="256" r:id="rId3"/>
   </p:sldIdLst>
   <p:sldSz cx="12192000" cy="6858000"/>
   <p:notesSz cx="6858000" cy="9144000"/>
@@ -104,6 +105,11 @@
       </a:defRPr>
     </a:lvl9pPr>
   </p:defaultTextStyle>
+  <p:extLst>
+    <p:ext uri="{EFAFB233-063F-42B5-8137-9DF3F51BA10A}">
+      <p15:sldGuideLst xmlns:p15="http://schemas.microsoft.com/office/powerpoint/2012/main"/>
+    </p:ext>
+  </p:extLst>
 </p:presentation>
 </file>
 
@@ -254,7 +260,7 @@
           <a:p>
             <a:fld id="{95F4E32A-8D0A-4F18-AD24-E8EE5FC79879}" type="datetimeFigureOut">
               <a:rPr lang="en-US" smtClean="0"/>
-              <a:t>1/30/2018</a:t>
+              <a:t>2/19/2018</a:t>
             </a:fld>
             <a:endParaRPr lang="en-US"/>
           </a:p>
@@ -452,7 +458,7 @@
           <a:p>
             <a:fld id="{95F4E32A-8D0A-4F18-AD24-E8EE5FC79879}" type="datetimeFigureOut">
               <a:rPr lang="en-US" smtClean="0"/>
-              <a:t>1/30/2018</a:t>
+              <a:t>2/19/2018</a:t>
             </a:fld>
             <a:endParaRPr lang="en-US"/>
           </a:p>
@@ -660,7 +666,7 @@
           <a:p>
             <a:fld id="{95F4E32A-8D0A-4F18-AD24-E8EE5FC79879}" type="datetimeFigureOut">
               <a:rPr lang="en-US" smtClean="0"/>
-              <a:t>1/30/2018</a:t>
+              <a:t>2/19/2018</a:t>
             </a:fld>
             <a:endParaRPr lang="en-US"/>
           </a:p>
@@ -858,7 +864,7 @@
           <a:p>
             <a:fld id="{95F4E32A-8D0A-4F18-AD24-E8EE5FC79879}" type="datetimeFigureOut">
               <a:rPr lang="en-US" smtClean="0"/>
-              <a:t>1/30/2018</a:t>
+              <a:t>2/19/2018</a:t>
             </a:fld>
             <a:endParaRPr lang="en-US"/>
           </a:p>
@@ -1133,7 +1139,7 @@
           <a:p>
             <a:fld id="{95F4E32A-8D0A-4F18-AD24-E8EE5FC79879}" type="datetimeFigureOut">
               <a:rPr lang="en-US" smtClean="0"/>
-              <a:t>1/30/2018</a:t>
+              <a:t>2/19/2018</a:t>
             </a:fld>
             <a:endParaRPr lang="en-US"/>
           </a:p>
@@ -1398,7 +1404,7 @@
           <a:p>
             <a:fld id="{95F4E32A-8D0A-4F18-AD24-E8EE5FC79879}" type="datetimeFigureOut">
               <a:rPr lang="en-US" smtClean="0"/>
-              <a:t>1/30/2018</a:t>
+              <a:t>2/19/2018</a:t>
             </a:fld>
             <a:endParaRPr lang="en-US"/>
           </a:p>
@@ -1810,7 +1816,7 @@
           <a:p>
             <a:fld id="{95F4E32A-8D0A-4F18-AD24-E8EE5FC79879}" type="datetimeFigureOut">
               <a:rPr lang="en-US" smtClean="0"/>
-              <a:t>1/30/2018</a:t>
+              <a:t>2/19/2018</a:t>
             </a:fld>
             <a:endParaRPr lang="en-US"/>
           </a:p>
@@ -1951,7 +1957,7 @@
           <a:p>
             <a:fld id="{95F4E32A-8D0A-4F18-AD24-E8EE5FC79879}" type="datetimeFigureOut">
               <a:rPr lang="en-US" smtClean="0"/>
-              <a:t>1/30/2018</a:t>
+              <a:t>2/19/2018</a:t>
             </a:fld>
             <a:endParaRPr lang="en-US"/>
           </a:p>
@@ -2064,7 +2070,7 @@
           <a:p>
             <a:fld id="{95F4E32A-8D0A-4F18-AD24-E8EE5FC79879}" type="datetimeFigureOut">
               <a:rPr lang="en-US" smtClean="0"/>
-              <a:t>1/30/2018</a:t>
+              <a:t>2/19/2018</a:t>
             </a:fld>
             <a:endParaRPr lang="en-US"/>
           </a:p>
@@ -2375,7 +2381,7 @@
           <a:p>
             <a:fld id="{95F4E32A-8D0A-4F18-AD24-E8EE5FC79879}" type="datetimeFigureOut">
               <a:rPr lang="en-US" smtClean="0"/>
-              <a:t>1/30/2018</a:t>
+              <a:t>2/19/2018</a:t>
             </a:fld>
             <a:endParaRPr lang="en-US"/>
           </a:p>
@@ -2663,7 +2669,7 @@
           <a:p>
             <a:fld id="{95F4E32A-8D0A-4F18-AD24-E8EE5FC79879}" type="datetimeFigureOut">
               <a:rPr lang="en-US" smtClean="0"/>
-              <a:t>1/30/2018</a:t>
+              <a:t>2/19/2018</a:t>
             </a:fld>
             <a:endParaRPr lang="en-US"/>
           </a:p>
@@ -2904,7 +2910,7 @@
           <a:p>
             <a:fld id="{95F4E32A-8D0A-4F18-AD24-E8EE5FC79879}" type="datetimeFigureOut">
               <a:rPr lang="en-US" smtClean="0"/>
-              <a:t>1/30/2018</a:t>
+              <a:t>2/19/2018</a:t>
             </a:fld>
             <a:endParaRPr lang="en-US"/>
           </a:p>
@@ -3305,6 +3311,3456 @@
 </file>
 
 <file path=ppt/slides/slide1.xml><?xml version="1.0" encoding="utf-8"?>
+<p:sld xmlns:a="http://schemas.openxmlformats.org/drawingml/2006/main" xmlns:r="http://schemas.openxmlformats.org/officeDocument/2006/relationships" xmlns:p="http://schemas.openxmlformats.org/presentationml/2006/main">
+  <p:cSld>
+    <p:spTree>
+      <p:nvGrpSpPr>
+        <p:cNvPr id="1" name=""/>
+        <p:cNvGrpSpPr/>
+        <p:nvPr/>
+      </p:nvGrpSpPr>
+      <p:grpSpPr>
+        <a:xfrm>
+          <a:off x="0" y="0"/>
+          <a:ext cx="0" cy="0"/>
+          <a:chOff x="0" y="0"/>
+          <a:chExt cx="0" cy="0"/>
+        </a:xfrm>
+      </p:grpSpPr>
+      <p:grpSp>
+        <p:nvGrpSpPr>
+          <p:cNvPr id="128" name="Group 127">
+            <a:extLst>
+              <a:ext uri="{FF2B5EF4-FFF2-40B4-BE49-F238E27FC236}">
+                <a16:creationId xmlns:a16="http://schemas.microsoft.com/office/drawing/2014/main" id="{039E7156-B3C8-4911-A863-8DC315FB1ABF}"/>
+              </a:ext>
+            </a:extLst>
+          </p:cNvPr>
+          <p:cNvGrpSpPr/>
+          <p:nvPr/>
+        </p:nvGrpSpPr>
+        <p:grpSpPr>
+          <a:xfrm>
+            <a:off x="307211" y="252774"/>
+            <a:ext cx="5852160" cy="1352206"/>
+            <a:chOff x="556591" y="566804"/>
+            <a:chExt cx="5852160" cy="1352206"/>
+          </a:xfrm>
+        </p:grpSpPr>
+        <p:sp>
+          <p:nvSpPr>
+            <p:cNvPr id="46" name="Rectangle: Rounded Corners 45">
+              <a:extLst>
+                <a:ext uri="{FF2B5EF4-FFF2-40B4-BE49-F238E27FC236}">
+                  <a16:creationId xmlns:a16="http://schemas.microsoft.com/office/drawing/2014/main" id="{6B35A77C-4CDC-47F7-B2E9-C647E36FA59E}"/>
+                </a:ext>
+              </a:extLst>
+            </p:cNvPr>
+            <p:cNvSpPr/>
+            <p:nvPr/>
+          </p:nvSpPr>
+          <p:spPr>
+            <a:xfrm>
+              <a:off x="556591" y="566804"/>
+              <a:ext cx="5852160" cy="1352206"/>
+            </a:xfrm>
+            <a:prstGeom prst="roundRect">
+              <a:avLst/>
+            </a:prstGeom>
+            <a:solidFill>
+              <a:srgbClr val="C00000"/>
+            </a:solidFill>
+            <a:ln w="38100">
+              <a:solidFill>
+                <a:schemeClr val="tx1"/>
+              </a:solidFill>
+            </a:ln>
+          </p:spPr>
+          <p:style>
+            <a:lnRef idx="2">
+              <a:schemeClr val="accent1">
+                <a:shade val="50000"/>
+              </a:schemeClr>
+            </a:lnRef>
+            <a:fillRef idx="1">
+              <a:schemeClr val="accent1"/>
+            </a:fillRef>
+            <a:effectRef idx="0">
+              <a:schemeClr val="accent1"/>
+            </a:effectRef>
+            <a:fontRef idx="minor">
+              <a:schemeClr val="lt1"/>
+            </a:fontRef>
+          </p:style>
+          <p:txBody>
+            <a:bodyPr numCol="1" rtlCol="0" anchor="t"/>
+            <a:lstStyle/>
+            <a:p>
+              <a:r>
+                <a:rPr lang="en-US" sz="2400" dirty="0">
+                  <a:ln w="0"/>
+                  <a:solidFill>
+                    <a:schemeClr val="tx1"/>
+                  </a:solidFill>
+                  <a:effectLst>
+                    <a:outerShdw blurRad="38100" dist="19050" dir="2700000" algn="tl" rotWithShape="0">
+                      <a:schemeClr val="dk1">
+                        <a:alpha val="40000"/>
+                      </a:schemeClr>
+                    </a:outerShdw>
+                  </a:effectLst>
+                  <a:latin typeface="Times New Roman" panose="02020603050405020304" pitchFamily="18" charset="0"/>
+                  <a:cs typeface="Times New Roman" panose="02020603050405020304" pitchFamily="18" charset="0"/>
+                </a:rPr>
+                <a:t>                   </a:t>
+              </a:r>
+            </a:p>
+            <a:p>
+              <a:pPr algn="ctr"/>
+              <a:endParaRPr lang="en-US" dirty="0">
+                <a:ln w="0"/>
+                <a:solidFill>
+                  <a:schemeClr val="tx1"/>
+                </a:solidFill>
+                <a:effectLst>
+                  <a:outerShdw blurRad="38100" dist="19050" dir="2700000" algn="tl" rotWithShape="0">
+                    <a:schemeClr val="dk1">
+                      <a:alpha val="40000"/>
+                    </a:schemeClr>
+                  </a:outerShdw>
+                </a:effectLst>
+                <a:latin typeface="Times New Roman" panose="02020603050405020304" pitchFamily="18" charset="0"/>
+                <a:cs typeface="Times New Roman" panose="02020603050405020304" pitchFamily="18" charset="0"/>
+              </a:endParaRPr>
+            </a:p>
+            <a:p>
+              <a:pPr algn="ctr"/>
+              <a:r>
+                <a:rPr lang="en-US" sz="2000" i="1" dirty="0">
+                  <a:ln w="0"/>
+                  <a:solidFill>
+                    <a:schemeClr val="tx1"/>
+                  </a:solidFill>
+                  <a:effectLst>
+                    <a:outerShdw blurRad="38100" dist="19050" dir="2700000" algn="tl" rotWithShape="0">
+                      <a:schemeClr val="dk1">
+                        <a:alpha val="40000"/>
+                      </a:schemeClr>
+                    </a:outerShdw>
+                  </a:effectLst>
+                  <a:latin typeface="Times New Roman" panose="02020603050405020304" pitchFamily="18" charset="0"/>
+                  <a:cs typeface="Times New Roman" panose="02020603050405020304" pitchFamily="18" charset="0"/>
+                </a:rPr>
+                <a:t>	</a:t>
+              </a:r>
+            </a:p>
+            <a:p>
+              <a:pPr algn="ctr"/>
+              <a:endParaRPr lang="en-US" dirty="0">
+                <a:ln w="0"/>
+                <a:solidFill>
+                  <a:schemeClr val="tx1"/>
+                </a:solidFill>
+                <a:effectLst>
+                  <a:outerShdw blurRad="38100" dist="19050" dir="2700000" algn="tl" rotWithShape="0">
+                    <a:schemeClr val="dk1">
+                      <a:alpha val="40000"/>
+                    </a:schemeClr>
+                  </a:outerShdw>
+                </a:effectLst>
+                <a:latin typeface="Times New Roman" panose="02020603050405020304" pitchFamily="18" charset="0"/>
+                <a:cs typeface="Times New Roman" panose="02020603050405020304" pitchFamily="18" charset="0"/>
+              </a:endParaRPr>
+            </a:p>
+          </p:txBody>
+        </p:sp>
+        <p:grpSp>
+          <p:nvGrpSpPr>
+            <p:cNvPr id="65" name="Group 64">
+              <a:extLst>
+                <a:ext uri="{FF2B5EF4-FFF2-40B4-BE49-F238E27FC236}">
+                  <a16:creationId xmlns:a16="http://schemas.microsoft.com/office/drawing/2014/main" id="{C5D731A4-FC92-4676-A882-3D50ECA2A487}"/>
+                </a:ext>
+              </a:extLst>
+            </p:cNvPr>
+            <p:cNvGrpSpPr/>
+            <p:nvPr/>
+          </p:nvGrpSpPr>
+          <p:grpSpPr>
+            <a:xfrm>
+              <a:off x="1778357" y="631695"/>
+              <a:ext cx="3006078" cy="467553"/>
+              <a:chOff x="1272210" y="327534"/>
+              <a:chExt cx="3006078" cy="467553"/>
+            </a:xfrm>
+          </p:grpSpPr>
+          <p:sp>
+            <p:nvSpPr>
+              <p:cNvPr id="49" name="Rectangle: Rounded Corners 48">
+                <a:extLst>
+                  <a:ext uri="{FF2B5EF4-FFF2-40B4-BE49-F238E27FC236}">
+                    <a16:creationId xmlns:a16="http://schemas.microsoft.com/office/drawing/2014/main" id="{4D5B91FA-437E-4B27-B3FE-B35FD1159757}"/>
+                  </a:ext>
+                </a:extLst>
+              </p:cNvPr>
+              <p:cNvSpPr/>
+              <p:nvPr/>
+            </p:nvSpPr>
+            <p:spPr>
+              <a:xfrm>
+                <a:off x="1272210" y="347412"/>
+                <a:ext cx="464446" cy="447675"/>
+              </a:xfrm>
+              <a:prstGeom prst="roundRect">
+                <a:avLst>
+                  <a:gd name="adj" fmla="val 50000"/>
+                </a:avLst>
+              </a:prstGeom>
+              <a:solidFill>
+                <a:schemeClr val="bg1"/>
+              </a:solidFill>
+              <a:ln w="38100">
+                <a:solidFill>
+                  <a:schemeClr val="tx1"/>
+                </a:solidFill>
+              </a:ln>
+            </p:spPr>
+            <p:style>
+              <a:lnRef idx="2">
+                <a:schemeClr val="accent1">
+                  <a:shade val="50000"/>
+                </a:schemeClr>
+              </a:lnRef>
+              <a:fillRef idx="1">
+                <a:schemeClr val="accent1"/>
+              </a:fillRef>
+              <a:effectRef idx="0">
+                <a:schemeClr val="accent1"/>
+              </a:effectRef>
+              <a:fontRef idx="minor">
+                <a:schemeClr val="lt1"/>
+              </a:fontRef>
+            </p:style>
+            <p:txBody>
+              <a:bodyPr rtlCol="0" anchor="ctr"/>
+              <a:lstStyle/>
+              <a:p>
+                <a:pPr algn="ctr"/>
+                <a:r>
+                  <a:rPr lang="en-US" sz="2000" b="1" dirty="0">
+                    <a:ln w="0"/>
+                    <a:solidFill>
+                      <a:schemeClr val="tx1"/>
+                    </a:solidFill>
+                    <a:effectLst>
+                      <a:outerShdw blurRad="38100" dist="19050" dir="2700000" algn="tl" rotWithShape="0">
+                        <a:schemeClr val="dk1">
+                          <a:alpha val="40000"/>
+                        </a:schemeClr>
+                      </a:outerShdw>
+                    </a:effectLst>
+                    <a:latin typeface="Times New Roman" panose="02020603050405020304" pitchFamily="18" charset="0"/>
+                    <a:cs typeface="Times New Roman" panose="02020603050405020304" pitchFamily="18" charset="0"/>
+                  </a:rPr>
+                  <a:t>1</a:t>
+                </a:r>
+                <a:endParaRPr lang="en-US" sz="2000" b="1" i="1" dirty="0">
+                  <a:ln w="0"/>
+                  <a:solidFill>
+                    <a:schemeClr val="tx1"/>
+                  </a:solidFill>
+                  <a:effectLst>
+                    <a:outerShdw blurRad="38100" dist="19050" dir="2700000" algn="tl" rotWithShape="0">
+                      <a:schemeClr val="dk1">
+                        <a:alpha val="40000"/>
+                      </a:schemeClr>
+                    </a:outerShdw>
+                  </a:effectLst>
+                  <a:latin typeface="Times New Roman" panose="02020603050405020304" pitchFamily="18" charset="0"/>
+                  <a:cs typeface="Times New Roman" panose="02020603050405020304" pitchFamily="18" charset="0"/>
+                </a:endParaRPr>
+              </a:p>
+            </p:txBody>
+          </p:sp>
+          <p:sp>
+            <p:nvSpPr>
+              <p:cNvPr id="56" name="Rectangle 55">
+                <a:extLst>
+                  <a:ext uri="{FF2B5EF4-FFF2-40B4-BE49-F238E27FC236}">
+                    <a16:creationId xmlns:a16="http://schemas.microsoft.com/office/drawing/2014/main" id="{E34104EC-2F51-426B-BC57-DCCB63BB3464}"/>
+                  </a:ext>
+                </a:extLst>
+              </p:cNvPr>
+              <p:cNvSpPr/>
+              <p:nvPr/>
+            </p:nvSpPr>
+            <p:spPr>
+              <a:xfrm>
+                <a:off x="2900841" y="372488"/>
+                <a:ext cx="1377447" cy="357765"/>
+              </a:xfrm>
+              <a:prstGeom prst="rect">
+                <a:avLst/>
+              </a:prstGeom>
+              <a:solidFill>
+                <a:schemeClr val="bg1"/>
+              </a:solidFill>
+              <a:ln w="19050">
+                <a:solidFill>
+                  <a:schemeClr val="tx1"/>
+                </a:solidFill>
+              </a:ln>
+            </p:spPr>
+            <p:style>
+              <a:lnRef idx="2">
+                <a:schemeClr val="accent1">
+                  <a:shade val="50000"/>
+                </a:schemeClr>
+              </a:lnRef>
+              <a:fillRef idx="1">
+                <a:schemeClr val="accent1"/>
+              </a:fillRef>
+              <a:effectRef idx="0">
+                <a:schemeClr val="accent1"/>
+              </a:effectRef>
+              <a:fontRef idx="minor">
+                <a:schemeClr val="lt1"/>
+              </a:fontRef>
+            </p:style>
+            <p:txBody>
+              <a:bodyPr rtlCol="0" anchor="ctr"/>
+              <a:lstStyle/>
+              <a:p>
+                <a:pPr algn="ctr"/>
+                <a:r>
+                  <a:rPr lang="en-US" sz="2400" dirty="0">
+                    <a:solidFill>
+                      <a:schemeClr val="tx1"/>
+                    </a:solidFill>
+                    <a:latin typeface="Times New Roman" panose="02020603050405020304" pitchFamily="18" charset="0"/>
+                    <a:cs typeface="Times New Roman" panose="02020603050405020304" pitchFamily="18" charset="0"/>
+                  </a:rPr>
+                  <a:t>Features</a:t>
+                </a:r>
+              </a:p>
+            </p:txBody>
+          </p:sp>
+          <p:sp>
+            <p:nvSpPr>
+              <p:cNvPr id="61" name="TextBox 60">
+                <a:extLst>
+                  <a:ext uri="{FF2B5EF4-FFF2-40B4-BE49-F238E27FC236}">
+                    <a16:creationId xmlns:a16="http://schemas.microsoft.com/office/drawing/2014/main" id="{03BB78F3-254E-470D-95B6-96F598973623}"/>
+                  </a:ext>
+                </a:extLst>
+              </p:cNvPr>
+              <p:cNvSpPr txBox="1"/>
+              <p:nvPr/>
+            </p:nvSpPr>
+            <p:spPr>
+              <a:xfrm>
+                <a:off x="1763028" y="327534"/>
+                <a:ext cx="1107996" cy="461665"/>
+              </a:xfrm>
+              <a:prstGeom prst="rect">
+                <a:avLst/>
+              </a:prstGeom>
+              <a:noFill/>
+            </p:spPr>
+            <p:txBody>
+              <a:bodyPr wrap="none" rtlCol="0">
+                <a:spAutoFit/>
+              </a:bodyPr>
+              <a:lstStyle/>
+              <a:p>
+                <a:r>
+                  <a:rPr lang="en-US" sz="2400" dirty="0">
+                    <a:ln w="0"/>
+                    <a:effectLst>
+                      <a:outerShdw blurRad="38100" dist="19050" dir="2700000" algn="tl" rotWithShape="0">
+                        <a:schemeClr val="dk1">
+                          <a:alpha val="40000"/>
+                        </a:schemeClr>
+                      </a:outerShdw>
+                    </a:effectLst>
+                    <a:latin typeface="Times New Roman" panose="02020603050405020304" pitchFamily="18" charset="0"/>
+                    <a:cs typeface="Times New Roman" panose="02020603050405020304" pitchFamily="18" charset="0"/>
+                  </a:rPr>
+                  <a:t>Choose</a:t>
+                </a:r>
+                <a:endParaRPr lang="en-US" sz="2400" dirty="0"/>
+              </a:p>
+            </p:txBody>
+          </p:sp>
+        </p:grpSp>
+        <p:sp>
+          <p:nvSpPr>
+            <p:cNvPr id="48" name="Rectangle 47">
+              <a:extLst>
+                <a:ext uri="{FF2B5EF4-FFF2-40B4-BE49-F238E27FC236}">
+                  <a16:creationId xmlns:a16="http://schemas.microsoft.com/office/drawing/2014/main" id="{6A8B599C-9AF0-4248-8629-50785B4BF912}"/>
+                </a:ext>
+              </a:extLst>
+            </p:cNvPr>
+            <p:cNvSpPr/>
+            <p:nvPr/>
+          </p:nvSpPr>
+          <p:spPr>
+            <a:xfrm>
+              <a:off x="2721863" y="1269938"/>
+              <a:ext cx="3310277" cy="458462"/>
+            </a:xfrm>
+            <a:prstGeom prst="rect">
+              <a:avLst/>
+            </a:prstGeom>
+            <a:solidFill>
+              <a:schemeClr val="accent1">
+                <a:lumMod val="75000"/>
+              </a:schemeClr>
+            </a:solidFill>
+            <a:ln w="38100">
+              <a:solidFill>
+                <a:schemeClr val="tx1"/>
+              </a:solidFill>
+              <a:prstDash val="solid"/>
+            </a:ln>
+          </p:spPr>
+          <p:style>
+            <a:lnRef idx="2">
+              <a:schemeClr val="accent1">
+                <a:shade val="50000"/>
+              </a:schemeClr>
+            </a:lnRef>
+            <a:fillRef idx="1">
+              <a:schemeClr val="accent1"/>
+            </a:fillRef>
+            <a:effectRef idx="0">
+              <a:schemeClr val="accent1"/>
+            </a:effectRef>
+            <a:fontRef idx="minor">
+              <a:schemeClr val="lt1"/>
+            </a:fontRef>
+          </p:style>
+          <p:txBody>
+            <a:bodyPr rtlCol="0" anchor="ctr"/>
+            <a:lstStyle/>
+            <a:p>
+              <a:pPr algn="ctr"/>
+              <a:r>
+                <a:rPr lang="en-US" dirty="0">
+                  <a:ln w="0"/>
+                  <a:solidFill>
+                    <a:schemeClr val="tx1"/>
+                  </a:solidFill>
+                  <a:effectLst>
+                    <a:outerShdw blurRad="38100" dist="19050" dir="2700000" algn="tl" rotWithShape="0">
+                      <a:schemeClr val="dk1">
+                        <a:alpha val="40000"/>
+                      </a:schemeClr>
+                    </a:outerShdw>
+                  </a:effectLst>
+                  <a:latin typeface="Times New Roman" panose="02020603050405020304" pitchFamily="18" charset="0"/>
+                  <a:cs typeface="Times New Roman" panose="02020603050405020304" pitchFamily="18" charset="0"/>
+                </a:rPr>
+                <a:t>All </a:t>
+              </a:r>
+              <a:r>
+                <a:rPr lang="en-US" i="1" dirty="0" err="1">
+                  <a:ln w="0"/>
+                  <a:solidFill>
+                    <a:schemeClr val="tx1"/>
+                  </a:solidFill>
+                  <a:effectLst>
+                    <a:outerShdw blurRad="38100" dist="19050" dir="2700000" algn="tl" rotWithShape="0">
+                      <a:schemeClr val="dk1">
+                        <a:alpha val="40000"/>
+                      </a:schemeClr>
+                    </a:outerShdw>
+                  </a:effectLst>
+                  <a:latin typeface="Times New Roman" panose="02020603050405020304" pitchFamily="18" charset="0"/>
+                  <a:cs typeface="Times New Roman" panose="02020603050405020304" pitchFamily="18" charset="0"/>
+                </a:rPr>
+                <a:t>mothur</a:t>
+              </a:r>
+              <a:r>
+                <a:rPr lang="en-US" dirty="0">
+                  <a:ln w="0"/>
+                  <a:solidFill>
+                    <a:schemeClr val="tx1"/>
+                  </a:solidFill>
+                  <a:effectLst>
+                    <a:outerShdw blurRad="38100" dist="19050" dir="2700000" algn="tl" rotWithShape="0">
+                      <a:schemeClr val="dk1">
+                        <a:alpha val="40000"/>
+                      </a:schemeClr>
+                    </a:outerShdw>
+                  </a:effectLst>
+                  <a:latin typeface="Times New Roman" panose="02020603050405020304" pitchFamily="18" charset="0"/>
+                  <a:cs typeface="Times New Roman" panose="02020603050405020304" pitchFamily="18" charset="0"/>
+                </a:rPr>
+                <a:t> ecological measures</a:t>
+              </a:r>
+            </a:p>
+          </p:txBody>
+        </p:sp>
+        <p:sp>
+          <p:nvSpPr>
+            <p:cNvPr id="47" name="Rectangle 46">
+              <a:extLst>
+                <a:ext uri="{FF2B5EF4-FFF2-40B4-BE49-F238E27FC236}">
+                  <a16:creationId xmlns:a16="http://schemas.microsoft.com/office/drawing/2014/main" id="{95B5F4DA-0816-4D72-A36A-E0D2C062EB5B}"/>
+                </a:ext>
+              </a:extLst>
+            </p:cNvPr>
+            <p:cNvSpPr/>
+            <p:nvPr/>
+          </p:nvSpPr>
+          <p:spPr>
+            <a:xfrm>
+              <a:off x="1282384" y="1266629"/>
+              <a:ext cx="1299084" cy="448056"/>
+            </a:xfrm>
+            <a:prstGeom prst="rect">
+              <a:avLst/>
+            </a:prstGeom>
+            <a:solidFill>
+              <a:schemeClr val="accent1">
+                <a:lumMod val="75000"/>
+              </a:schemeClr>
+            </a:solidFill>
+            <a:ln w="38100">
+              <a:solidFill>
+                <a:schemeClr val="tx1"/>
+              </a:solidFill>
+              <a:prstDash val="solid"/>
+            </a:ln>
+          </p:spPr>
+          <p:style>
+            <a:lnRef idx="2">
+              <a:schemeClr val="accent1">
+                <a:shade val="50000"/>
+              </a:schemeClr>
+            </a:lnRef>
+            <a:fillRef idx="1">
+              <a:schemeClr val="accent1"/>
+            </a:fillRef>
+            <a:effectRef idx="0">
+              <a:schemeClr val="accent1"/>
+            </a:effectRef>
+            <a:fontRef idx="minor">
+              <a:schemeClr val="lt1"/>
+            </a:fontRef>
+          </p:style>
+          <p:txBody>
+            <a:bodyPr rtlCol="0" anchor="ctr"/>
+            <a:lstStyle/>
+            <a:p>
+              <a:pPr algn="ctr"/>
+              <a:r>
+                <a:rPr lang="en-US" dirty="0">
+                  <a:ln w="0"/>
+                  <a:solidFill>
+                    <a:schemeClr val="tx1"/>
+                  </a:solidFill>
+                  <a:effectLst>
+                    <a:outerShdw blurRad="38100" dist="19050" dir="2700000" algn="tl" rotWithShape="0">
+                      <a:schemeClr val="dk1">
+                        <a:alpha val="40000"/>
+                      </a:schemeClr>
+                    </a:outerShdw>
+                  </a:effectLst>
+                  <a:latin typeface="Times New Roman" panose="02020603050405020304" pitchFamily="18" charset="0"/>
+                  <a:cs typeface="Times New Roman" panose="02020603050405020304" pitchFamily="18" charset="0"/>
+                </a:rPr>
+                <a:t>OTUs</a:t>
+              </a:r>
+              <a:endParaRPr lang="en-US" i="1" dirty="0">
+                <a:ln w="0"/>
+                <a:solidFill>
+                  <a:schemeClr val="tx1"/>
+                </a:solidFill>
+                <a:effectLst>
+                  <a:outerShdw blurRad="38100" dist="19050" dir="2700000" algn="tl" rotWithShape="0">
+                    <a:schemeClr val="dk1">
+                      <a:alpha val="40000"/>
+                    </a:schemeClr>
+                  </a:outerShdw>
+                </a:effectLst>
+                <a:latin typeface="Times New Roman" panose="02020603050405020304" pitchFamily="18" charset="0"/>
+                <a:cs typeface="Times New Roman" panose="02020603050405020304" pitchFamily="18" charset="0"/>
+              </a:endParaRPr>
+            </a:p>
+          </p:txBody>
+        </p:sp>
+      </p:grpSp>
+      <p:grpSp>
+        <p:nvGrpSpPr>
+          <p:cNvPr id="140" name="Group 139">
+            <a:extLst>
+              <a:ext uri="{FF2B5EF4-FFF2-40B4-BE49-F238E27FC236}">
+                <a16:creationId xmlns:a16="http://schemas.microsoft.com/office/drawing/2014/main" id="{30BB2B7C-066C-4E4A-84A8-30C357FE5D8D}"/>
+              </a:ext>
+            </a:extLst>
+          </p:cNvPr>
+          <p:cNvGrpSpPr/>
+          <p:nvPr/>
+        </p:nvGrpSpPr>
+        <p:grpSpPr>
+          <a:xfrm>
+            <a:off x="307211" y="4771027"/>
+            <a:ext cx="5854147" cy="1437578"/>
+            <a:chOff x="307211" y="3587118"/>
+            <a:chExt cx="5854147" cy="1437578"/>
+          </a:xfrm>
+        </p:grpSpPr>
+        <p:sp>
+          <p:nvSpPr>
+            <p:cNvPr id="52" name="Rectangle: Rounded Corners 51">
+              <a:extLst>
+                <a:ext uri="{FF2B5EF4-FFF2-40B4-BE49-F238E27FC236}">
+                  <a16:creationId xmlns:a16="http://schemas.microsoft.com/office/drawing/2014/main" id="{33CF30DF-E9E7-4188-B1D1-48F2466601B5}"/>
+                </a:ext>
+              </a:extLst>
+            </p:cNvPr>
+            <p:cNvSpPr/>
+            <p:nvPr/>
+          </p:nvSpPr>
+          <p:spPr>
+            <a:xfrm>
+              <a:off x="307211" y="3587118"/>
+              <a:ext cx="5854147" cy="1437578"/>
+            </a:xfrm>
+            <a:prstGeom prst="roundRect">
+              <a:avLst/>
+            </a:prstGeom>
+            <a:solidFill>
+              <a:srgbClr val="02A037"/>
+            </a:solidFill>
+            <a:ln w="38100">
+              <a:solidFill>
+                <a:schemeClr val="tx1"/>
+              </a:solidFill>
+            </a:ln>
+          </p:spPr>
+          <p:style>
+            <a:lnRef idx="2">
+              <a:schemeClr val="accent1">
+                <a:shade val="50000"/>
+              </a:schemeClr>
+            </a:lnRef>
+            <a:fillRef idx="1">
+              <a:schemeClr val="accent1"/>
+            </a:fillRef>
+            <a:effectRef idx="0">
+              <a:schemeClr val="accent1"/>
+            </a:effectRef>
+            <a:fontRef idx="minor">
+              <a:schemeClr val="lt1"/>
+            </a:fontRef>
+          </p:style>
+          <p:txBody>
+            <a:bodyPr numCol="1" rtlCol="0" anchor="t"/>
+            <a:lstStyle/>
+            <a:p>
+              <a:r>
+                <a:rPr lang="en-US" sz="2400" dirty="0">
+                  <a:ln w="0"/>
+                  <a:solidFill>
+                    <a:schemeClr val="tx1"/>
+                  </a:solidFill>
+                  <a:effectLst>
+                    <a:outerShdw blurRad="38100" dist="19050" dir="2700000" algn="tl" rotWithShape="0">
+                      <a:schemeClr val="dk1">
+                        <a:alpha val="40000"/>
+                      </a:schemeClr>
+                    </a:outerShdw>
+                  </a:effectLst>
+                  <a:latin typeface="Times New Roman" panose="02020603050405020304" pitchFamily="18" charset="0"/>
+                  <a:cs typeface="Times New Roman" panose="02020603050405020304" pitchFamily="18" charset="0"/>
+                </a:rPr>
+                <a:t>                </a:t>
+              </a:r>
+            </a:p>
+            <a:p>
+              <a:pPr algn="ctr"/>
+              <a:endParaRPr lang="en-US" dirty="0">
+                <a:ln w="0"/>
+                <a:solidFill>
+                  <a:schemeClr val="tx1"/>
+                </a:solidFill>
+                <a:effectLst>
+                  <a:outerShdw blurRad="38100" dist="19050" dir="2700000" algn="tl" rotWithShape="0">
+                    <a:schemeClr val="dk1">
+                      <a:alpha val="40000"/>
+                    </a:schemeClr>
+                  </a:outerShdw>
+                </a:effectLst>
+                <a:latin typeface="Times New Roman" panose="02020603050405020304" pitchFamily="18" charset="0"/>
+                <a:cs typeface="Times New Roman" panose="02020603050405020304" pitchFamily="18" charset="0"/>
+              </a:endParaRPr>
+            </a:p>
+            <a:p>
+              <a:pPr algn="ctr"/>
+              <a:r>
+                <a:rPr lang="en-US" sz="2000" i="1" dirty="0">
+                  <a:ln w="0"/>
+                  <a:solidFill>
+                    <a:schemeClr val="tx1"/>
+                  </a:solidFill>
+                  <a:effectLst>
+                    <a:outerShdw blurRad="38100" dist="19050" dir="2700000" algn="tl" rotWithShape="0">
+                      <a:schemeClr val="dk1">
+                        <a:alpha val="40000"/>
+                      </a:schemeClr>
+                    </a:outerShdw>
+                  </a:effectLst>
+                  <a:latin typeface="Times New Roman" panose="02020603050405020304" pitchFamily="18" charset="0"/>
+                  <a:cs typeface="Times New Roman" panose="02020603050405020304" pitchFamily="18" charset="0"/>
+                </a:rPr>
+                <a:t>	</a:t>
+              </a:r>
+            </a:p>
+            <a:p>
+              <a:pPr algn="ctr"/>
+              <a:endParaRPr lang="en-US" dirty="0">
+                <a:ln w="0"/>
+                <a:solidFill>
+                  <a:schemeClr val="tx1"/>
+                </a:solidFill>
+                <a:effectLst>
+                  <a:outerShdw blurRad="38100" dist="19050" dir="2700000" algn="tl" rotWithShape="0">
+                    <a:schemeClr val="dk1">
+                      <a:alpha val="40000"/>
+                    </a:schemeClr>
+                  </a:outerShdw>
+                </a:effectLst>
+                <a:latin typeface="Times New Roman" panose="02020603050405020304" pitchFamily="18" charset="0"/>
+                <a:cs typeface="Times New Roman" panose="02020603050405020304" pitchFamily="18" charset="0"/>
+              </a:endParaRPr>
+            </a:p>
+          </p:txBody>
+        </p:sp>
+        <p:sp>
+          <p:nvSpPr>
+            <p:cNvPr id="60" name="Oval 59">
+              <a:extLst>
+                <a:ext uri="{FF2B5EF4-FFF2-40B4-BE49-F238E27FC236}">
+                  <a16:creationId xmlns:a16="http://schemas.microsoft.com/office/drawing/2014/main" id="{14C9B95B-1B6B-410D-B411-57F1D5956334}"/>
+                </a:ext>
+              </a:extLst>
+            </p:cNvPr>
+            <p:cNvSpPr/>
+            <p:nvPr/>
+          </p:nvSpPr>
+          <p:spPr>
+            <a:xfrm>
+              <a:off x="2942599" y="4395694"/>
+              <a:ext cx="2890637" cy="447675"/>
+            </a:xfrm>
+            <a:prstGeom prst="ellipse">
+              <a:avLst/>
+            </a:prstGeom>
+            <a:solidFill>
+              <a:schemeClr val="accent1">
+                <a:lumMod val="75000"/>
+              </a:schemeClr>
+            </a:solidFill>
+            <a:ln w="38100">
+              <a:solidFill>
+                <a:schemeClr val="tx1"/>
+              </a:solidFill>
+              <a:prstDash val="dash"/>
+            </a:ln>
+          </p:spPr>
+          <p:style>
+            <a:lnRef idx="2">
+              <a:schemeClr val="accent1">
+                <a:shade val="50000"/>
+              </a:schemeClr>
+            </a:lnRef>
+            <a:fillRef idx="1">
+              <a:schemeClr val="accent1"/>
+            </a:fillRef>
+            <a:effectRef idx="0">
+              <a:schemeClr val="accent1"/>
+            </a:effectRef>
+            <a:fontRef idx="minor">
+              <a:schemeClr val="lt1"/>
+            </a:fontRef>
+          </p:style>
+          <p:txBody>
+            <a:bodyPr rtlCol="0" anchor="ctr"/>
+            <a:lstStyle/>
+            <a:p>
+              <a:pPr algn="ctr"/>
+              <a:r>
+                <a:rPr lang="en-US" dirty="0">
+                  <a:ln w="0"/>
+                  <a:solidFill>
+                    <a:schemeClr val="tx1"/>
+                  </a:solidFill>
+                  <a:effectLst>
+                    <a:outerShdw blurRad="38100" dist="19050" dir="2700000" algn="tl" rotWithShape="0">
+                      <a:schemeClr val="dk1">
+                        <a:alpha val="40000"/>
+                      </a:schemeClr>
+                    </a:outerShdw>
+                  </a:effectLst>
+                  <a:latin typeface="Times New Roman" panose="02020603050405020304" pitchFamily="18" charset="0"/>
+                  <a:cs typeface="Times New Roman" panose="02020603050405020304" pitchFamily="18" charset="0"/>
+                </a:rPr>
+                <a:t>M. avium/</a:t>
+              </a:r>
+              <a:r>
+                <a:rPr lang="en-US" dirty="0" err="1">
+                  <a:ln w="0"/>
+                  <a:solidFill>
+                    <a:schemeClr val="tx1"/>
+                  </a:solidFill>
+                  <a:effectLst>
+                    <a:outerShdw blurRad="38100" dist="19050" dir="2700000" algn="tl" rotWithShape="0">
+                      <a:schemeClr val="dk1">
+                        <a:alpha val="40000"/>
+                      </a:schemeClr>
+                    </a:outerShdw>
+                  </a:effectLst>
+                  <a:latin typeface="Times New Roman" panose="02020603050405020304" pitchFamily="18" charset="0"/>
+                  <a:cs typeface="Times New Roman" panose="02020603050405020304" pitchFamily="18" charset="0"/>
+                </a:rPr>
+                <a:t>abscessus</a:t>
+              </a:r>
+              <a:endParaRPr lang="en-US" dirty="0">
+                <a:ln w="0"/>
+                <a:solidFill>
+                  <a:schemeClr val="tx1"/>
+                </a:solidFill>
+                <a:effectLst>
+                  <a:outerShdw blurRad="38100" dist="19050" dir="2700000" algn="tl" rotWithShape="0">
+                    <a:schemeClr val="dk1">
+                      <a:alpha val="40000"/>
+                    </a:schemeClr>
+                  </a:outerShdw>
+                </a:effectLst>
+                <a:latin typeface="Times New Roman" panose="02020603050405020304" pitchFamily="18" charset="0"/>
+                <a:cs typeface="Times New Roman" panose="02020603050405020304" pitchFamily="18" charset="0"/>
+              </a:endParaRPr>
+            </a:p>
+          </p:txBody>
+        </p:sp>
+        <p:sp>
+          <p:nvSpPr>
+            <p:cNvPr id="59" name="Oval 58">
+              <a:extLst>
+                <a:ext uri="{FF2B5EF4-FFF2-40B4-BE49-F238E27FC236}">
+                  <a16:creationId xmlns:a16="http://schemas.microsoft.com/office/drawing/2014/main" id="{A51CA97A-6D80-4C6C-959E-E96BA16C8790}"/>
+                </a:ext>
+              </a:extLst>
+            </p:cNvPr>
+            <p:cNvSpPr/>
+            <p:nvPr/>
+          </p:nvSpPr>
+          <p:spPr>
+            <a:xfrm>
+              <a:off x="591652" y="4391347"/>
+              <a:ext cx="2091296" cy="447675"/>
+            </a:xfrm>
+            <a:prstGeom prst="ellipse">
+              <a:avLst/>
+            </a:prstGeom>
+            <a:solidFill>
+              <a:srgbClr val="FFFF00"/>
+            </a:solidFill>
+            <a:ln w="38100">
+              <a:solidFill>
+                <a:schemeClr val="tx1"/>
+              </a:solidFill>
+              <a:prstDash val="dash"/>
+            </a:ln>
+          </p:spPr>
+          <p:style>
+            <a:lnRef idx="2">
+              <a:schemeClr val="accent1">
+                <a:shade val="50000"/>
+              </a:schemeClr>
+            </a:lnRef>
+            <a:fillRef idx="1">
+              <a:schemeClr val="accent1"/>
+            </a:fillRef>
+            <a:effectRef idx="0">
+              <a:schemeClr val="accent1"/>
+            </a:effectRef>
+            <a:fontRef idx="minor">
+              <a:schemeClr val="lt1"/>
+            </a:fontRef>
+          </p:style>
+          <p:txBody>
+            <a:bodyPr rtlCol="0" anchor="ctr"/>
+            <a:lstStyle/>
+            <a:p>
+              <a:pPr algn="ctr"/>
+              <a:r>
+                <a:rPr lang="en-US" dirty="0">
+                  <a:ln w="0"/>
+                  <a:solidFill>
+                    <a:schemeClr val="tx1"/>
+                  </a:solidFill>
+                  <a:effectLst>
+                    <a:outerShdw blurRad="38100" dist="19050" dir="2700000" algn="tl" rotWithShape="0">
+                      <a:schemeClr val="dk1">
+                        <a:alpha val="40000"/>
+                      </a:schemeClr>
+                    </a:outerShdw>
+                  </a:effectLst>
+                  <a:latin typeface="Times New Roman" panose="02020603050405020304" pitchFamily="18" charset="0"/>
+                  <a:cs typeface="Times New Roman" panose="02020603050405020304" pitchFamily="18" charset="0"/>
+                </a:rPr>
+                <a:t>NTM disease</a:t>
+              </a:r>
+              <a:endParaRPr lang="en-US" i="1" dirty="0">
+                <a:ln w="0"/>
+                <a:solidFill>
+                  <a:schemeClr val="tx1"/>
+                </a:solidFill>
+                <a:effectLst>
+                  <a:outerShdw blurRad="38100" dist="19050" dir="2700000" algn="tl" rotWithShape="0">
+                    <a:schemeClr val="dk1">
+                      <a:alpha val="40000"/>
+                    </a:schemeClr>
+                  </a:outerShdw>
+                </a:effectLst>
+                <a:latin typeface="Times New Roman" panose="02020603050405020304" pitchFamily="18" charset="0"/>
+                <a:cs typeface="Times New Roman" panose="02020603050405020304" pitchFamily="18" charset="0"/>
+              </a:endParaRPr>
+            </a:p>
+          </p:txBody>
+        </p:sp>
+        <p:sp>
+          <p:nvSpPr>
+            <p:cNvPr id="55" name="Rectangle: Rounded Corners 54">
+              <a:extLst>
+                <a:ext uri="{FF2B5EF4-FFF2-40B4-BE49-F238E27FC236}">
+                  <a16:creationId xmlns:a16="http://schemas.microsoft.com/office/drawing/2014/main" id="{B656A5B2-5F07-4030-BE45-A7265AA043F5}"/>
+                </a:ext>
+              </a:extLst>
+            </p:cNvPr>
+            <p:cNvSpPr/>
+            <p:nvPr/>
+          </p:nvSpPr>
+          <p:spPr>
+            <a:xfrm>
+              <a:off x="1322491" y="3732518"/>
+              <a:ext cx="464446" cy="447675"/>
+            </a:xfrm>
+            <a:prstGeom prst="roundRect">
+              <a:avLst>
+                <a:gd name="adj" fmla="val 50000"/>
+              </a:avLst>
+            </a:prstGeom>
+            <a:solidFill>
+              <a:schemeClr val="bg1"/>
+            </a:solidFill>
+            <a:ln w="38100">
+              <a:solidFill>
+                <a:schemeClr val="tx1"/>
+              </a:solidFill>
+            </a:ln>
+          </p:spPr>
+          <p:style>
+            <a:lnRef idx="2">
+              <a:schemeClr val="accent1">
+                <a:shade val="50000"/>
+              </a:schemeClr>
+            </a:lnRef>
+            <a:fillRef idx="1">
+              <a:schemeClr val="accent1"/>
+            </a:fillRef>
+            <a:effectRef idx="0">
+              <a:schemeClr val="accent1"/>
+            </a:effectRef>
+            <a:fontRef idx="minor">
+              <a:schemeClr val="lt1"/>
+            </a:fontRef>
+          </p:style>
+          <p:txBody>
+            <a:bodyPr rtlCol="0" anchor="ctr"/>
+            <a:lstStyle/>
+            <a:p>
+              <a:pPr algn="ctr"/>
+              <a:r>
+                <a:rPr lang="en-US" sz="2000" b="1" dirty="0">
+                  <a:ln w="0"/>
+                  <a:solidFill>
+                    <a:schemeClr val="tx1"/>
+                  </a:solidFill>
+                  <a:effectLst>
+                    <a:outerShdw blurRad="38100" dist="19050" dir="2700000" algn="tl" rotWithShape="0">
+                      <a:schemeClr val="dk1">
+                        <a:alpha val="40000"/>
+                      </a:schemeClr>
+                    </a:outerShdw>
+                  </a:effectLst>
+                  <a:latin typeface="Times New Roman" panose="02020603050405020304" pitchFamily="18" charset="0"/>
+                  <a:cs typeface="Times New Roman" panose="02020603050405020304" pitchFamily="18" charset="0"/>
+                </a:rPr>
+                <a:t>3</a:t>
+              </a:r>
+              <a:endParaRPr lang="en-US" sz="2000" b="1" i="1" dirty="0">
+                <a:ln w="0"/>
+                <a:solidFill>
+                  <a:schemeClr val="tx1"/>
+                </a:solidFill>
+                <a:effectLst>
+                  <a:outerShdw blurRad="38100" dist="19050" dir="2700000" algn="tl" rotWithShape="0">
+                    <a:schemeClr val="dk1">
+                      <a:alpha val="40000"/>
+                    </a:schemeClr>
+                  </a:outerShdw>
+                </a:effectLst>
+                <a:latin typeface="Times New Roman" panose="02020603050405020304" pitchFamily="18" charset="0"/>
+                <a:cs typeface="Times New Roman" panose="02020603050405020304" pitchFamily="18" charset="0"/>
+              </a:endParaRPr>
+            </a:p>
+          </p:txBody>
+        </p:sp>
+        <p:sp>
+          <p:nvSpPr>
+            <p:cNvPr id="58" name="Oval 57">
+              <a:extLst>
+                <a:ext uri="{FF2B5EF4-FFF2-40B4-BE49-F238E27FC236}">
+                  <a16:creationId xmlns:a16="http://schemas.microsoft.com/office/drawing/2014/main" id="{B6642158-7C91-4ECB-815B-04E91C24D0D8}"/>
+                </a:ext>
+              </a:extLst>
+            </p:cNvPr>
+            <p:cNvSpPr/>
+            <p:nvPr/>
+          </p:nvSpPr>
+          <p:spPr>
+            <a:xfrm>
+              <a:off x="3036309" y="3756829"/>
+              <a:ext cx="2091296" cy="447675"/>
+            </a:xfrm>
+            <a:prstGeom prst="ellipse">
+              <a:avLst/>
+            </a:prstGeom>
+            <a:solidFill>
+              <a:schemeClr val="bg1"/>
+            </a:solidFill>
+            <a:ln w="19050">
+              <a:solidFill>
+                <a:schemeClr val="tx1"/>
+              </a:solidFill>
+            </a:ln>
+          </p:spPr>
+          <p:style>
+            <a:lnRef idx="2">
+              <a:schemeClr val="accent1">
+                <a:shade val="50000"/>
+              </a:schemeClr>
+            </a:lnRef>
+            <a:fillRef idx="1">
+              <a:schemeClr val="accent1"/>
+            </a:fillRef>
+            <a:effectRef idx="0">
+              <a:schemeClr val="accent1"/>
+            </a:effectRef>
+            <a:fontRef idx="minor">
+              <a:schemeClr val="lt1"/>
+            </a:fontRef>
+          </p:style>
+          <p:txBody>
+            <a:bodyPr rtlCol="0" anchor="ctr"/>
+            <a:lstStyle/>
+            <a:p>
+              <a:pPr algn="ctr"/>
+              <a:r>
+                <a:rPr lang="en-US" sz="2400" dirty="0">
+                  <a:solidFill>
+                    <a:schemeClr val="tx1"/>
+                  </a:solidFill>
+                  <a:latin typeface="Times New Roman" panose="02020603050405020304" pitchFamily="18" charset="0"/>
+                  <a:cs typeface="Times New Roman" panose="02020603050405020304" pitchFamily="18" charset="0"/>
+                </a:rPr>
+                <a:t>Classifiers</a:t>
+              </a:r>
+            </a:p>
+          </p:txBody>
+        </p:sp>
+        <p:sp>
+          <p:nvSpPr>
+            <p:cNvPr id="63" name="TextBox 62">
+              <a:extLst>
+                <a:ext uri="{FF2B5EF4-FFF2-40B4-BE49-F238E27FC236}">
+                  <a16:creationId xmlns:a16="http://schemas.microsoft.com/office/drawing/2014/main" id="{D61D6054-FC8D-4841-9BA2-FAC46F11F3FD}"/>
+                </a:ext>
+              </a:extLst>
+            </p:cNvPr>
+            <p:cNvSpPr txBox="1"/>
+            <p:nvPr/>
+          </p:nvSpPr>
+          <p:spPr>
+            <a:xfrm>
+              <a:off x="1853640" y="3710763"/>
+              <a:ext cx="1184940" cy="461665"/>
+            </a:xfrm>
+            <a:prstGeom prst="rect">
+              <a:avLst/>
+            </a:prstGeom>
+            <a:noFill/>
+          </p:spPr>
+          <p:txBody>
+            <a:bodyPr wrap="none" rtlCol="0">
+              <a:spAutoFit/>
+            </a:bodyPr>
+            <a:lstStyle/>
+            <a:p>
+              <a:r>
+                <a:rPr lang="en-US" sz="2400" dirty="0">
+                  <a:ln w="0"/>
+                  <a:effectLst>
+                    <a:outerShdw blurRad="38100" dist="19050" dir="2700000" algn="tl" rotWithShape="0">
+                      <a:schemeClr val="dk1">
+                        <a:alpha val="40000"/>
+                      </a:schemeClr>
+                    </a:outerShdw>
+                  </a:effectLst>
+                  <a:latin typeface="Times New Roman" panose="02020603050405020304" pitchFamily="18" charset="0"/>
+                  <a:cs typeface="Times New Roman" panose="02020603050405020304" pitchFamily="18" charset="0"/>
+                </a:rPr>
+                <a:t>Choose </a:t>
+              </a:r>
+              <a:endParaRPr lang="en-US" sz="2400" dirty="0"/>
+            </a:p>
+          </p:txBody>
+        </p:sp>
+      </p:grpSp>
+      <p:sp>
+        <p:nvSpPr>
+          <p:cNvPr id="143" name="Arrow: Right 142">
+            <a:extLst>
+              <a:ext uri="{FF2B5EF4-FFF2-40B4-BE49-F238E27FC236}">
+                <a16:creationId xmlns:a16="http://schemas.microsoft.com/office/drawing/2014/main" id="{B236B9CA-698E-421D-AA9F-F68BDD6648E0}"/>
+              </a:ext>
+            </a:extLst>
+          </p:cNvPr>
+          <p:cNvSpPr/>
+          <p:nvPr/>
+        </p:nvSpPr>
+        <p:spPr>
+          <a:xfrm rot="5400000">
+            <a:off x="2889279" y="1611114"/>
+            <a:ext cx="688024" cy="692996"/>
+          </a:xfrm>
+          <a:prstGeom prst="rightArrow">
+            <a:avLst/>
+          </a:prstGeom>
+          <a:solidFill>
+            <a:schemeClr val="tx1"/>
+          </a:solidFill>
+          <a:ln>
+            <a:solidFill>
+              <a:schemeClr val="tx1"/>
+            </a:solidFill>
+          </a:ln>
+        </p:spPr>
+        <p:style>
+          <a:lnRef idx="2">
+            <a:schemeClr val="accent1">
+              <a:shade val="50000"/>
+            </a:schemeClr>
+          </a:lnRef>
+          <a:fillRef idx="1">
+            <a:schemeClr val="accent1"/>
+          </a:fillRef>
+          <a:effectRef idx="0">
+            <a:schemeClr val="accent1"/>
+          </a:effectRef>
+          <a:fontRef idx="minor">
+            <a:schemeClr val="lt1"/>
+          </a:fontRef>
+        </p:style>
+        <p:txBody>
+          <a:bodyPr rtlCol="0" anchor="ctr"/>
+          <a:lstStyle/>
+          <a:p>
+            <a:pPr algn="ctr"/>
+            <a:endParaRPr lang="en-US"/>
+          </a:p>
+        </p:txBody>
+      </p:sp>
+      <p:sp>
+        <p:nvSpPr>
+          <p:cNvPr id="144" name="Arrow: Right 143">
+            <a:extLst>
+              <a:ext uri="{FF2B5EF4-FFF2-40B4-BE49-F238E27FC236}">
+                <a16:creationId xmlns:a16="http://schemas.microsoft.com/office/drawing/2014/main" id="{E127B3FE-19C5-47CF-8DE8-E7A2F7D070DA}"/>
+              </a:ext>
+            </a:extLst>
+          </p:cNvPr>
+          <p:cNvSpPr/>
+          <p:nvPr/>
+        </p:nvSpPr>
+        <p:spPr>
+          <a:xfrm rot="5400000">
+            <a:off x="2879304" y="4055016"/>
+            <a:ext cx="709077" cy="692996"/>
+          </a:xfrm>
+          <a:prstGeom prst="rightArrow">
+            <a:avLst/>
+          </a:prstGeom>
+          <a:solidFill>
+            <a:schemeClr val="tx1"/>
+          </a:solidFill>
+          <a:ln>
+            <a:solidFill>
+              <a:schemeClr val="tx1"/>
+            </a:solidFill>
+          </a:ln>
+        </p:spPr>
+        <p:style>
+          <a:lnRef idx="2">
+            <a:schemeClr val="accent1">
+              <a:shade val="50000"/>
+            </a:schemeClr>
+          </a:lnRef>
+          <a:fillRef idx="1">
+            <a:schemeClr val="accent1"/>
+          </a:fillRef>
+          <a:effectRef idx="0">
+            <a:schemeClr val="accent1"/>
+          </a:effectRef>
+          <a:fontRef idx="minor">
+            <a:schemeClr val="lt1"/>
+          </a:fontRef>
+        </p:style>
+        <p:txBody>
+          <a:bodyPr rtlCol="0" anchor="ctr"/>
+          <a:lstStyle/>
+          <a:p>
+            <a:pPr algn="ctr"/>
+            <a:endParaRPr lang="en-US"/>
+          </a:p>
+        </p:txBody>
+      </p:sp>
+      <p:sp>
+        <p:nvSpPr>
+          <p:cNvPr id="145" name="Arrow: Right 144">
+            <a:extLst>
+              <a:ext uri="{FF2B5EF4-FFF2-40B4-BE49-F238E27FC236}">
+                <a16:creationId xmlns:a16="http://schemas.microsoft.com/office/drawing/2014/main" id="{07457BC4-0F00-4009-A35E-2AD6E587C860}"/>
+              </a:ext>
+            </a:extLst>
+          </p:cNvPr>
+          <p:cNvSpPr/>
+          <p:nvPr/>
+        </p:nvSpPr>
+        <p:spPr>
+          <a:xfrm>
+            <a:off x="6166569" y="5099934"/>
+            <a:ext cx="781001" cy="692996"/>
+          </a:xfrm>
+          <a:prstGeom prst="rightArrow">
+            <a:avLst/>
+          </a:prstGeom>
+          <a:solidFill>
+            <a:schemeClr val="tx1"/>
+          </a:solidFill>
+          <a:ln>
+            <a:solidFill>
+              <a:schemeClr val="tx1"/>
+            </a:solidFill>
+          </a:ln>
+        </p:spPr>
+        <p:style>
+          <a:lnRef idx="2">
+            <a:schemeClr val="accent1">
+              <a:shade val="50000"/>
+            </a:schemeClr>
+          </a:lnRef>
+          <a:fillRef idx="1">
+            <a:schemeClr val="accent1"/>
+          </a:fillRef>
+          <a:effectRef idx="0">
+            <a:schemeClr val="accent1"/>
+          </a:effectRef>
+          <a:fontRef idx="minor">
+            <a:schemeClr val="lt1"/>
+          </a:fontRef>
+        </p:style>
+        <p:txBody>
+          <a:bodyPr rtlCol="0" anchor="ctr"/>
+          <a:lstStyle/>
+          <a:p>
+            <a:pPr algn="ctr"/>
+            <a:endParaRPr lang="en-US"/>
+          </a:p>
+        </p:txBody>
+      </p:sp>
+      <p:sp>
+        <p:nvSpPr>
+          <p:cNvPr id="77" name="Rectangle: Rounded Corners 76">
+            <a:extLst>
+              <a:ext uri="{FF2B5EF4-FFF2-40B4-BE49-F238E27FC236}">
+                <a16:creationId xmlns:a16="http://schemas.microsoft.com/office/drawing/2014/main" id="{9FAC3A99-944E-45CA-AB3F-A738B3C3A6BD}"/>
+              </a:ext>
+            </a:extLst>
+          </p:cNvPr>
+          <p:cNvSpPr/>
+          <p:nvPr/>
+        </p:nvSpPr>
+        <p:spPr>
+          <a:xfrm>
+            <a:off x="307211" y="2320096"/>
+            <a:ext cx="5854148" cy="1717643"/>
+          </a:xfrm>
+          <a:prstGeom prst="roundRect">
+            <a:avLst/>
+          </a:prstGeom>
+          <a:solidFill>
+            <a:srgbClr val="F18F0D"/>
+          </a:solidFill>
+          <a:ln w="38100">
+            <a:solidFill>
+              <a:schemeClr val="tx1"/>
+            </a:solidFill>
+          </a:ln>
+        </p:spPr>
+        <p:style>
+          <a:lnRef idx="2">
+            <a:schemeClr val="accent1">
+              <a:shade val="50000"/>
+            </a:schemeClr>
+          </a:lnRef>
+          <a:fillRef idx="1">
+            <a:schemeClr val="accent1"/>
+          </a:fillRef>
+          <a:effectRef idx="0">
+            <a:schemeClr val="accent1"/>
+          </a:effectRef>
+          <a:fontRef idx="minor">
+            <a:schemeClr val="lt1"/>
+          </a:fontRef>
+        </p:style>
+        <p:txBody>
+          <a:bodyPr numCol="1" rtlCol="0" anchor="t"/>
+          <a:lstStyle/>
+          <a:p>
+            <a:r>
+              <a:rPr lang="en-US" sz="2400" dirty="0">
+                <a:ln w="0"/>
+                <a:solidFill>
+                  <a:schemeClr val="tx1"/>
+                </a:solidFill>
+                <a:effectLst>
+                  <a:outerShdw blurRad="38100" dist="19050" dir="2700000" algn="tl" rotWithShape="0">
+                    <a:schemeClr val="dk1">
+                      <a:alpha val="40000"/>
+                    </a:schemeClr>
+                  </a:outerShdw>
+                </a:effectLst>
+                <a:latin typeface="Times New Roman" panose="02020603050405020304" pitchFamily="18" charset="0"/>
+                <a:cs typeface="Times New Roman" panose="02020603050405020304" pitchFamily="18" charset="0"/>
+              </a:rPr>
+              <a:t>                </a:t>
+            </a:r>
+          </a:p>
+          <a:p>
+            <a:pPr algn="ctr"/>
+            <a:endParaRPr lang="en-US" dirty="0">
+              <a:ln w="0"/>
+              <a:solidFill>
+                <a:schemeClr val="tx1"/>
+              </a:solidFill>
+              <a:effectLst>
+                <a:outerShdw blurRad="38100" dist="19050" dir="2700000" algn="tl" rotWithShape="0">
+                  <a:schemeClr val="dk1">
+                    <a:alpha val="40000"/>
+                  </a:schemeClr>
+                </a:outerShdw>
+              </a:effectLst>
+              <a:latin typeface="Times New Roman" panose="02020603050405020304" pitchFamily="18" charset="0"/>
+              <a:cs typeface="Times New Roman" panose="02020603050405020304" pitchFamily="18" charset="0"/>
+            </a:endParaRPr>
+          </a:p>
+          <a:p>
+            <a:pPr algn="ctr"/>
+            <a:r>
+              <a:rPr lang="en-US" sz="2000" i="1" dirty="0">
+                <a:ln w="0"/>
+                <a:solidFill>
+                  <a:schemeClr val="tx1"/>
+                </a:solidFill>
+                <a:effectLst>
+                  <a:outerShdw blurRad="38100" dist="19050" dir="2700000" algn="tl" rotWithShape="0">
+                    <a:schemeClr val="dk1">
+                      <a:alpha val="40000"/>
+                    </a:schemeClr>
+                  </a:outerShdw>
+                </a:effectLst>
+                <a:latin typeface="Times New Roman" panose="02020603050405020304" pitchFamily="18" charset="0"/>
+                <a:cs typeface="Times New Roman" panose="02020603050405020304" pitchFamily="18" charset="0"/>
+              </a:rPr>
+              <a:t>	</a:t>
+            </a:r>
+          </a:p>
+          <a:p>
+            <a:pPr algn="ctr"/>
+            <a:endParaRPr lang="en-US" dirty="0">
+              <a:ln w="0"/>
+              <a:solidFill>
+                <a:schemeClr val="tx1"/>
+              </a:solidFill>
+              <a:effectLst>
+                <a:outerShdw blurRad="38100" dist="19050" dir="2700000" algn="tl" rotWithShape="0">
+                  <a:schemeClr val="dk1">
+                    <a:alpha val="40000"/>
+                  </a:schemeClr>
+                </a:outerShdw>
+              </a:effectLst>
+              <a:latin typeface="Times New Roman" panose="02020603050405020304" pitchFamily="18" charset="0"/>
+              <a:cs typeface="Times New Roman" panose="02020603050405020304" pitchFamily="18" charset="0"/>
+            </a:endParaRPr>
+          </a:p>
+        </p:txBody>
+      </p:sp>
+      <p:grpSp>
+        <p:nvGrpSpPr>
+          <p:cNvPr id="104" name="Group 103">
+            <a:extLst>
+              <a:ext uri="{FF2B5EF4-FFF2-40B4-BE49-F238E27FC236}">
+                <a16:creationId xmlns:a16="http://schemas.microsoft.com/office/drawing/2014/main" id="{83D7CA77-2BFC-40EE-8585-D8B53E0BD1A5}"/>
+              </a:ext>
+            </a:extLst>
+          </p:cNvPr>
+          <p:cNvGrpSpPr/>
+          <p:nvPr/>
+        </p:nvGrpSpPr>
+        <p:grpSpPr>
+          <a:xfrm>
+            <a:off x="1208015" y="2399033"/>
+            <a:ext cx="4050549" cy="492006"/>
+            <a:chOff x="2469870" y="4879061"/>
+            <a:chExt cx="4050549" cy="492006"/>
+          </a:xfrm>
+        </p:grpSpPr>
+        <p:grpSp>
+          <p:nvGrpSpPr>
+            <p:cNvPr id="78" name="Group 77">
+              <a:extLst>
+                <a:ext uri="{FF2B5EF4-FFF2-40B4-BE49-F238E27FC236}">
+                  <a16:creationId xmlns:a16="http://schemas.microsoft.com/office/drawing/2014/main" id="{E2418BFB-3AD7-4BCF-99C8-5EFBA3916C17}"/>
+                </a:ext>
+              </a:extLst>
+            </p:cNvPr>
+            <p:cNvGrpSpPr/>
+            <p:nvPr/>
+          </p:nvGrpSpPr>
+          <p:grpSpPr>
+            <a:xfrm>
+              <a:off x="2469870" y="4879061"/>
+              <a:ext cx="2744263" cy="492006"/>
+              <a:chOff x="1047646" y="2603506"/>
+              <a:chExt cx="2744263" cy="492006"/>
+            </a:xfrm>
+          </p:grpSpPr>
+          <p:sp>
+            <p:nvSpPr>
+              <p:cNvPr id="79" name="Rectangle: Rounded Corners 78">
+                <a:extLst>
+                  <a:ext uri="{FF2B5EF4-FFF2-40B4-BE49-F238E27FC236}">
+                    <a16:creationId xmlns:a16="http://schemas.microsoft.com/office/drawing/2014/main" id="{767D7F95-02A7-47DF-943F-0029401C5FE6}"/>
+                  </a:ext>
+                </a:extLst>
+              </p:cNvPr>
+              <p:cNvSpPr/>
+              <p:nvPr/>
+            </p:nvSpPr>
+            <p:spPr>
+              <a:xfrm>
+                <a:off x="1047646" y="2647837"/>
+                <a:ext cx="464446" cy="447675"/>
+              </a:xfrm>
+              <a:prstGeom prst="roundRect">
+                <a:avLst>
+                  <a:gd name="adj" fmla="val 50000"/>
+                </a:avLst>
+              </a:prstGeom>
+              <a:solidFill>
+                <a:schemeClr val="bg1"/>
+              </a:solidFill>
+              <a:ln w="38100">
+                <a:solidFill>
+                  <a:schemeClr val="tx1"/>
+                </a:solidFill>
+              </a:ln>
+            </p:spPr>
+            <p:style>
+              <a:lnRef idx="2">
+                <a:schemeClr val="accent1">
+                  <a:shade val="50000"/>
+                </a:schemeClr>
+              </a:lnRef>
+              <a:fillRef idx="1">
+                <a:schemeClr val="accent1"/>
+              </a:fillRef>
+              <a:effectRef idx="0">
+                <a:schemeClr val="accent1"/>
+              </a:effectRef>
+              <a:fontRef idx="minor">
+                <a:schemeClr val="lt1"/>
+              </a:fontRef>
+            </p:style>
+            <p:txBody>
+              <a:bodyPr rtlCol="0" anchor="ctr"/>
+              <a:lstStyle/>
+              <a:p>
+                <a:pPr algn="ctr"/>
+                <a:r>
+                  <a:rPr lang="en-US" sz="2000" b="1" dirty="0">
+                    <a:ln w="0"/>
+                    <a:solidFill>
+                      <a:schemeClr val="tx1"/>
+                    </a:solidFill>
+                    <a:effectLst>
+                      <a:outerShdw blurRad="38100" dist="19050" dir="2700000" algn="tl" rotWithShape="0">
+                        <a:schemeClr val="dk1">
+                          <a:alpha val="40000"/>
+                        </a:schemeClr>
+                      </a:outerShdw>
+                    </a:effectLst>
+                    <a:latin typeface="Times New Roman" panose="02020603050405020304" pitchFamily="18" charset="0"/>
+                    <a:cs typeface="Times New Roman" panose="02020603050405020304" pitchFamily="18" charset="0"/>
+                  </a:rPr>
+                  <a:t>2</a:t>
+                </a:r>
+              </a:p>
+            </p:txBody>
+          </p:sp>
+          <p:sp>
+            <p:nvSpPr>
+              <p:cNvPr id="81" name="TextBox 80">
+                <a:extLst>
+                  <a:ext uri="{FF2B5EF4-FFF2-40B4-BE49-F238E27FC236}">
+                    <a16:creationId xmlns:a16="http://schemas.microsoft.com/office/drawing/2014/main" id="{53EF8840-11CE-4D04-967E-C9D8CA9E0130}"/>
+                  </a:ext>
+                </a:extLst>
+              </p:cNvPr>
+              <p:cNvSpPr txBox="1"/>
+              <p:nvPr/>
+            </p:nvSpPr>
+            <p:spPr>
+              <a:xfrm>
+                <a:off x="1539369" y="2603506"/>
+                <a:ext cx="2252540" cy="461665"/>
+              </a:xfrm>
+              <a:prstGeom prst="rect">
+                <a:avLst/>
+              </a:prstGeom>
+              <a:noFill/>
+            </p:spPr>
+            <p:txBody>
+              <a:bodyPr wrap="none" rtlCol="0">
+                <a:spAutoFit/>
+              </a:bodyPr>
+              <a:lstStyle/>
+              <a:p>
+                <a:r>
+                  <a:rPr lang="en-US" sz="2400" dirty="0">
+                    <a:ln w="0"/>
+                    <a:effectLst>
+                      <a:outerShdw blurRad="38100" dist="19050" dir="2700000" algn="tl" rotWithShape="0">
+                        <a:schemeClr val="dk1">
+                          <a:alpha val="40000"/>
+                        </a:schemeClr>
+                      </a:outerShdw>
+                    </a:effectLst>
+                    <a:latin typeface="Times New Roman" panose="02020603050405020304" pitchFamily="18" charset="0"/>
+                    <a:cs typeface="Times New Roman" panose="02020603050405020304" pitchFamily="18" charset="0"/>
+                  </a:rPr>
+                  <a:t>Regression with </a:t>
+                </a:r>
+                <a:endParaRPr lang="en-US" sz="2400" dirty="0"/>
+              </a:p>
+            </p:txBody>
+          </p:sp>
+        </p:grpSp>
+        <p:sp>
+          <p:nvSpPr>
+            <p:cNvPr id="103" name="Rectangle 102">
+              <a:extLst>
+                <a:ext uri="{FF2B5EF4-FFF2-40B4-BE49-F238E27FC236}">
+                  <a16:creationId xmlns:a16="http://schemas.microsoft.com/office/drawing/2014/main" id="{45D8E5CF-3AA2-46DD-873C-25D54F227FBA}"/>
+                </a:ext>
+              </a:extLst>
+            </p:cNvPr>
+            <p:cNvSpPr/>
+            <p:nvPr/>
+          </p:nvSpPr>
+          <p:spPr>
+            <a:xfrm>
+              <a:off x="5168671" y="4968346"/>
+              <a:ext cx="1351748" cy="357765"/>
+            </a:xfrm>
+            <a:prstGeom prst="rect">
+              <a:avLst/>
+            </a:prstGeom>
+            <a:solidFill>
+              <a:schemeClr val="bg1"/>
+            </a:solidFill>
+            <a:ln w="38100">
+              <a:solidFill>
+                <a:schemeClr val="tx1"/>
+              </a:solidFill>
+              <a:prstDash val="solid"/>
+            </a:ln>
+          </p:spPr>
+          <p:style>
+            <a:lnRef idx="2">
+              <a:schemeClr val="accent1">
+                <a:shade val="50000"/>
+              </a:schemeClr>
+            </a:lnRef>
+            <a:fillRef idx="1">
+              <a:schemeClr val="accent1"/>
+            </a:fillRef>
+            <a:effectRef idx="0">
+              <a:schemeClr val="accent1"/>
+            </a:effectRef>
+            <a:fontRef idx="minor">
+              <a:schemeClr val="lt1"/>
+            </a:fontRef>
+          </p:style>
+          <p:txBody>
+            <a:bodyPr rtlCol="0" anchor="ctr"/>
+            <a:lstStyle/>
+            <a:p>
+              <a:pPr algn="ctr"/>
+              <a:r>
+                <a:rPr lang="en-US" sz="2400" dirty="0">
+                  <a:solidFill>
+                    <a:schemeClr val="tx1"/>
+                  </a:solidFill>
+                  <a:latin typeface="Times New Roman" panose="02020603050405020304" pitchFamily="18" charset="0"/>
+                  <a:cs typeface="Times New Roman" panose="02020603050405020304" pitchFamily="18" charset="0"/>
+                </a:rPr>
+                <a:t>Features</a:t>
+              </a:r>
+            </a:p>
+          </p:txBody>
+        </p:sp>
+      </p:grpSp>
+      <p:grpSp>
+        <p:nvGrpSpPr>
+          <p:cNvPr id="167" name="Group 166">
+            <a:extLst>
+              <a:ext uri="{FF2B5EF4-FFF2-40B4-BE49-F238E27FC236}">
+                <a16:creationId xmlns:a16="http://schemas.microsoft.com/office/drawing/2014/main" id="{A449764A-7859-4B55-A2B3-7E4017EF0B47}"/>
+              </a:ext>
+            </a:extLst>
+          </p:cNvPr>
+          <p:cNvGrpSpPr/>
+          <p:nvPr/>
+        </p:nvGrpSpPr>
+        <p:grpSpPr>
+          <a:xfrm>
+            <a:off x="520782" y="3111429"/>
+            <a:ext cx="2044613" cy="744440"/>
+            <a:chOff x="1012022" y="3429000"/>
+            <a:chExt cx="2044613" cy="744440"/>
+          </a:xfrm>
+          <a:solidFill>
+            <a:schemeClr val="accent1">
+              <a:lumMod val="75000"/>
+            </a:schemeClr>
+          </a:solidFill>
+        </p:grpSpPr>
+        <p:sp>
+          <p:nvSpPr>
+            <p:cNvPr id="97" name="Rectangle 96">
+              <a:extLst>
+                <a:ext uri="{FF2B5EF4-FFF2-40B4-BE49-F238E27FC236}">
+                  <a16:creationId xmlns:a16="http://schemas.microsoft.com/office/drawing/2014/main" id="{B8D65B3A-C1FA-497D-90B3-8F934F506FF6}"/>
+                </a:ext>
+              </a:extLst>
+            </p:cNvPr>
+            <p:cNvSpPr/>
+            <p:nvPr/>
+          </p:nvSpPr>
+          <p:spPr>
+            <a:xfrm>
+              <a:off x="1012022" y="3429000"/>
+              <a:ext cx="2044613" cy="744440"/>
+            </a:xfrm>
+            <a:prstGeom prst="rect">
+              <a:avLst/>
+            </a:prstGeom>
+            <a:grpFill/>
+            <a:ln w="38100">
+              <a:solidFill>
+                <a:schemeClr val="tx1"/>
+              </a:solidFill>
+              <a:prstDash val="solid"/>
+            </a:ln>
+          </p:spPr>
+          <p:style>
+            <a:lnRef idx="2">
+              <a:schemeClr val="accent1">
+                <a:shade val="50000"/>
+              </a:schemeClr>
+            </a:lnRef>
+            <a:fillRef idx="1">
+              <a:schemeClr val="accent1"/>
+            </a:fillRef>
+            <a:effectRef idx="0">
+              <a:schemeClr val="accent1"/>
+            </a:effectRef>
+            <a:fontRef idx="minor">
+              <a:schemeClr val="lt1"/>
+            </a:fontRef>
+          </p:style>
+          <p:txBody>
+            <a:bodyPr rtlCol="0" anchor="ctr"/>
+            <a:lstStyle/>
+            <a:p>
+              <a:pPr algn="ctr"/>
+              <a:endParaRPr lang="en-US" i="1" dirty="0">
+                <a:ln w="0"/>
+                <a:solidFill>
+                  <a:schemeClr val="tx1"/>
+                </a:solidFill>
+                <a:effectLst>
+                  <a:outerShdw blurRad="38100" dist="19050" dir="2700000" algn="tl" rotWithShape="0">
+                    <a:schemeClr val="dk1">
+                      <a:alpha val="40000"/>
+                    </a:schemeClr>
+                  </a:outerShdw>
+                </a:effectLst>
+                <a:latin typeface="Times New Roman" panose="02020603050405020304" pitchFamily="18" charset="0"/>
+                <a:cs typeface="Times New Roman" panose="02020603050405020304" pitchFamily="18" charset="0"/>
+              </a:endParaRPr>
+            </a:p>
+          </p:txBody>
+        </p:sp>
+        <p:graphicFrame>
+          <p:nvGraphicFramePr>
+            <p:cNvPr id="166" name="Object 165">
+              <a:extLst>
+                <a:ext uri="{FF2B5EF4-FFF2-40B4-BE49-F238E27FC236}">
+                  <a16:creationId xmlns:a16="http://schemas.microsoft.com/office/drawing/2014/main" id="{14ECF821-652C-459D-9611-D226AA2A60E1}"/>
+                </a:ext>
+              </a:extLst>
+            </p:cNvPr>
+            <p:cNvGraphicFramePr>
+              <a:graphicFrameLocks noChangeAspect="1"/>
+            </p:cNvGraphicFramePr>
+            <p:nvPr>
+              <p:extLst>
+                <p:ext uri="{D42A27DB-BD31-4B8C-83A1-F6EECF244321}">
+                  <p14:modId xmlns:p14="http://schemas.microsoft.com/office/powerpoint/2010/main" val="3472793510"/>
+                </p:ext>
+              </p:extLst>
+            </p:nvPr>
+          </p:nvGraphicFramePr>
+          <p:xfrm>
+            <a:off x="1050183" y="3465295"/>
+            <a:ext cx="1951037" cy="665162"/>
+          </p:xfrm>
+          <a:graphic>
+            <a:graphicData uri="http://schemas.openxmlformats.org/presentationml/2006/ole">
+              <mc:AlternateContent xmlns:mc="http://schemas.openxmlformats.org/markup-compatibility/2006">
+                <mc:Choice xmlns:v="urn:schemas-microsoft-com:vml" Requires="v">
+                  <p:oleObj spid="_x0000_s2068" name="Equation" r:id="rId3" imgW="2463480" imgH="838080" progId="Equation.DSMT4">
+                    <p:embed/>
+                  </p:oleObj>
+                </mc:Choice>
+                <mc:Fallback>
+                  <p:oleObj name="Equation" r:id="rId3" imgW="2463480" imgH="838080" progId="Equation.DSMT4">
+                    <p:embed/>
+                    <p:pic>
+                      <p:nvPicPr>
+                        <p:cNvPr id="166" name="Object 165">
+                          <a:extLst>
+                            <a:ext uri="{FF2B5EF4-FFF2-40B4-BE49-F238E27FC236}">
+                              <a16:creationId xmlns:a16="http://schemas.microsoft.com/office/drawing/2014/main" id="{14ECF821-652C-459D-9611-D226AA2A60E1}"/>
+                            </a:ext>
+                          </a:extLst>
+                        </p:cNvPr>
+                        <p:cNvPicPr/>
+                        <p:nvPr/>
+                      </p:nvPicPr>
+                      <p:blipFill>
+                        <a:blip r:embed="rId4"/>
+                        <a:stretch>
+                          <a:fillRect/>
+                        </a:stretch>
+                      </p:blipFill>
+                      <p:spPr>
+                        <a:xfrm>
+                          <a:off x="1050183" y="3465295"/>
+                          <a:ext cx="1951037" cy="665162"/>
+                        </a:xfrm>
+                        <a:prstGeom prst="rect">
+                          <a:avLst/>
+                        </a:prstGeom>
+                      </p:spPr>
+                    </p:pic>
+                  </p:oleObj>
+                </mc:Fallback>
+              </mc:AlternateContent>
+            </a:graphicData>
+          </a:graphic>
+        </p:graphicFrame>
+      </p:grpSp>
+      <p:graphicFrame>
+        <p:nvGraphicFramePr>
+          <p:cNvPr id="168" name="Object 167">
+            <a:extLst>
+              <a:ext uri="{FF2B5EF4-FFF2-40B4-BE49-F238E27FC236}">
+                <a16:creationId xmlns:a16="http://schemas.microsoft.com/office/drawing/2014/main" id="{B9262FDC-50E5-464C-93F0-84DC73ECBFF1}"/>
+              </a:ext>
+            </a:extLst>
+          </p:cNvPr>
+          <p:cNvGraphicFramePr>
+            <a:graphicFrameLocks noChangeAspect="1"/>
+          </p:cNvGraphicFramePr>
+          <p:nvPr>
+            <p:extLst/>
+          </p:nvPr>
+        </p:nvGraphicFramePr>
+        <p:xfrm>
+          <a:off x="4927600" y="2556170"/>
+          <a:ext cx="914400" cy="306388"/>
+        </p:xfrm>
+        <a:graphic>
+          <a:graphicData uri="http://schemas.openxmlformats.org/presentationml/2006/ole">
+            <mc:AlternateContent xmlns:mc="http://schemas.openxmlformats.org/markup-compatibility/2006">
+              <mc:Choice xmlns:v="urn:schemas-microsoft-com:vml" Requires="v">
+                <p:oleObj spid="_x0000_s2069" name="Equation" r:id="rId5" imgW="914400" imgH="306720" progId="Equation.DSMT4">
+                  <p:embed/>
+                </p:oleObj>
+              </mc:Choice>
+              <mc:Fallback>
+                <p:oleObj name="Equation" r:id="rId5" imgW="914400" imgH="306720" progId="Equation.DSMT4">
+                  <p:embed/>
+                  <p:pic>
+                    <p:nvPicPr>
+                      <p:cNvPr id="168" name="Object 167">
+                        <a:extLst>
+                          <a:ext uri="{FF2B5EF4-FFF2-40B4-BE49-F238E27FC236}">
+                            <a16:creationId xmlns:a16="http://schemas.microsoft.com/office/drawing/2014/main" id="{B9262FDC-50E5-464C-93F0-84DC73ECBFF1}"/>
+                          </a:ext>
+                        </a:extLst>
+                      </p:cNvPr>
+                      <p:cNvPicPr/>
+                      <p:nvPr/>
+                    </p:nvPicPr>
+                    <p:blipFill>
+                      <a:blip r:embed="rId6"/>
+                      <a:stretch>
+                        <a:fillRect/>
+                      </a:stretch>
+                    </p:blipFill>
+                    <p:spPr>
+                      <a:xfrm>
+                        <a:off x="4927600" y="2556170"/>
+                        <a:ext cx="914400" cy="306388"/>
+                      </a:xfrm>
+                      <a:prstGeom prst="rect">
+                        <a:avLst/>
+                      </a:prstGeom>
+                    </p:spPr>
+                  </p:pic>
+                </p:oleObj>
+              </mc:Fallback>
+            </mc:AlternateContent>
+          </a:graphicData>
+        </a:graphic>
+      </p:graphicFrame>
+      <p:grpSp>
+        <p:nvGrpSpPr>
+          <p:cNvPr id="171" name="Group 170">
+            <a:extLst>
+              <a:ext uri="{FF2B5EF4-FFF2-40B4-BE49-F238E27FC236}">
+                <a16:creationId xmlns:a16="http://schemas.microsoft.com/office/drawing/2014/main" id="{85134EDD-6CED-4516-BBC7-E177EBCCB023}"/>
+              </a:ext>
+            </a:extLst>
+          </p:cNvPr>
+          <p:cNvGrpSpPr/>
+          <p:nvPr/>
+        </p:nvGrpSpPr>
+        <p:grpSpPr>
+          <a:xfrm>
+            <a:off x="2736339" y="3065864"/>
+            <a:ext cx="3172659" cy="817713"/>
+            <a:chOff x="2085905" y="3027831"/>
+            <a:chExt cx="3172659" cy="817713"/>
+          </a:xfrm>
+        </p:grpSpPr>
+        <p:sp>
+          <p:nvSpPr>
+            <p:cNvPr id="98" name="Rectangle 97">
+              <a:extLst>
+                <a:ext uri="{FF2B5EF4-FFF2-40B4-BE49-F238E27FC236}">
+                  <a16:creationId xmlns:a16="http://schemas.microsoft.com/office/drawing/2014/main" id="{07C0F417-3CFE-4014-B81D-80E760A03F66}"/>
+                </a:ext>
+              </a:extLst>
+            </p:cNvPr>
+            <p:cNvSpPr/>
+            <p:nvPr/>
+          </p:nvSpPr>
+          <p:spPr>
+            <a:xfrm>
+              <a:off x="2085905" y="3027831"/>
+              <a:ext cx="3172659" cy="817713"/>
+            </a:xfrm>
+            <a:prstGeom prst="rect">
+              <a:avLst/>
+            </a:prstGeom>
+            <a:solidFill>
+              <a:schemeClr val="accent1">
+                <a:lumMod val="75000"/>
+              </a:schemeClr>
+            </a:solidFill>
+            <a:ln w="38100">
+              <a:solidFill>
+                <a:schemeClr val="tx1"/>
+              </a:solidFill>
+              <a:prstDash val="solid"/>
+            </a:ln>
+          </p:spPr>
+          <p:style>
+            <a:lnRef idx="2">
+              <a:schemeClr val="accent1">
+                <a:shade val="50000"/>
+              </a:schemeClr>
+            </a:lnRef>
+            <a:fillRef idx="1">
+              <a:schemeClr val="accent1"/>
+            </a:fillRef>
+            <a:effectRef idx="0">
+              <a:schemeClr val="accent1"/>
+            </a:effectRef>
+            <a:fontRef idx="minor">
+              <a:schemeClr val="lt1"/>
+            </a:fontRef>
+          </p:style>
+          <p:txBody>
+            <a:bodyPr rtlCol="0" anchor="ctr"/>
+            <a:lstStyle/>
+            <a:p>
+              <a:pPr algn="ctr"/>
+              <a:endParaRPr lang="en-US" dirty="0">
+                <a:ln w="0"/>
+                <a:solidFill>
+                  <a:schemeClr val="tx1"/>
+                </a:solidFill>
+                <a:effectLst>
+                  <a:outerShdw blurRad="38100" dist="19050" dir="2700000" algn="tl" rotWithShape="0">
+                    <a:schemeClr val="dk1">
+                      <a:alpha val="40000"/>
+                    </a:schemeClr>
+                  </a:outerShdw>
+                </a:effectLst>
+                <a:latin typeface="Times New Roman" panose="02020603050405020304" pitchFamily="18" charset="0"/>
+                <a:cs typeface="Times New Roman" panose="02020603050405020304" pitchFamily="18" charset="0"/>
+              </a:endParaRPr>
+            </a:p>
+          </p:txBody>
+        </p:sp>
+        <p:graphicFrame>
+          <p:nvGraphicFramePr>
+            <p:cNvPr id="169" name="Object 168">
+              <a:extLst>
+                <a:ext uri="{FF2B5EF4-FFF2-40B4-BE49-F238E27FC236}">
+                  <a16:creationId xmlns:a16="http://schemas.microsoft.com/office/drawing/2014/main" id="{DD993DD7-42CF-45B9-A0F4-07CF2DC9C036}"/>
+                </a:ext>
+              </a:extLst>
+            </p:cNvPr>
+            <p:cNvGraphicFramePr>
+              <a:graphicFrameLocks noChangeAspect="1"/>
+            </p:cNvGraphicFramePr>
+            <p:nvPr>
+              <p:extLst>
+                <p:ext uri="{D42A27DB-BD31-4B8C-83A1-F6EECF244321}">
+                  <p14:modId xmlns:p14="http://schemas.microsoft.com/office/powerpoint/2010/main" val="1150252505"/>
+                </p:ext>
+              </p:extLst>
+            </p:nvPr>
+          </p:nvGraphicFramePr>
+          <p:xfrm>
+            <a:off x="2417622" y="3065815"/>
+            <a:ext cx="2516187" cy="727075"/>
+          </p:xfrm>
+          <a:graphic>
+            <a:graphicData uri="http://schemas.openxmlformats.org/presentationml/2006/ole">
+              <mc:AlternateContent xmlns:mc="http://schemas.openxmlformats.org/markup-compatibility/2006">
+                <mc:Choice xmlns:v="urn:schemas-microsoft-com:vml" Requires="v">
+                  <p:oleObj spid="_x0000_s2070" name="Equation" r:id="rId7" imgW="2958840" imgH="787320" progId="Equation.DSMT4">
+                    <p:embed/>
+                  </p:oleObj>
+                </mc:Choice>
+                <mc:Fallback>
+                  <p:oleObj name="Equation" r:id="rId7" imgW="2958840" imgH="787320" progId="Equation.DSMT4">
+                    <p:embed/>
+                    <p:pic>
+                      <p:nvPicPr>
+                        <p:cNvPr id="169" name="Object 168">
+                          <a:extLst>
+                            <a:ext uri="{FF2B5EF4-FFF2-40B4-BE49-F238E27FC236}">
+                              <a16:creationId xmlns:a16="http://schemas.microsoft.com/office/drawing/2014/main" id="{DD993DD7-42CF-45B9-A0F4-07CF2DC9C036}"/>
+                            </a:ext>
+                          </a:extLst>
+                        </p:cNvPr>
+                        <p:cNvPicPr/>
+                        <p:nvPr/>
+                      </p:nvPicPr>
+                      <p:blipFill>
+                        <a:blip r:embed="rId8"/>
+                        <a:stretch>
+                          <a:fillRect/>
+                        </a:stretch>
+                      </p:blipFill>
+                      <p:spPr>
+                        <a:xfrm>
+                          <a:off x="2417622" y="3065815"/>
+                          <a:ext cx="2516187" cy="727075"/>
+                        </a:xfrm>
+                        <a:prstGeom prst="rect">
+                          <a:avLst/>
+                        </a:prstGeom>
+                      </p:spPr>
+                    </p:pic>
+                  </p:oleObj>
+                </mc:Fallback>
+              </mc:AlternateContent>
+            </a:graphicData>
+          </a:graphic>
+        </p:graphicFrame>
+      </p:grpSp>
+      <p:grpSp>
+        <p:nvGrpSpPr>
+          <p:cNvPr id="4" name="Group 3">
+            <a:extLst>
+              <a:ext uri="{FF2B5EF4-FFF2-40B4-BE49-F238E27FC236}">
+                <a16:creationId xmlns:a16="http://schemas.microsoft.com/office/drawing/2014/main" id="{F9FFA4C2-B320-4734-8905-8B076105C1EA}"/>
+              </a:ext>
+            </a:extLst>
+          </p:cNvPr>
+          <p:cNvGrpSpPr/>
+          <p:nvPr/>
+        </p:nvGrpSpPr>
+        <p:grpSpPr>
+          <a:xfrm>
+            <a:off x="6952715" y="4498103"/>
+            <a:ext cx="4596902" cy="1717643"/>
+            <a:chOff x="6952715" y="3694544"/>
+            <a:chExt cx="4596902" cy="1717643"/>
+          </a:xfrm>
+        </p:grpSpPr>
+        <p:sp>
+          <p:nvSpPr>
+            <p:cNvPr id="119" name="Rectangle: Rounded Corners 118">
+              <a:extLst>
+                <a:ext uri="{FF2B5EF4-FFF2-40B4-BE49-F238E27FC236}">
+                  <a16:creationId xmlns:a16="http://schemas.microsoft.com/office/drawing/2014/main" id="{E787A411-F28E-41B9-831A-5C821A2F6049}"/>
+                </a:ext>
+              </a:extLst>
+            </p:cNvPr>
+            <p:cNvSpPr/>
+            <p:nvPr/>
+          </p:nvSpPr>
+          <p:spPr>
+            <a:xfrm>
+              <a:off x="6952715" y="3694544"/>
+              <a:ext cx="4596902" cy="1717643"/>
+            </a:xfrm>
+            <a:prstGeom prst="roundRect">
+              <a:avLst/>
+            </a:prstGeom>
+            <a:solidFill>
+              <a:srgbClr val="B8549B"/>
+            </a:solidFill>
+            <a:ln w="38100">
+              <a:solidFill>
+                <a:schemeClr val="tx1"/>
+              </a:solidFill>
+            </a:ln>
+          </p:spPr>
+          <p:style>
+            <a:lnRef idx="2">
+              <a:schemeClr val="accent1">
+                <a:shade val="50000"/>
+              </a:schemeClr>
+            </a:lnRef>
+            <a:fillRef idx="1">
+              <a:schemeClr val="accent1"/>
+            </a:fillRef>
+            <a:effectRef idx="0">
+              <a:schemeClr val="accent1"/>
+            </a:effectRef>
+            <a:fontRef idx="minor">
+              <a:schemeClr val="lt1"/>
+            </a:fontRef>
+          </p:style>
+          <p:txBody>
+            <a:bodyPr numCol="1" rtlCol="0" anchor="t"/>
+            <a:lstStyle/>
+            <a:p>
+              <a:r>
+                <a:rPr lang="en-US" sz="2400" dirty="0">
+                  <a:ln w="0"/>
+                  <a:solidFill>
+                    <a:schemeClr val="tx1"/>
+                  </a:solidFill>
+                  <a:effectLst>
+                    <a:outerShdw blurRad="38100" dist="19050" dir="2700000" algn="tl" rotWithShape="0">
+                      <a:schemeClr val="dk1">
+                        <a:alpha val="40000"/>
+                      </a:schemeClr>
+                    </a:outerShdw>
+                  </a:effectLst>
+                  <a:latin typeface="Times New Roman" panose="02020603050405020304" pitchFamily="18" charset="0"/>
+                  <a:cs typeface="Times New Roman" panose="02020603050405020304" pitchFamily="18" charset="0"/>
+                </a:rPr>
+                <a:t>                </a:t>
+              </a:r>
+            </a:p>
+            <a:p>
+              <a:pPr algn="ctr"/>
+              <a:endParaRPr lang="en-US" dirty="0">
+                <a:ln w="0"/>
+                <a:solidFill>
+                  <a:schemeClr val="tx1"/>
+                </a:solidFill>
+                <a:effectLst>
+                  <a:outerShdw blurRad="38100" dist="19050" dir="2700000" algn="tl" rotWithShape="0">
+                    <a:schemeClr val="dk1">
+                      <a:alpha val="40000"/>
+                    </a:schemeClr>
+                  </a:outerShdw>
+                </a:effectLst>
+                <a:latin typeface="Times New Roman" panose="02020603050405020304" pitchFamily="18" charset="0"/>
+                <a:cs typeface="Times New Roman" panose="02020603050405020304" pitchFamily="18" charset="0"/>
+              </a:endParaRPr>
+            </a:p>
+            <a:p>
+              <a:pPr algn="ctr"/>
+              <a:r>
+                <a:rPr lang="en-US" sz="2000" i="1" dirty="0">
+                  <a:ln w="0"/>
+                  <a:solidFill>
+                    <a:schemeClr val="tx1"/>
+                  </a:solidFill>
+                  <a:effectLst>
+                    <a:outerShdw blurRad="38100" dist="19050" dir="2700000" algn="tl" rotWithShape="0">
+                      <a:schemeClr val="dk1">
+                        <a:alpha val="40000"/>
+                      </a:schemeClr>
+                    </a:outerShdw>
+                  </a:effectLst>
+                  <a:latin typeface="Times New Roman" panose="02020603050405020304" pitchFamily="18" charset="0"/>
+                  <a:cs typeface="Times New Roman" panose="02020603050405020304" pitchFamily="18" charset="0"/>
+                </a:rPr>
+                <a:t>	</a:t>
+              </a:r>
+            </a:p>
+            <a:p>
+              <a:pPr algn="ctr"/>
+              <a:endParaRPr lang="en-US" dirty="0">
+                <a:ln w="0"/>
+                <a:solidFill>
+                  <a:schemeClr val="tx1"/>
+                </a:solidFill>
+                <a:effectLst>
+                  <a:outerShdw blurRad="38100" dist="19050" dir="2700000" algn="tl" rotWithShape="0">
+                    <a:schemeClr val="dk1">
+                      <a:alpha val="40000"/>
+                    </a:schemeClr>
+                  </a:outerShdw>
+                </a:effectLst>
+                <a:latin typeface="Times New Roman" panose="02020603050405020304" pitchFamily="18" charset="0"/>
+                <a:cs typeface="Times New Roman" panose="02020603050405020304" pitchFamily="18" charset="0"/>
+              </a:endParaRPr>
+            </a:p>
+          </p:txBody>
+        </p:sp>
+        <p:grpSp>
+          <p:nvGrpSpPr>
+            <p:cNvPr id="146" name="Group 145">
+              <a:extLst>
+                <a:ext uri="{FF2B5EF4-FFF2-40B4-BE49-F238E27FC236}">
+                  <a16:creationId xmlns:a16="http://schemas.microsoft.com/office/drawing/2014/main" id="{7C6AE408-CD40-4790-AFAA-F4F208A3C918}"/>
+                </a:ext>
+              </a:extLst>
+            </p:cNvPr>
+            <p:cNvGrpSpPr/>
+            <p:nvPr/>
+          </p:nvGrpSpPr>
+          <p:grpSpPr>
+            <a:xfrm>
+              <a:off x="7433511" y="3843562"/>
+              <a:ext cx="3851198" cy="461665"/>
+              <a:chOff x="7167160" y="2623717"/>
+              <a:chExt cx="3851198" cy="461665"/>
+            </a:xfrm>
+          </p:grpSpPr>
+          <p:sp>
+            <p:nvSpPr>
+              <p:cNvPr id="123" name="Rectangle: Rounded Corners 122">
+                <a:extLst>
+                  <a:ext uri="{FF2B5EF4-FFF2-40B4-BE49-F238E27FC236}">
+                    <a16:creationId xmlns:a16="http://schemas.microsoft.com/office/drawing/2014/main" id="{2D9891FB-0C58-4C8A-8CB3-0DA8061E42FC}"/>
+                  </a:ext>
+                </a:extLst>
+              </p:cNvPr>
+              <p:cNvSpPr/>
+              <p:nvPr/>
+            </p:nvSpPr>
+            <p:spPr>
+              <a:xfrm>
+                <a:off x="7167160" y="2625112"/>
+                <a:ext cx="464446" cy="447675"/>
+              </a:xfrm>
+              <a:prstGeom prst="roundRect">
+                <a:avLst>
+                  <a:gd name="adj" fmla="val 50000"/>
+                </a:avLst>
+              </a:prstGeom>
+              <a:solidFill>
+                <a:schemeClr val="bg1"/>
+              </a:solidFill>
+              <a:ln w="38100">
+                <a:solidFill>
+                  <a:schemeClr val="tx1"/>
+                </a:solidFill>
+              </a:ln>
+            </p:spPr>
+            <p:style>
+              <a:lnRef idx="2">
+                <a:schemeClr val="accent1">
+                  <a:shade val="50000"/>
+                </a:schemeClr>
+              </a:lnRef>
+              <a:fillRef idx="1">
+                <a:schemeClr val="accent1"/>
+              </a:fillRef>
+              <a:effectRef idx="0">
+                <a:schemeClr val="accent1"/>
+              </a:effectRef>
+              <a:fontRef idx="minor">
+                <a:schemeClr val="lt1"/>
+              </a:fontRef>
+            </p:style>
+            <p:txBody>
+              <a:bodyPr rtlCol="0" anchor="ctr"/>
+              <a:lstStyle/>
+              <a:p>
+                <a:pPr algn="ctr"/>
+                <a:r>
+                  <a:rPr lang="en-US" sz="2000" b="1" dirty="0">
+                    <a:ln w="0"/>
+                    <a:solidFill>
+                      <a:schemeClr val="tx1"/>
+                    </a:solidFill>
+                    <a:effectLst>
+                      <a:outerShdw blurRad="38100" dist="19050" dir="2700000" algn="tl" rotWithShape="0">
+                        <a:schemeClr val="dk1">
+                          <a:alpha val="40000"/>
+                        </a:schemeClr>
+                      </a:outerShdw>
+                    </a:effectLst>
+                    <a:latin typeface="Times New Roman" panose="02020603050405020304" pitchFamily="18" charset="0"/>
+                    <a:cs typeface="Times New Roman" panose="02020603050405020304" pitchFamily="18" charset="0"/>
+                  </a:rPr>
+                  <a:t>4</a:t>
+                </a:r>
+                <a:endParaRPr lang="en-US" sz="2000" b="1" i="1" dirty="0">
+                  <a:ln w="0"/>
+                  <a:solidFill>
+                    <a:schemeClr val="tx1"/>
+                  </a:solidFill>
+                  <a:effectLst>
+                    <a:outerShdw blurRad="38100" dist="19050" dir="2700000" algn="tl" rotWithShape="0">
+                      <a:schemeClr val="dk1">
+                        <a:alpha val="40000"/>
+                      </a:schemeClr>
+                    </a:outerShdw>
+                  </a:effectLst>
+                  <a:latin typeface="Times New Roman" panose="02020603050405020304" pitchFamily="18" charset="0"/>
+                  <a:cs typeface="Times New Roman" panose="02020603050405020304" pitchFamily="18" charset="0"/>
+                </a:endParaRPr>
+              </a:p>
+            </p:txBody>
+          </p:sp>
+          <p:sp>
+            <p:nvSpPr>
+              <p:cNvPr id="125" name="TextBox 124">
+                <a:extLst>
+                  <a:ext uri="{FF2B5EF4-FFF2-40B4-BE49-F238E27FC236}">
+                    <a16:creationId xmlns:a16="http://schemas.microsoft.com/office/drawing/2014/main" id="{4D4F7FCD-078B-4C2C-AAD2-91B3EB9953DE}"/>
+                  </a:ext>
+                </a:extLst>
+              </p:cNvPr>
+              <p:cNvSpPr txBox="1"/>
+              <p:nvPr/>
+            </p:nvSpPr>
+            <p:spPr>
+              <a:xfrm>
+                <a:off x="7684145" y="2623717"/>
+                <a:ext cx="3334213" cy="461665"/>
+              </a:xfrm>
+              <a:prstGeom prst="rect">
+                <a:avLst/>
+              </a:prstGeom>
+              <a:noFill/>
+            </p:spPr>
+            <p:txBody>
+              <a:bodyPr wrap="square" rtlCol="0">
+                <a:spAutoFit/>
+              </a:bodyPr>
+              <a:lstStyle/>
+              <a:p>
+                <a:r>
+                  <a:rPr lang="en-US" sz="2400" dirty="0">
+                    <a:ln w="0"/>
+                    <a:effectLst>
+                      <a:outerShdw blurRad="38100" dist="19050" dir="2700000" algn="tl" rotWithShape="0">
+                        <a:schemeClr val="dk1">
+                          <a:alpha val="40000"/>
+                        </a:schemeClr>
+                      </a:outerShdw>
+                    </a:effectLst>
+                    <a:latin typeface="Times New Roman" panose="02020603050405020304" pitchFamily="18" charset="0"/>
+                    <a:cs typeface="Times New Roman" panose="02020603050405020304" pitchFamily="18" charset="0"/>
+                  </a:rPr>
+                  <a:t>Select best  </a:t>
+                </a:r>
+                <a:endParaRPr lang="en-US" sz="2400" dirty="0"/>
+              </a:p>
+            </p:txBody>
+          </p:sp>
+          <p:sp>
+            <p:nvSpPr>
+              <p:cNvPr id="132" name="Rectangle 131">
+                <a:extLst>
+                  <a:ext uri="{FF2B5EF4-FFF2-40B4-BE49-F238E27FC236}">
+                    <a16:creationId xmlns:a16="http://schemas.microsoft.com/office/drawing/2014/main" id="{E2503FAA-2A93-484C-BFD4-51CD7C408400}"/>
+                  </a:ext>
+                </a:extLst>
+              </p:cNvPr>
+              <p:cNvSpPr/>
+              <p:nvPr/>
+            </p:nvSpPr>
+            <p:spPr>
+              <a:xfrm>
+                <a:off x="9215442" y="2670066"/>
+                <a:ext cx="1271008" cy="357765"/>
+              </a:xfrm>
+              <a:prstGeom prst="rect">
+                <a:avLst/>
+              </a:prstGeom>
+              <a:solidFill>
+                <a:schemeClr val="bg1"/>
+              </a:solidFill>
+              <a:ln w="19050">
+                <a:solidFill>
+                  <a:schemeClr val="tx1"/>
+                </a:solidFill>
+              </a:ln>
+            </p:spPr>
+            <p:style>
+              <a:lnRef idx="2">
+                <a:schemeClr val="accent1">
+                  <a:shade val="50000"/>
+                </a:schemeClr>
+              </a:lnRef>
+              <a:fillRef idx="1">
+                <a:schemeClr val="accent1"/>
+              </a:fillRef>
+              <a:effectRef idx="0">
+                <a:schemeClr val="accent1"/>
+              </a:effectRef>
+              <a:fontRef idx="minor">
+                <a:schemeClr val="lt1"/>
+              </a:fontRef>
+            </p:style>
+            <p:txBody>
+              <a:bodyPr rtlCol="0" anchor="ctr"/>
+              <a:lstStyle/>
+              <a:p>
+                <a:pPr algn="ctr"/>
+                <a:r>
+                  <a:rPr lang="en-US" sz="2400" dirty="0">
+                    <a:solidFill>
+                      <a:schemeClr val="tx1"/>
+                    </a:solidFill>
+                    <a:latin typeface="Times New Roman" panose="02020603050405020304" pitchFamily="18" charset="0"/>
+                    <a:cs typeface="Times New Roman" panose="02020603050405020304" pitchFamily="18" charset="0"/>
+                  </a:rPr>
+                  <a:t>Features</a:t>
+                </a:r>
+              </a:p>
+            </p:txBody>
+          </p:sp>
+        </p:grpSp>
+        <p:grpSp>
+          <p:nvGrpSpPr>
+            <p:cNvPr id="3" name="Group 2">
+              <a:extLst>
+                <a:ext uri="{FF2B5EF4-FFF2-40B4-BE49-F238E27FC236}">
+                  <a16:creationId xmlns:a16="http://schemas.microsoft.com/office/drawing/2014/main" id="{14F88D11-558E-46F5-AB38-C7B6B7FD9163}"/>
+                </a:ext>
+              </a:extLst>
+            </p:cNvPr>
+            <p:cNvGrpSpPr/>
+            <p:nvPr/>
+          </p:nvGrpSpPr>
+          <p:grpSpPr>
+            <a:xfrm>
+              <a:off x="7620979" y="4817579"/>
+              <a:ext cx="3414259" cy="471108"/>
+              <a:chOff x="6972144" y="4824475"/>
+              <a:chExt cx="3414259" cy="471108"/>
+            </a:xfrm>
+          </p:grpSpPr>
+          <p:grpSp>
+            <p:nvGrpSpPr>
+              <p:cNvPr id="155" name="Group 154">
+                <a:extLst>
+                  <a:ext uri="{FF2B5EF4-FFF2-40B4-BE49-F238E27FC236}">
+                    <a16:creationId xmlns:a16="http://schemas.microsoft.com/office/drawing/2014/main" id="{F442F326-EFE0-48B6-B16C-66207866F3E0}"/>
+                  </a:ext>
+                </a:extLst>
+              </p:cNvPr>
+              <p:cNvGrpSpPr/>
+              <p:nvPr/>
+            </p:nvGrpSpPr>
+            <p:grpSpPr>
+              <a:xfrm>
+                <a:off x="6972144" y="4824475"/>
+                <a:ext cx="3414259" cy="471108"/>
+                <a:chOff x="6987791" y="4397984"/>
+                <a:chExt cx="3414259" cy="471108"/>
+              </a:xfrm>
+            </p:grpSpPr>
+            <p:sp>
+              <p:nvSpPr>
+                <p:cNvPr id="147" name="TextBox 146">
+                  <a:extLst>
+                    <a:ext uri="{FF2B5EF4-FFF2-40B4-BE49-F238E27FC236}">
+                      <a16:creationId xmlns:a16="http://schemas.microsoft.com/office/drawing/2014/main" id="{EAD65E1D-FEA6-4721-9E27-0257BCF4CF5E}"/>
+                    </a:ext>
+                  </a:extLst>
+                </p:cNvPr>
+                <p:cNvSpPr txBox="1"/>
+                <p:nvPr/>
+              </p:nvSpPr>
+              <p:spPr>
+                <a:xfrm>
+                  <a:off x="6987791" y="4407427"/>
+                  <a:ext cx="1278292" cy="461665"/>
+                </a:xfrm>
+                <a:prstGeom prst="rect">
+                  <a:avLst/>
+                </a:prstGeom>
+                <a:noFill/>
+              </p:spPr>
+              <p:txBody>
+                <a:bodyPr wrap="square" rtlCol="0">
+                  <a:spAutoFit/>
+                </a:bodyPr>
+                <a:lstStyle/>
+                <a:p>
+                  <a:pPr algn="ctr"/>
+                  <a:r>
+                    <a:rPr lang="en-US" sz="2400" dirty="0">
+                      <a:ln w="0"/>
+                      <a:effectLst>
+                        <a:outerShdw blurRad="38100" dist="19050" dir="2700000" algn="tl" rotWithShape="0">
+                          <a:schemeClr val="dk1">
+                            <a:alpha val="40000"/>
+                          </a:schemeClr>
+                        </a:outerShdw>
+                      </a:effectLst>
+                      <a:latin typeface="Times New Roman" panose="02020603050405020304" pitchFamily="18" charset="0"/>
+                      <a:cs typeface="Times New Roman" panose="02020603050405020304" pitchFamily="18" charset="0"/>
+                    </a:rPr>
+                    <a:t>F-score (</a:t>
+                  </a:r>
+                  <a:endParaRPr lang="en-US" sz="2400" dirty="0"/>
+                </a:p>
+              </p:txBody>
+            </p:sp>
+            <p:sp>
+              <p:nvSpPr>
+                <p:cNvPr id="151" name="Rectangle 150">
+                  <a:extLst>
+                    <a:ext uri="{FF2B5EF4-FFF2-40B4-BE49-F238E27FC236}">
+                      <a16:creationId xmlns:a16="http://schemas.microsoft.com/office/drawing/2014/main" id="{D5FF94B4-081C-46C5-A5EA-6E683F520E8D}"/>
+                    </a:ext>
+                  </a:extLst>
+                </p:cNvPr>
+                <p:cNvSpPr/>
+                <p:nvPr/>
+              </p:nvSpPr>
+              <p:spPr>
+                <a:xfrm>
+                  <a:off x="9018338" y="4397984"/>
+                  <a:ext cx="1383712" cy="461665"/>
+                </a:xfrm>
+                <a:prstGeom prst="rect">
+                  <a:avLst/>
+                </a:prstGeom>
+              </p:spPr>
+              <p:txBody>
+                <a:bodyPr wrap="none">
+                  <a:spAutoFit/>
+                </a:bodyPr>
+                <a:lstStyle/>
+                <a:p>
+                  <a:r>
+                    <a:rPr lang="en-US" sz="2400" dirty="0">
+                      <a:ln w="0"/>
+                      <a:effectLst>
+                        <a:outerShdw blurRad="38100" dist="19050" dir="2700000" algn="tl" rotWithShape="0">
+                          <a:schemeClr val="dk1">
+                            <a:alpha val="40000"/>
+                          </a:schemeClr>
+                        </a:outerShdw>
+                      </a:effectLst>
+                      <a:latin typeface="Times New Roman" panose="02020603050405020304" pitchFamily="18" charset="0"/>
+                      <a:cs typeface="Times New Roman" panose="02020603050405020304" pitchFamily="18" charset="0"/>
+                    </a:rPr>
+                    <a:t>) = </a:t>
+                  </a:r>
+                  <a:r>
+                    <a:rPr lang="en-US" sz="2400" i="1" u="sng" dirty="0">
+                      <a:ln w="0"/>
+                      <a:effectLst>
+                        <a:outerShdw blurRad="38100" dist="19050" dir="2700000" algn="tl" rotWithShape="0">
+                          <a:schemeClr val="dk1">
+                            <a:alpha val="40000"/>
+                          </a:schemeClr>
+                        </a:outerShdw>
+                      </a:effectLst>
+                      <a:latin typeface="Times New Roman" panose="02020603050405020304" pitchFamily="18" charset="0"/>
+                      <a:cs typeface="Times New Roman" panose="02020603050405020304" pitchFamily="18" charset="0"/>
+                    </a:rPr>
+                    <a:t>#(0-1)</a:t>
+                  </a:r>
+                  <a:endParaRPr lang="en-US" sz="2400" dirty="0"/>
+                </a:p>
+              </p:txBody>
+            </p:sp>
+          </p:grpSp>
+          <p:pic>
+            <p:nvPicPr>
+              <p:cNvPr id="2" name="Picture 1">
+                <a:extLst>
+                  <a:ext uri="{FF2B5EF4-FFF2-40B4-BE49-F238E27FC236}">
+                    <a16:creationId xmlns:a16="http://schemas.microsoft.com/office/drawing/2014/main" id="{9442AB32-C409-485A-9FCF-577ACA85B68C}"/>
+                  </a:ext>
+                </a:extLst>
+              </p:cNvPr>
+              <p:cNvPicPr>
+                <a:picLocks noChangeAspect="1"/>
+              </p:cNvPicPr>
+              <p:nvPr/>
+            </p:nvPicPr>
+            <p:blipFill>
+              <a:blip r:embed="rId9"/>
+              <a:stretch>
+                <a:fillRect/>
+              </a:stretch>
+            </p:blipFill>
+            <p:spPr>
+              <a:xfrm>
+                <a:off x="8224045" y="4929742"/>
+                <a:ext cx="824685" cy="309559"/>
+              </a:xfrm>
+              <a:prstGeom prst="rect">
+                <a:avLst/>
+              </a:prstGeom>
+            </p:spPr>
+          </p:pic>
+        </p:grpSp>
+        <p:sp>
+          <p:nvSpPr>
+            <p:cNvPr id="69" name="TextBox 68">
+              <a:extLst>
+                <a:ext uri="{FF2B5EF4-FFF2-40B4-BE49-F238E27FC236}">
+                  <a16:creationId xmlns:a16="http://schemas.microsoft.com/office/drawing/2014/main" id="{86034461-2347-41FE-B074-906CCCF1B9E5}"/>
+                </a:ext>
+              </a:extLst>
+            </p:cNvPr>
+            <p:cNvSpPr txBox="1"/>
+            <p:nvPr/>
+          </p:nvSpPr>
+          <p:spPr>
+            <a:xfrm>
+              <a:off x="7533465" y="4326461"/>
+              <a:ext cx="3435401" cy="461665"/>
+            </a:xfrm>
+            <a:prstGeom prst="rect">
+              <a:avLst/>
+            </a:prstGeom>
+            <a:noFill/>
+          </p:spPr>
+          <p:txBody>
+            <a:bodyPr wrap="square" rtlCol="0">
+              <a:spAutoFit/>
+            </a:bodyPr>
+            <a:lstStyle/>
+            <a:p>
+              <a:r>
+                <a:rPr lang="en-US" sz="2400" dirty="0">
+                  <a:ln w="0"/>
+                  <a:effectLst>
+                    <a:outerShdw blurRad="38100" dist="19050" dir="2700000" algn="tl" rotWithShape="0">
+                      <a:schemeClr val="dk1">
+                        <a:alpha val="40000"/>
+                      </a:schemeClr>
+                    </a:outerShdw>
+                  </a:effectLst>
+                  <a:latin typeface="Times New Roman" panose="02020603050405020304" pitchFamily="18" charset="0"/>
+                  <a:cs typeface="Times New Roman" panose="02020603050405020304" pitchFamily="18" charset="0"/>
+                </a:rPr>
+                <a:t>(top 100 highest F-scores)</a:t>
+              </a:r>
+              <a:endParaRPr lang="en-US" sz="2400" dirty="0"/>
+            </a:p>
+          </p:txBody>
+        </p:sp>
+      </p:grpSp>
+      <p:sp>
+        <p:nvSpPr>
+          <p:cNvPr id="127" name="TextBox 126">
+            <a:extLst>
+              <a:ext uri="{FF2B5EF4-FFF2-40B4-BE49-F238E27FC236}">
+                <a16:creationId xmlns:a16="http://schemas.microsoft.com/office/drawing/2014/main" id="{82A3EB2E-626D-4A7C-8B15-21A3F6B62440}"/>
+              </a:ext>
+            </a:extLst>
+          </p:cNvPr>
+          <p:cNvSpPr txBox="1"/>
+          <p:nvPr/>
+        </p:nvSpPr>
+        <p:spPr>
+          <a:xfrm>
+            <a:off x="7626244" y="3402511"/>
+            <a:ext cx="184731" cy="461665"/>
+          </a:xfrm>
+          <a:prstGeom prst="rect">
+            <a:avLst/>
+          </a:prstGeom>
+          <a:noFill/>
+        </p:spPr>
+        <p:txBody>
+          <a:bodyPr wrap="square" rtlCol="0">
+            <a:spAutoFit/>
+          </a:bodyPr>
+          <a:lstStyle/>
+          <a:p>
+            <a:endParaRPr lang="en-US" sz="2400" dirty="0"/>
+          </a:p>
+        </p:txBody>
+      </p:sp>
+      <p:sp>
+        <p:nvSpPr>
+          <p:cNvPr id="89" name="Rectangle: Rounded Corners 88">
+            <a:extLst>
+              <a:ext uri="{FF2B5EF4-FFF2-40B4-BE49-F238E27FC236}">
+                <a16:creationId xmlns:a16="http://schemas.microsoft.com/office/drawing/2014/main" id="{0B7BC601-09C5-44FB-B346-C35A6955BB96}"/>
+              </a:ext>
+            </a:extLst>
+          </p:cNvPr>
+          <p:cNvSpPr/>
+          <p:nvPr/>
+        </p:nvSpPr>
+        <p:spPr>
+          <a:xfrm>
+            <a:off x="6865686" y="252774"/>
+            <a:ext cx="4596902" cy="3517735"/>
+          </a:xfrm>
+          <a:prstGeom prst="roundRect">
+            <a:avLst/>
+          </a:prstGeom>
+          <a:solidFill>
+            <a:schemeClr val="accent5"/>
+          </a:solidFill>
+          <a:ln w="38100">
+            <a:solidFill>
+              <a:schemeClr val="tx1"/>
+            </a:solidFill>
+          </a:ln>
+        </p:spPr>
+        <p:style>
+          <a:lnRef idx="2">
+            <a:schemeClr val="accent1">
+              <a:shade val="50000"/>
+            </a:schemeClr>
+          </a:lnRef>
+          <a:fillRef idx="1">
+            <a:schemeClr val="accent1"/>
+          </a:fillRef>
+          <a:effectRef idx="0">
+            <a:schemeClr val="accent1"/>
+          </a:effectRef>
+          <a:fontRef idx="minor">
+            <a:schemeClr val="lt1"/>
+          </a:fontRef>
+        </p:style>
+        <p:txBody>
+          <a:bodyPr numCol="1" rtlCol="0" anchor="t"/>
+          <a:lstStyle/>
+          <a:p>
+            <a:r>
+              <a:rPr lang="en-US" sz="2400" dirty="0">
+                <a:ln w="0"/>
+                <a:solidFill>
+                  <a:schemeClr val="tx1"/>
+                </a:solidFill>
+                <a:effectLst>
+                  <a:outerShdw blurRad="38100" dist="19050" dir="2700000" algn="tl" rotWithShape="0">
+                    <a:schemeClr val="dk1">
+                      <a:alpha val="40000"/>
+                    </a:schemeClr>
+                  </a:outerShdw>
+                </a:effectLst>
+                <a:latin typeface="Times New Roman" panose="02020603050405020304" pitchFamily="18" charset="0"/>
+                <a:cs typeface="Times New Roman" panose="02020603050405020304" pitchFamily="18" charset="0"/>
+              </a:rPr>
+              <a:t>                </a:t>
+            </a:r>
+          </a:p>
+          <a:p>
+            <a:pPr algn="ctr"/>
+            <a:endParaRPr lang="en-US" dirty="0">
+              <a:ln w="0"/>
+              <a:solidFill>
+                <a:schemeClr val="tx1"/>
+              </a:solidFill>
+              <a:effectLst>
+                <a:outerShdw blurRad="38100" dist="19050" dir="2700000" algn="tl" rotWithShape="0">
+                  <a:schemeClr val="dk1">
+                    <a:alpha val="40000"/>
+                  </a:schemeClr>
+                </a:outerShdw>
+              </a:effectLst>
+              <a:latin typeface="Times New Roman" panose="02020603050405020304" pitchFamily="18" charset="0"/>
+              <a:cs typeface="Times New Roman" panose="02020603050405020304" pitchFamily="18" charset="0"/>
+            </a:endParaRPr>
+          </a:p>
+          <a:p>
+            <a:pPr algn="ctr"/>
+            <a:r>
+              <a:rPr lang="en-US" sz="2000" i="1" dirty="0">
+                <a:ln w="0"/>
+                <a:solidFill>
+                  <a:schemeClr val="tx1"/>
+                </a:solidFill>
+                <a:effectLst>
+                  <a:outerShdw blurRad="38100" dist="19050" dir="2700000" algn="tl" rotWithShape="0">
+                    <a:schemeClr val="dk1">
+                      <a:alpha val="40000"/>
+                    </a:schemeClr>
+                  </a:outerShdw>
+                </a:effectLst>
+                <a:latin typeface="Times New Roman" panose="02020603050405020304" pitchFamily="18" charset="0"/>
+                <a:cs typeface="Times New Roman" panose="02020603050405020304" pitchFamily="18" charset="0"/>
+              </a:rPr>
+              <a:t>	</a:t>
+            </a:r>
+          </a:p>
+          <a:p>
+            <a:pPr algn="ctr"/>
+            <a:endParaRPr lang="en-US" dirty="0">
+              <a:ln w="0"/>
+              <a:solidFill>
+                <a:schemeClr val="tx1"/>
+              </a:solidFill>
+              <a:effectLst>
+                <a:outerShdw blurRad="38100" dist="19050" dir="2700000" algn="tl" rotWithShape="0">
+                  <a:schemeClr val="dk1">
+                    <a:alpha val="40000"/>
+                  </a:schemeClr>
+                </a:outerShdw>
+              </a:effectLst>
+              <a:latin typeface="Times New Roman" panose="02020603050405020304" pitchFamily="18" charset="0"/>
+              <a:cs typeface="Times New Roman" panose="02020603050405020304" pitchFamily="18" charset="0"/>
+            </a:endParaRPr>
+          </a:p>
+        </p:txBody>
+      </p:sp>
+      <p:sp>
+        <p:nvSpPr>
+          <p:cNvPr id="101" name="Rectangle: Rounded Corners 100">
+            <a:extLst>
+              <a:ext uri="{FF2B5EF4-FFF2-40B4-BE49-F238E27FC236}">
+                <a16:creationId xmlns:a16="http://schemas.microsoft.com/office/drawing/2014/main" id="{6E9B43E5-041F-4481-A6F5-9A4D5EAF3B4D}"/>
+              </a:ext>
+            </a:extLst>
+          </p:cNvPr>
+          <p:cNvSpPr/>
+          <p:nvPr/>
+        </p:nvSpPr>
+        <p:spPr>
+          <a:xfrm>
+            <a:off x="7254163" y="487445"/>
+            <a:ext cx="464446" cy="447675"/>
+          </a:xfrm>
+          <a:prstGeom prst="roundRect">
+            <a:avLst>
+              <a:gd name="adj" fmla="val 50000"/>
+            </a:avLst>
+          </a:prstGeom>
+          <a:solidFill>
+            <a:schemeClr val="bg1"/>
+          </a:solidFill>
+          <a:ln w="38100">
+            <a:solidFill>
+              <a:schemeClr val="tx1"/>
+            </a:solidFill>
+          </a:ln>
+        </p:spPr>
+        <p:style>
+          <a:lnRef idx="2">
+            <a:schemeClr val="accent1">
+              <a:shade val="50000"/>
+            </a:schemeClr>
+          </a:lnRef>
+          <a:fillRef idx="1">
+            <a:schemeClr val="accent1"/>
+          </a:fillRef>
+          <a:effectRef idx="0">
+            <a:schemeClr val="accent1"/>
+          </a:effectRef>
+          <a:fontRef idx="minor">
+            <a:schemeClr val="lt1"/>
+          </a:fontRef>
+        </p:style>
+        <p:txBody>
+          <a:bodyPr rtlCol="0" anchor="ctr"/>
+          <a:lstStyle/>
+          <a:p>
+            <a:pPr algn="ctr"/>
+            <a:r>
+              <a:rPr lang="en-US" sz="2000" b="1" dirty="0">
+                <a:ln w="0"/>
+                <a:solidFill>
+                  <a:schemeClr val="tx1"/>
+                </a:solidFill>
+                <a:effectLst>
+                  <a:outerShdw blurRad="38100" dist="19050" dir="2700000" algn="tl" rotWithShape="0">
+                    <a:schemeClr val="dk1">
+                      <a:alpha val="40000"/>
+                    </a:schemeClr>
+                  </a:outerShdw>
+                </a:effectLst>
+                <a:latin typeface="Times New Roman" panose="02020603050405020304" pitchFamily="18" charset="0"/>
+                <a:cs typeface="Times New Roman" panose="02020603050405020304" pitchFamily="18" charset="0"/>
+              </a:rPr>
+              <a:t>5</a:t>
+            </a:r>
+            <a:endParaRPr lang="en-US" sz="2000" b="1" i="1" dirty="0">
+              <a:ln w="0"/>
+              <a:solidFill>
+                <a:schemeClr val="tx1"/>
+              </a:solidFill>
+              <a:effectLst>
+                <a:outerShdw blurRad="38100" dist="19050" dir="2700000" algn="tl" rotWithShape="0">
+                  <a:schemeClr val="dk1">
+                    <a:alpha val="40000"/>
+                  </a:schemeClr>
+                </a:outerShdw>
+              </a:effectLst>
+              <a:latin typeface="Times New Roman" panose="02020603050405020304" pitchFamily="18" charset="0"/>
+              <a:cs typeface="Times New Roman" panose="02020603050405020304" pitchFamily="18" charset="0"/>
+            </a:endParaRPr>
+          </a:p>
+        </p:txBody>
+      </p:sp>
+      <p:sp>
+        <p:nvSpPr>
+          <p:cNvPr id="102" name="TextBox 101">
+            <a:extLst>
+              <a:ext uri="{FF2B5EF4-FFF2-40B4-BE49-F238E27FC236}">
+                <a16:creationId xmlns:a16="http://schemas.microsoft.com/office/drawing/2014/main" id="{5DE845D4-40FE-4B22-9F3E-6107F8FE9D2F}"/>
+              </a:ext>
+            </a:extLst>
+          </p:cNvPr>
+          <p:cNvSpPr txBox="1"/>
+          <p:nvPr/>
+        </p:nvSpPr>
+        <p:spPr>
+          <a:xfrm>
+            <a:off x="7611742" y="1881790"/>
+            <a:ext cx="3748985" cy="461665"/>
+          </a:xfrm>
+          <a:prstGeom prst="rect">
+            <a:avLst/>
+          </a:prstGeom>
+          <a:noFill/>
+        </p:spPr>
+        <p:txBody>
+          <a:bodyPr wrap="square" rtlCol="0">
+            <a:spAutoFit/>
+          </a:bodyPr>
+          <a:lstStyle/>
+          <a:p>
+            <a:r>
+              <a:rPr lang="en-US" sz="2400" dirty="0">
+                <a:ln w="0"/>
+                <a:effectLst>
+                  <a:outerShdw blurRad="38100" dist="19050" dir="2700000" algn="tl" rotWithShape="0">
+                    <a:schemeClr val="dk1">
+                      <a:alpha val="40000"/>
+                    </a:schemeClr>
+                  </a:outerShdw>
+                </a:effectLst>
+                <a:latin typeface="Times New Roman" panose="02020603050405020304" pitchFamily="18" charset="0"/>
+                <a:cs typeface="Times New Roman" panose="02020603050405020304" pitchFamily="18" charset="0"/>
+              </a:rPr>
+              <a:t>Choose training/test samples</a:t>
+            </a:r>
+            <a:endParaRPr lang="en-US" sz="2400" dirty="0"/>
+          </a:p>
+        </p:txBody>
+      </p:sp>
+      <p:sp>
+        <p:nvSpPr>
+          <p:cNvPr id="106" name="Arrow: Right 105">
+            <a:extLst>
+              <a:ext uri="{FF2B5EF4-FFF2-40B4-BE49-F238E27FC236}">
+                <a16:creationId xmlns:a16="http://schemas.microsoft.com/office/drawing/2014/main" id="{179A3F45-2051-4747-AD24-41133BC1772E}"/>
+              </a:ext>
+            </a:extLst>
+          </p:cNvPr>
+          <p:cNvSpPr/>
+          <p:nvPr/>
+        </p:nvSpPr>
+        <p:spPr>
+          <a:xfrm rot="16200000" flipV="1">
+            <a:off x="8882939" y="3797066"/>
+            <a:ext cx="709077" cy="692996"/>
+          </a:xfrm>
+          <a:prstGeom prst="rightArrow">
+            <a:avLst/>
+          </a:prstGeom>
+          <a:solidFill>
+            <a:schemeClr val="tx1"/>
+          </a:solidFill>
+          <a:ln>
+            <a:solidFill>
+              <a:schemeClr val="tx1"/>
+            </a:solidFill>
+          </a:ln>
+        </p:spPr>
+        <p:style>
+          <a:lnRef idx="2">
+            <a:schemeClr val="accent1">
+              <a:shade val="50000"/>
+            </a:schemeClr>
+          </a:lnRef>
+          <a:fillRef idx="1">
+            <a:schemeClr val="accent1"/>
+          </a:fillRef>
+          <a:effectRef idx="0">
+            <a:schemeClr val="accent1"/>
+          </a:effectRef>
+          <a:fontRef idx="minor">
+            <a:schemeClr val="lt1"/>
+          </a:fontRef>
+        </p:style>
+        <p:txBody>
+          <a:bodyPr rtlCol="0" anchor="ctr"/>
+          <a:lstStyle/>
+          <a:p>
+            <a:pPr algn="ctr"/>
+            <a:endParaRPr lang="en-US"/>
+          </a:p>
+        </p:txBody>
+      </p:sp>
+      <p:sp>
+        <p:nvSpPr>
+          <p:cNvPr id="107" name="TextBox 106">
+            <a:extLst>
+              <a:ext uri="{FF2B5EF4-FFF2-40B4-BE49-F238E27FC236}">
+                <a16:creationId xmlns:a16="http://schemas.microsoft.com/office/drawing/2014/main" id="{0A46EEA2-183F-43D5-8153-A89276E2E819}"/>
+              </a:ext>
+            </a:extLst>
+          </p:cNvPr>
+          <p:cNvSpPr txBox="1"/>
+          <p:nvPr/>
+        </p:nvSpPr>
+        <p:spPr>
+          <a:xfrm>
+            <a:off x="7897957" y="362619"/>
+            <a:ext cx="3334213" cy="1200329"/>
+          </a:xfrm>
+          <a:prstGeom prst="rect">
+            <a:avLst/>
+          </a:prstGeom>
+          <a:noFill/>
+        </p:spPr>
+        <p:txBody>
+          <a:bodyPr wrap="square" rtlCol="0">
+            <a:spAutoFit/>
+          </a:bodyPr>
+          <a:lstStyle/>
+          <a:p>
+            <a:r>
+              <a:rPr lang="en-US" sz="2400" dirty="0">
+                <a:ln w="0"/>
+                <a:effectLst>
+                  <a:outerShdw blurRad="38100" dist="19050" dir="2700000" algn="tl" rotWithShape="0">
+                    <a:schemeClr val="dk1">
+                      <a:alpha val="40000"/>
+                    </a:schemeClr>
+                  </a:outerShdw>
+                </a:effectLst>
+                <a:latin typeface="Times New Roman" panose="02020603050405020304" pitchFamily="18" charset="0"/>
+                <a:cs typeface="Times New Roman" panose="02020603050405020304" pitchFamily="18" charset="0"/>
+              </a:rPr>
+              <a:t>Train support vector machine (SVM) model to predict </a:t>
+            </a:r>
+            <a:endParaRPr lang="en-US" sz="2400" dirty="0"/>
+          </a:p>
+        </p:txBody>
+      </p:sp>
+      <p:sp>
+        <p:nvSpPr>
+          <p:cNvPr id="108" name="Oval 107">
+            <a:extLst>
+              <a:ext uri="{FF2B5EF4-FFF2-40B4-BE49-F238E27FC236}">
+                <a16:creationId xmlns:a16="http://schemas.microsoft.com/office/drawing/2014/main" id="{D26F49E6-CF03-4C12-9073-F7C7C37CDE85}"/>
+              </a:ext>
+            </a:extLst>
+          </p:cNvPr>
+          <p:cNvSpPr/>
+          <p:nvPr/>
+        </p:nvSpPr>
+        <p:spPr>
+          <a:xfrm>
+            <a:off x="9006014" y="1157425"/>
+            <a:ext cx="2091296" cy="447675"/>
+          </a:xfrm>
+          <a:prstGeom prst="ellipse">
+            <a:avLst/>
+          </a:prstGeom>
+          <a:solidFill>
+            <a:schemeClr val="bg1"/>
+          </a:solidFill>
+          <a:ln w="19050">
+            <a:solidFill>
+              <a:schemeClr val="tx1"/>
+            </a:solidFill>
+          </a:ln>
+        </p:spPr>
+        <p:style>
+          <a:lnRef idx="2">
+            <a:schemeClr val="accent1">
+              <a:shade val="50000"/>
+            </a:schemeClr>
+          </a:lnRef>
+          <a:fillRef idx="1">
+            <a:schemeClr val="accent1"/>
+          </a:fillRef>
+          <a:effectRef idx="0">
+            <a:schemeClr val="accent1"/>
+          </a:effectRef>
+          <a:fontRef idx="minor">
+            <a:schemeClr val="lt1"/>
+          </a:fontRef>
+        </p:style>
+        <p:txBody>
+          <a:bodyPr rtlCol="0" anchor="ctr"/>
+          <a:lstStyle/>
+          <a:p>
+            <a:pPr algn="ctr"/>
+            <a:r>
+              <a:rPr lang="en-US" sz="2400" dirty="0">
+                <a:solidFill>
+                  <a:schemeClr val="tx1"/>
+                </a:solidFill>
+                <a:latin typeface="Times New Roman" panose="02020603050405020304" pitchFamily="18" charset="0"/>
+                <a:cs typeface="Times New Roman" panose="02020603050405020304" pitchFamily="18" charset="0"/>
+              </a:rPr>
+              <a:t>Classifiers</a:t>
+            </a:r>
+          </a:p>
+        </p:txBody>
+      </p:sp>
+      <p:sp>
+        <p:nvSpPr>
+          <p:cNvPr id="112" name="Rectangle: Rounded Corners 111">
+            <a:extLst>
+              <a:ext uri="{FF2B5EF4-FFF2-40B4-BE49-F238E27FC236}">
+                <a16:creationId xmlns:a16="http://schemas.microsoft.com/office/drawing/2014/main" id="{3968B824-8E10-4A02-8032-39E22A6C2ABF}"/>
+              </a:ext>
+            </a:extLst>
+          </p:cNvPr>
+          <p:cNvSpPr/>
+          <p:nvPr/>
+        </p:nvSpPr>
+        <p:spPr>
+          <a:xfrm>
+            <a:off x="7080632" y="1899794"/>
+            <a:ext cx="464446" cy="447675"/>
+          </a:xfrm>
+          <a:prstGeom prst="roundRect">
+            <a:avLst>
+              <a:gd name="adj" fmla="val 50000"/>
+            </a:avLst>
+          </a:prstGeom>
+          <a:solidFill>
+            <a:schemeClr val="bg1"/>
+          </a:solidFill>
+          <a:ln w="38100">
+            <a:solidFill>
+              <a:schemeClr val="tx1"/>
+            </a:solidFill>
+          </a:ln>
+        </p:spPr>
+        <p:style>
+          <a:lnRef idx="2">
+            <a:schemeClr val="accent1">
+              <a:shade val="50000"/>
+            </a:schemeClr>
+          </a:lnRef>
+          <a:fillRef idx="1">
+            <a:schemeClr val="accent1"/>
+          </a:fillRef>
+          <a:effectRef idx="0">
+            <a:schemeClr val="accent1"/>
+          </a:effectRef>
+          <a:fontRef idx="minor">
+            <a:schemeClr val="lt1"/>
+          </a:fontRef>
+        </p:style>
+        <p:txBody>
+          <a:bodyPr rtlCol="0" anchor="ctr"/>
+          <a:lstStyle/>
+          <a:p>
+            <a:pPr algn="ctr"/>
+            <a:r>
+              <a:rPr lang="en-US" sz="2000" b="1" dirty="0">
+                <a:ln w="0"/>
+                <a:solidFill>
+                  <a:schemeClr val="tx1"/>
+                </a:solidFill>
+                <a:effectLst>
+                  <a:outerShdw blurRad="38100" dist="19050" dir="2700000" algn="tl" rotWithShape="0">
+                    <a:schemeClr val="dk1">
+                      <a:alpha val="40000"/>
+                    </a:schemeClr>
+                  </a:outerShdw>
+                </a:effectLst>
+                <a:latin typeface="Times New Roman" panose="02020603050405020304" pitchFamily="18" charset="0"/>
+                <a:cs typeface="Times New Roman" panose="02020603050405020304" pitchFamily="18" charset="0"/>
+              </a:rPr>
+              <a:t>A</a:t>
+            </a:r>
+            <a:endParaRPr lang="en-US" sz="2000" b="1" i="1" dirty="0">
+              <a:ln w="0"/>
+              <a:solidFill>
+                <a:schemeClr val="tx1"/>
+              </a:solidFill>
+              <a:effectLst>
+                <a:outerShdw blurRad="38100" dist="19050" dir="2700000" algn="tl" rotWithShape="0">
+                  <a:schemeClr val="dk1">
+                    <a:alpha val="40000"/>
+                  </a:schemeClr>
+                </a:outerShdw>
+              </a:effectLst>
+              <a:latin typeface="Times New Roman" panose="02020603050405020304" pitchFamily="18" charset="0"/>
+              <a:cs typeface="Times New Roman" panose="02020603050405020304" pitchFamily="18" charset="0"/>
+            </a:endParaRPr>
+          </a:p>
+        </p:txBody>
+      </p:sp>
+      <p:sp>
+        <p:nvSpPr>
+          <p:cNvPr id="114" name="TextBox 113">
+            <a:extLst>
+              <a:ext uri="{FF2B5EF4-FFF2-40B4-BE49-F238E27FC236}">
+                <a16:creationId xmlns:a16="http://schemas.microsoft.com/office/drawing/2014/main" id="{9759186D-1331-442E-8D91-ABEAAAD4FE62}"/>
+              </a:ext>
+            </a:extLst>
+          </p:cNvPr>
+          <p:cNvSpPr txBox="1"/>
+          <p:nvPr/>
+        </p:nvSpPr>
+        <p:spPr>
+          <a:xfrm>
+            <a:off x="7611742" y="2441756"/>
+            <a:ext cx="3748985" cy="461665"/>
+          </a:xfrm>
+          <a:prstGeom prst="rect">
+            <a:avLst/>
+          </a:prstGeom>
+          <a:noFill/>
+        </p:spPr>
+        <p:txBody>
+          <a:bodyPr wrap="square" rtlCol="0">
+            <a:spAutoFit/>
+          </a:bodyPr>
+          <a:lstStyle/>
+          <a:p>
+            <a:r>
+              <a:rPr lang="en-US" sz="2400" dirty="0">
+                <a:ln w="0"/>
+                <a:effectLst>
+                  <a:outerShdw blurRad="38100" dist="19050" dir="2700000" algn="tl" rotWithShape="0">
+                    <a:schemeClr val="dk1">
+                      <a:alpha val="40000"/>
+                    </a:schemeClr>
+                  </a:outerShdw>
+                </a:effectLst>
+                <a:latin typeface="Times New Roman" panose="02020603050405020304" pitchFamily="18" charset="0"/>
+                <a:cs typeface="Times New Roman" panose="02020603050405020304" pitchFamily="18" charset="0"/>
+              </a:rPr>
+              <a:t>Train SVM model</a:t>
+            </a:r>
+            <a:endParaRPr lang="en-US" sz="2400" dirty="0"/>
+          </a:p>
+        </p:txBody>
+      </p:sp>
+      <p:sp>
+        <p:nvSpPr>
+          <p:cNvPr id="117" name="Rectangle: Rounded Corners 116">
+            <a:extLst>
+              <a:ext uri="{FF2B5EF4-FFF2-40B4-BE49-F238E27FC236}">
+                <a16:creationId xmlns:a16="http://schemas.microsoft.com/office/drawing/2014/main" id="{79A783A1-D8DE-47BE-8D2B-664FEB95DA16}"/>
+              </a:ext>
+            </a:extLst>
+          </p:cNvPr>
+          <p:cNvSpPr/>
+          <p:nvPr/>
+        </p:nvSpPr>
+        <p:spPr>
+          <a:xfrm>
+            <a:off x="7089868" y="2487468"/>
+            <a:ext cx="464446" cy="447675"/>
+          </a:xfrm>
+          <a:prstGeom prst="roundRect">
+            <a:avLst>
+              <a:gd name="adj" fmla="val 50000"/>
+            </a:avLst>
+          </a:prstGeom>
+          <a:solidFill>
+            <a:schemeClr val="bg1"/>
+          </a:solidFill>
+          <a:ln w="38100">
+            <a:solidFill>
+              <a:schemeClr val="tx1"/>
+            </a:solidFill>
+          </a:ln>
+        </p:spPr>
+        <p:style>
+          <a:lnRef idx="2">
+            <a:schemeClr val="accent1">
+              <a:shade val="50000"/>
+            </a:schemeClr>
+          </a:lnRef>
+          <a:fillRef idx="1">
+            <a:schemeClr val="accent1"/>
+          </a:fillRef>
+          <a:effectRef idx="0">
+            <a:schemeClr val="accent1"/>
+          </a:effectRef>
+          <a:fontRef idx="minor">
+            <a:schemeClr val="lt1"/>
+          </a:fontRef>
+        </p:style>
+        <p:txBody>
+          <a:bodyPr rtlCol="0" anchor="ctr"/>
+          <a:lstStyle/>
+          <a:p>
+            <a:pPr algn="ctr"/>
+            <a:r>
+              <a:rPr lang="en-US" sz="2000" b="1" dirty="0">
+                <a:ln w="0"/>
+                <a:solidFill>
+                  <a:schemeClr val="tx1"/>
+                </a:solidFill>
+                <a:effectLst>
+                  <a:outerShdw blurRad="38100" dist="19050" dir="2700000" algn="tl" rotWithShape="0">
+                    <a:schemeClr val="dk1">
+                      <a:alpha val="40000"/>
+                    </a:schemeClr>
+                  </a:outerShdw>
+                </a:effectLst>
+                <a:latin typeface="Times New Roman" panose="02020603050405020304" pitchFamily="18" charset="0"/>
+                <a:cs typeface="Times New Roman" panose="02020603050405020304" pitchFamily="18" charset="0"/>
+              </a:rPr>
+              <a:t>B</a:t>
+            </a:r>
+            <a:endParaRPr lang="en-US" sz="2000" b="1" i="1" dirty="0">
+              <a:ln w="0"/>
+              <a:solidFill>
+                <a:schemeClr val="tx1"/>
+              </a:solidFill>
+              <a:effectLst>
+                <a:outerShdw blurRad="38100" dist="19050" dir="2700000" algn="tl" rotWithShape="0">
+                  <a:schemeClr val="dk1">
+                    <a:alpha val="40000"/>
+                  </a:schemeClr>
+                </a:outerShdw>
+              </a:effectLst>
+              <a:latin typeface="Times New Roman" panose="02020603050405020304" pitchFamily="18" charset="0"/>
+              <a:cs typeface="Times New Roman" panose="02020603050405020304" pitchFamily="18" charset="0"/>
+            </a:endParaRPr>
+          </a:p>
+        </p:txBody>
+      </p:sp>
+      <p:sp>
+        <p:nvSpPr>
+          <p:cNvPr id="118" name="TextBox 117">
+            <a:extLst>
+              <a:ext uri="{FF2B5EF4-FFF2-40B4-BE49-F238E27FC236}">
+                <a16:creationId xmlns:a16="http://schemas.microsoft.com/office/drawing/2014/main" id="{A11EFF5F-460C-4864-B86E-3469EC8E60BF}"/>
+              </a:ext>
+            </a:extLst>
+          </p:cNvPr>
+          <p:cNvSpPr txBox="1"/>
+          <p:nvPr/>
+        </p:nvSpPr>
+        <p:spPr>
+          <a:xfrm>
+            <a:off x="7627904" y="3036958"/>
+            <a:ext cx="3748985" cy="461665"/>
+          </a:xfrm>
+          <a:prstGeom prst="rect">
+            <a:avLst/>
+          </a:prstGeom>
+          <a:noFill/>
+        </p:spPr>
+        <p:txBody>
+          <a:bodyPr wrap="square" rtlCol="0">
+            <a:spAutoFit/>
+          </a:bodyPr>
+          <a:lstStyle/>
+          <a:p>
+            <a:r>
+              <a:rPr lang="en-US" sz="2400" dirty="0">
+                <a:ln w="0"/>
+                <a:effectLst>
+                  <a:outerShdw blurRad="38100" dist="19050" dir="2700000" algn="tl" rotWithShape="0">
+                    <a:schemeClr val="dk1">
+                      <a:alpha val="40000"/>
+                    </a:schemeClr>
+                  </a:outerShdw>
+                </a:effectLst>
+                <a:latin typeface="Times New Roman" panose="02020603050405020304" pitchFamily="18" charset="0"/>
+                <a:cs typeface="Times New Roman" panose="02020603050405020304" pitchFamily="18" charset="0"/>
+              </a:rPr>
+              <a:t>Cross-validation with test set</a:t>
+            </a:r>
+            <a:endParaRPr lang="en-US" sz="2400" dirty="0"/>
+          </a:p>
+        </p:txBody>
+      </p:sp>
+      <p:sp>
+        <p:nvSpPr>
+          <p:cNvPr id="120" name="Rectangle: Rounded Corners 119">
+            <a:extLst>
+              <a:ext uri="{FF2B5EF4-FFF2-40B4-BE49-F238E27FC236}">
+                <a16:creationId xmlns:a16="http://schemas.microsoft.com/office/drawing/2014/main" id="{99077E21-36BD-4992-9782-BF5BE3D5DB67}"/>
+              </a:ext>
+            </a:extLst>
+          </p:cNvPr>
+          <p:cNvSpPr/>
+          <p:nvPr/>
+        </p:nvSpPr>
+        <p:spPr>
+          <a:xfrm>
+            <a:off x="7106030" y="3082670"/>
+            <a:ext cx="464446" cy="447675"/>
+          </a:xfrm>
+          <a:prstGeom prst="roundRect">
+            <a:avLst>
+              <a:gd name="adj" fmla="val 50000"/>
+            </a:avLst>
+          </a:prstGeom>
+          <a:solidFill>
+            <a:schemeClr val="bg1"/>
+          </a:solidFill>
+          <a:ln w="38100">
+            <a:solidFill>
+              <a:schemeClr val="tx1"/>
+            </a:solidFill>
+          </a:ln>
+        </p:spPr>
+        <p:style>
+          <a:lnRef idx="2">
+            <a:schemeClr val="accent1">
+              <a:shade val="50000"/>
+            </a:schemeClr>
+          </a:lnRef>
+          <a:fillRef idx="1">
+            <a:schemeClr val="accent1"/>
+          </a:fillRef>
+          <a:effectRef idx="0">
+            <a:schemeClr val="accent1"/>
+          </a:effectRef>
+          <a:fontRef idx="minor">
+            <a:schemeClr val="lt1"/>
+          </a:fontRef>
+        </p:style>
+        <p:txBody>
+          <a:bodyPr rtlCol="0" anchor="ctr"/>
+          <a:lstStyle/>
+          <a:p>
+            <a:pPr algn="ctr"/>
+            <a:r>
+              <a:rPr lang="en-US" sz="2000" b="1" dirty="0">
+                <a:ln w="0"/>
+                <a:solidFill>
+                  <a:schemeClr val="tx1"/>
+                </a:solidFill>
+                <a:effectLst>
+                  <a:outerShdw blurRad="38100" dist="19050" dir="2700000" algn="tl" rotWithShape="0">
+                    <a:schemeClr val="dk1">
+                      <a:alpha val="40000"/>
+                    </a:schemeClr>
+                  </a:outerShdw>
+                </a:effectLst>
+                <a:latin typeface="Times New Roman" panose="02020603050405020304" pitchFamily="18" charset="0"/>
+                <a:cs typeface="Times New Roman" panose="02020603050405020304" pitchFamily="18" charset="0"/>
+              </a:rPr>
+              <a:t>C</a:t>
+            </a:r>
+            <a:endParaRPr lang="en-US" sz="2000" b="1" i="1" dirty="0">
+              <a:ln w="0"/>
+              <a:solidFill>
+                <a:schemeClr val="tx1"/>
+              </a:solidFill>
+              <a:effectLst>
+                <a:outerShdw blurRad="38100" dist="19050" dir="2700000" algn="tl" rotWithShape="0">
+                  <a:schemeClr val="dk1">
+                    <a:alpha val="40000"/>
+                  </a:schemeClr>
+                </a:outerShdw>
+              </a:effectLst>
+              <a:latin typeface="Times New Roman" panose="02020603050405020304" pitchFamily="18" charset="0"/>
+              <a:cs typeface="Times New Roman" panose="02020603050405020304" pitchFamily="18" charset="0"/>
+            </a:endParaRPr>
+          </a:p>
+        </p:txBody>
+      </p:sp>
+    </p:spTree>
+    <p:extLst>
+      <p:ext uri="{BB962C8B-B14F-4D97-AF65-F5344CB8AC3E}">
+        <p14:creationId xmlns:p14="http://schemas.microsoft.com/office/powerpoint/2010/main" val="2790804301"/>
+      </p:ext>
+    </p:extLst>
+  </p:cSld>
+  <p:clrMapOvr>
+    <a:masterClrMapping/>
+  </p:clrMapOvr>
+</p:sld>
+</file>
+
+<file path=ppt/slides/slide2.xml><?xml version="1.0" encoding="utf-8"?>
 <p:sld xmlns:a="http://schemas.openxmlformats.org/drawingml/2006/main" xmlns:r="http://schemas.openxmlformats.org/officeDocument/2006/relationships" xmlns:p="http://schemas.openxmlformats.org/presentationml/2006/main">
   <p:cSld>
     <p:spTree>
@@ -6524,7 +9980,7 @@
             <a:graphicData uri="http://schemas.openxmlformats.org/presentationml/2006/ole">
               <mc:AlternateContent xmlns:mc="http://schemas.openxmlformats.org/markup-compatibility/2006">
                 <mc:Choice xmlns:v="urn:schemas-microsoft-com:vml" Requires="v">
-                  <p:oleObj spid="_x0000_s1038" name="Equation" r:id="rId6" imgW="1218960" imgH="787320" progId="Equation.DSMT4">
+                  <p:oleObj spid="_x0000_s1056" name="Equation" r:id="rId6" imgW="1218960" imgH="787320" progId="Equation.DSMT4">
                     <p:embed/>
                   </p:oleObj>
                 </mc:Choice>
@@ -6588,7 +10044,7 @@
           <a:graphicData uri="http://schemas.openxmlformats.org/presentationml/2006/ole">
             <mc:AlternateContent xmlns:mc="http://schemas.openxmlformats.org/markup-compatibility/2006">
               <mc:Choice xmlns:v="urn:schemas-microsoft-com:vml" Requires="v">
-                <p:oleObj spid="_x0000_s1039" name="Equation" r:id="rId8" imgW="914400" imgH="306720" progId="Equation.DSMT4">
+                <p:oleObj spid="_x0000_s1057" name="Equation" r:id="rId8" imgW="914400" imgH="306720" progId="Equation.DSMT4">
                   <p:embed/>
                 </p:oleObj>
               </mc:Choice>
@@ -6742,7 +10198,7 @@
             <a:graphicData uri="http://schemas.openxmlformats.org/presentationml/2006/ole">
               <mc:AlternateContent xmlns:mc="http://schemas.openxmlformats.org/markup-compatibility/2006">
                 <mc:Choice xmlns:v="urn:schemas-microsoft-com:vml" Requires="v">
-                  <p:oleObj spid="_x0000_s1040" name="Equation" r:id="rId10" imgW="3543120" imgH="431640" progId="Equation.DSMT4">
+                  <p:oleObj spid="_x0000_s1058" name="Equation" r:id="rId10" imgW="3543120" imgH="431640" progId="Equation.DSMT4">
                     <p:embed/>
                   </p:oleObj>
                 </mc:Choice>
@@ -6808,6 +10264,41 @@
           </a:prstGeom>
         </p:spPr>
       </p:pic>
+      <p:sp>
+        <p:nvSpPr>
+          <p:cNvPr id="2" name="TextBox 1">
+            <a:extLst>
+              <a:ext uri="{FF2B5EF4-FFF2-40B4-BE49-F238E27FC236}">
+                <a16:creationId xmlns:a16="http://schemas.microsoft.com/office/drawing/2014/main" id="{35FCE5EA-8D3D-4C69-B576-72C28323CBAB}"/>
+              </a:ext>
+            </a:extLst>
+          </p:cNvPr>
+          <p:cNvSpPr txBox="1"/>
+          <p:nvPr/>
+        </p:nvSpPr>
+        <p:spPr>
+          <a:xfrm>
+            <a:off x="307211" y="1893455"/>
+            <a:ext cx="11682301" cy="3170099"/>
+          </a:xfrm>
+          <a:prstGeom prst="rect">
+            <a:avLst/>
+          </a:prstGeom>
+          <a:noFill/>
+        </p:spPr>
+        <p:txBody>
+          <a:bodyPr wrap="none" rtlCol="0">
+            <a:spAutoFit/>
+          </a:bodyPr>
+          <a:lstStyle/>
+          <a:p>
+            <a:r>
+              <a:rPr lang="en-US" sz="20000" dirty="0"/>
+              <a:t>OUTDATED</a:t>
+            </a:r>
+          </a:p>
+        </p:txBody>
+      </p:sp>
     </p:spTree>
     <p:extLst>
       <p:ext uri="{BB962C8B-B14F-4D97-AF65-F5344CB8AC3E}">

--- a/figures/src_PPT_files/ML_summary_figure.pptx
+++ b/figures/src_PPT_files/ML_summary_figure.pptx
@@ -6,7 +6,8 @@
   </p:sldMasterIdLst>
   <p:sldIdLst>
     <p:sldId id="257" r:id="rId2"/>
-    <p:sldId id="256" r:id="rId3"/>
+    <p:sldId id="258" r:id="rId3"/>
+    <p:sldId id="256" r:id="rId4"/>
   </p:sldIdLst>
   <p:sldSz cx="12192000" cy="6858000"/>
   <p:notesSz cx="6858000" cy="9144000"/>
@@ -260,7 +261,7 @@
           <a:p>
             <a:fld id="{95F4E32A-8D0A-4F18-AD24-E8EE5FC79879}" type="datetimeFigureOut">
               <a:rPr lang="en-US" smtClean="0"/>
-              <a:t>2/19/2018</a:t>
+              <a:t>2/20/2018</a:t>
             </a:fld>
             <a:endParaRPr lang="en-US"/>
           </a:p>
@@ -458,7 +459,7 @@
           <a:p>
             <a:fld id="{95F4E32A-8D0A-4F18-AD24-E8EE5FC79879}" type="datetimeFigureOut">
               <a:rPr lang="en-US" smtClean="0"/>
-              <a:t>2/19/2018</a:t>
+              <a:t>2/20/2018</a:t>
             </a:fld>
             <a:endParaRPr lang="en-US"/>
           </a:p>
@@ -666,7 +667,7 @@
           <a:p>
             <a:fld id="{95F4E32A-8D0A-4F18-AD24-E8EE5FC79879}" type="datetimeFigureOut">
               <a:rPr lang="en-US" smtClean="0"/>
-              <a:t>2/19/2018</a:t>
+              <a:t>2/20/2018</a:t>
             </a:fld>
             <a:endParaRPr lang="en-US"/>
           </a:p>
@@ -864,7 +865,7 @@
           <a:p>
             <a:fld id="{95F4E32A-8D0A-4F18-AD24-E8EE5FC79879}" type="datetimeFigureOut">
               <a:rPr lang="en-US" smtClean="0"/>
-              <a:t>2/19/2018</a:t>
+              <a:t>2/20/2018</a:t>
             </a:fld>
             <a:endParaRPr lang="en-US"/>
           </a:p>
@@ -1139,7 +1140,7 @@
           <a:p>
             <a:fld id="{95F4E32A-8D0A-4F18-AD24-E8EE5FC79879}" type="datetimeFigureOut">
               <a:rPr lang="en-US" smtClean="0"/>
-              <a:t>2/19/2018</a:t>
+              <a:t>2/20/2018</a:t>
             </a:fld>
             <a:endParaRPr lang="en-US"/>
           </a:p>
@@ -1404,7 +1405,7 @@
           <a:p>
             <a:fld id="{95F4E32A-8D0A-4F18-AD24-E8EE5FC79879}" type="datetimeFigureOut">
               <a:rPr lang="en-US" smtClean="0"/>
-              <a:t>2/19/2018</a:t>
+              <a:t>2/20/2018</a:t>
             </a:fld>
             <a:endParaRPr lang="en-US"/>
           </a:p>
@@ -1816,7 +1817,7 @@
           <a:p>
             <a:fld id="{95F4E32A-8D0A-4F18-AD24-E8EE5FC79879}" type="datetimeFigureOut">
               <a:rPr lang="en-US" smtClean="0"/>
-              <a:t>2/19/2018</a:t>
+              <a:t>2/20/2018</a:t>
             </a:fld>
             <a:endParaRPr lang="en-US"/>
           </a:p>
@@ -1957,7 +1958,7 @@
           <a:p>
             <a:fld id="{95F4E32A-8D0A-4F18-AD24-E8EE5FC79879}" type="datetimeFigureOut">
               <a:rPr lang="en-US" smtClean="0"/>
-              <a:t>2/19/2018</a:t>
+              <a:t>2/20/2018</a:t>
             </a:fld>
             <a:endParaRPr lang="en-US"/>
           </a:p>
@@ -2070,7 +2071,7 @@
           <a:p>
             <a:fld id="{95F4E32A-8D0A-4F18-AD24-E8EE5FC79879}" type="datetimeFigureOut">
               <a:rPr lang="en-US" smtClean="0"/>
-              <a:t>2/19/2018</a:t>
+              <a:t>2/20/2018</a:t>
             </a:fld>
             <a:endParaRPr lang="en-US"/>
           </a:p>
@@ -2381,7 +2382,7 @@
           <a:p>
             <a:fld id="{95F4E32A-8D0A-4F18-AD24-E8EE5FC79879}" type="datetimeFigureOut">
               <a:rPr lang="en-US" smtClean="0"/>
-              <a:t>2/19/2018</a:t>
+              <a:t>2/20/2018</a:t>
             </a:fld>
             <a:endParaRPr lang="en-US"/>
           </a:p>
@@ -2669,7 +2670,7 @@
           <a:p>
             <a:fld id="{95F4E32A-8D0A-4F18-AD24-E8EE5FC79879}" type="datetimeFigureOut">
               <a:rPr lang="en-US" smtClean="0"/>
-              <a:t>2/19/2018</a:t>
+              <a:t>2/20/2018</a:t>
             </a:fld>
             <a:endParaRPr lang="en-US"/>
           </a:p>
@@ -2910,7 +2911,7 @@
           <a:p>
             <a:fld id="{95F4E32A-8D0A-4F18-AD24-E8EE5FC79879}" type="datetimeFigureOut">
               <a:rPr lang="en-US" smtClean="0"/>
-              <a:t>2/19/2018</a:t>
+              <a:t>2/20/2018</a:t>
             </a:fld>
             <a:endParaRPr lang="en-US"/>
           </a:p>
@@ -3327,12 +3328,139 @@
           <a:chExt cx="0" cy="0"/>
         </a:xfrm>
       </p:grpSpPr>
+      <p:sp>
+        <p:nvSpPr>
+          <p:cNvPr id="46" name="Rectangle: Rounded Corners 45">
+            <a:extLst>
+              <a:ext uri="{FF2B5EF4-FFF2-40B4-BE49-F238E27FC236}">
+                <a16:creationId xmlns:a16="http://schemas.microsoft.com/office/drawing/2014/main" id="{6B35A77C-4CDC-47F7-B2E9-C647E36FA59E}"/>
+              </a:ext>
+            </a:extLst>
+          </p:cNvPr>
+          <p:cNvSpPr/>
+          <p:nvPr/>
+        </p:nvSpPr>
+        <p:spPr>
+          <a:xfrm>
+            <a:off x="307211" y="252774"/>
+            <a:ext cx="5852160" cy="1352206"/>
+          </a:xfrm>
+          <a:prstGeom prst="roundRect">
+            <a:avLst/>
+          </a:prstGeom>
+          <a:solidFill>
+            <a:srgbClr val="C00000"/>
+          </a:solidFill>
+          <a:ln w="38100">
+            <a:solidFill>
+              <a:schemeClr val="tx1"/>
+            </a:solidFill>
+          </a:ln>
+        </p:spPr>
+        <p:style>
+          <a:lnRef idx="2">
+            <a:schemeClr val="accent1">
+              <a:shade val="50000"/>
+            </a:schemeClr>
+          </a:lnRef>
+          <a:fillRef idx="1">
+            <a:schemeClr val="accent1"/>
+          </a:fillRef>
+          <a:effectRef idx="0">
+            <a:schemeClr val="accent1"/>
+          </a:effectRef>
+          <a:fontRef idx="minor">
+            <a:schemeClr val="lt1"/>
+          </a:fontRef>
+        </p:style>
+        <p:txBody>
+          <a:bodyPr numCol="1" rtlCol="0" anchor="t"/>
+          <a:lstStyle/>
+          <a:p>
+            <a:r>
+              <a:rPr lang="en-US" sz="2400" dirty="0">
+                <a:ln w="0"/>
+                <a:solidFill>
+                  <a:schemeClr val="tx1"/>
+                </a:solidFill>
+                <a:effectLst>
+                  <a:outerShdw blurRad="38100" dist="19050" dir="2700000" algn="tl" rotWithShape="0">
+                    <a:schemeClr val="dk1">
+                      <a:alpha val="40000"/>
+                    </a:schemeClr>
+                  </a:outerShdw>
+                </a:effectLst>
+                <a:latin typeface="Times New Roman" panose="02020603050405020304" pitchFamily="18" charset="0"/>
+                <a:cs typeface="Times New Roman" panose="02020603050405020304" pitchFamily="18" charset="0"/>
+              </a:rPr>
+              <a:t>                   </a:t>
+            </a:r>
+          </a:p>
+          <a:p>
+            <a:pPr algn="ctr"/>
+            <a:endParaRPr lang="en-US" dirty="0">
+              <a:ln w="0"/>
+              <a:solidFill>
+                <a:schemeClr val="tx1"/>
+              </a:solidFill>
+              <a:effectLst>
+                <a:outerShdw blurRad="38100" dist="19050" dir="2700000" algn="tl" rotWithShape="0">
+                  <a:schemeClr val="dk1">
+                    <a:alpha val="40000"/>
+                  </a:schemeClr>
+                </a:outerShdw>
+              </a:effectLst>
+              <a:latin typeface="Times New Roman" panose="02020603050405020304" pitchFamily="18" charset="0"/>
+              <a:cs typeface="Times New Roman" panose="02020603050405020304" pitchFamily="18" charset="0"/>
+            </a:endParaRPr>
+          </a:p>
+          <a:p>
+            <a:pPr algn="ctr"/>
+            <a:r>
+              <a:rPr lang="en-US" sz="2000" i="1" dirty="0">
+                <a:ln w="0"/>
+                <a:solidFill>
+                  <a:schemeClr val="tx1"/>
+                </a:solidFill>
+                <a:effectLst>
+                  <a:outerShdw blurRad="38100" dist="19050" dir="2700000" algn="tl" rotWithShape="0">
+                    <a:schemeClr val="dk1">
+                      <a:alpha val="40000"/>
+                    </a:schemeClr>
+                  </a:outerShdw>
+                </a:effectLst>
+                <a:latin typeface="Times New Roman" panose="02020603050405020304" pitchFamily="18" charset="0"/>
+                <a:cs typeface="Times New Roman" panose="02020603050405020304" pitchFamily="18" charset="0"/>
+              </a:rPr>
+              <a:t>	</a:t>
+            </a:r>
+          </a:p>
+          <a:p>
+            <a:pPr algn="ctr"/>
+            <a:endParaRPr lang="en-US" dirty="0">
+              <a:ln w="0"/>
+              <a:solidFill>
+                <a:schemeClr val="tx1"/>
+              </a:solidFill>
+              <a:effectLst>
+                <a:outerShdw blurRad="38100" dist="19050" dir="2700000" algn="tl" rotWithShape="0">
+                  <a:schemeClr val="dk1">
+                    <a:alpha val="40000"/>
+                  </a:schemeClr>
+                </a:outerShdw>
+              </a:effectLst>
+              <a:latin typeface="Times New Roman" panose="02020603050405020304" pitchFamily="18" charset="0"/>
+              <a:cs typeface="Times New Roman" panose="02020603050405020304" pitchFamily="18" charset="0"/>
+            </a:endParaRPr>
+          </a:p>
+        </p:txBody>
+      </p:sp>
       <p:grpSp>
         <p:nvGrpSpPr>
-          <p:cNvPr id="128" name="Group 127">
-            <a:extLst>
-              <a:ext uri="{FF2B5EF4-FFF2-40B4-BE49-F238E27FC236}">
-                <a16:creationId xmlns:a16="http://schemas.microsoft.com/office/drawing/2014/main" id="{039E7156-B3C8-4911-A863-8DC315FB1ABF}"/>
+          <p:cNvPr id="65" name="Group 64">
+            <a:extLst>
+              <a:ext uri="{FF2B5EF4-FFF2-40B4-BE49-F238E27FC236}">
+                <a16:creationId xmlns:a16="http://schemas.microsoft.com/office/drawing/2014/main" id="{C5D731A4-FC92-4676-A882-3D50ECA2A487}"/>
               </a:ext>
             </a:extLst>
           </p:cNvPr>
@@ -3341,18 +3469,18 @@
         </p:nvGrpSpPr>
         <p:grpSpPr>
           <a:xfrm>
-            <a:off x="307211" y="252774"/>
-            <a:ext cx="5852160" cy="1352206"/>
-            <a:chOff x="556591" y="566804"/>
-            <a:chExt cx="5852160" cy="1352206"/>
+            <a:off x="1528977" y="317665"/>
+            <a:ext cx="3006078" cy="467553"/>
+            <a:chOff x="1272210" y="327534"/>
+            <a:chExt cx="3006078" cy="467553"/>
           </a:xfrm>
         </p:grpSpPr>
         <p:sp>
           <p:nvSpPr>
-            <p:cNvPr id="46" name="Rectangle: Rounded Corners 45">
+            <p:cNvPr id="49" name="Rectangle: Rounded Corners 48">
               <a:extLst>
                 <a:ext uri="{FF2B5EF4-FFF2-40B4-BE49-F238E27FC236}">
-                  <a16:creationId xmlns:a16="http://schemas.microsoft.com/office/drawing/2014/main" id="{6B35A77C-4CDC-47F7-B2E9-C647E36FA59E}"/>
+                  <a16:creationId xmlns:a16="http://schemas.microsoft.com/office/drawing/2014/main" id="{4D5B91FA-437E-4B27-B3FE-B35FD1159757}"/>
                 </a:ext>
               </a:extLst>
             </p:cNvPr>
@@ -3361,14 +3489,16 @@
           </p:nvSpPr>
           <p:spPr>
             <a:xfrm>
-              <a:off x="556591" y="566804"/>
-              <a:ext cx="5852160" cy="1352206"/>
+              <a:off x="1272210" y="347412"/>
+              <a:ext cx="464446" cy="447675"/>
             </a:xfrm>
             <a:prstGeom prst="roundRect">
-              <a:avLst/>
+              <a:avLst>
+                <a:gd name="adj" fmla="val 50000"/>
+              </a:avLst>
             </a:prstGeom>
             <a:solidFill>
-              <a:srgbClr val="C00000"/>
+              <a:schemeClr val="bg1"/>
             </a:solidFill>
             <a:ln w="38100">
               <a:solidFill>
@@ -3393,11 +3523,12 @@
             </a:fontRef>
           </p:style>
           <p:txBody>
-            <a:bodyPr numCol="1" rtlCol="0" anchor="t"/>
+            <a:bodyPr rtlCol="0" anchor="ctr"/>
             <a:lstStyle/>
             <a:p>
+              <a:pPr algn="ctr"/>
               <a:r>
-                <a:rPr lang="en-US" sz="2400" dirty="0">
+                <a:rPr lang="en-US" sz="2000" b="1" dirty="0">
                   <a:ln w="0"/>
                   <a:solidFill>
                     <a:schemeClr val="tx1"/>
@@ -3412,51 +3543,9 @@
                   <a:latin typeface="Times New Roman" panose="02020603050405020304" pitchFamily="18" charset="0"/>
                   <a:cs typeface="Times New Roman" panose="02020603050405020304" pitchFamily="18" charset="0"/>
                 </a:rPr>
-                <a:t>                   </a:t>
+                <a:t>1</a:t>
               </a:r>
-            </a:p>
-            <a:p>
-              <a:pPr algn="ctr"/>
-              <a:endParaRPr lang="en-US" dirty="0">
-                <a:ln w="0"/>
-                <a:solidFill>
-                  <a:schemeClr val="tx1"/>
-                </a:solidFill>
-                <a:effectLst>
-                  <a:outerShdw blurRad="38100" dist="19050" dir="2700000" algn="tl" rotWithShape="0">
-                    <a:schemeClr val="dk1">
-                      <a:alpha val="40000"/>
-                    </a:schemeClr>
-                  </a:outerShdw>
-                </a:effectLst>
-                <a:latin typeface="Times New Roman" panose="02020603050405020304" pitchFamily="18" charset="0"/>
-                <a:cs typeface="Times New Roman" panose="02020603050405020304" pitchFamily="18" charset="0"/>
-              </a:endParaRPr>
-            </a:p>
-            <a:p>
-              <a:pPr algn="ctr"/>
-              <a:r>
-                <a:rPr lang="en-US" sz="2000" i="1" dirty="0">
-                  <a:ln w="0"/>
-                  <a:solidFill>
-                    <a:schemeClr val="tx1"/>
-                  </a:solidFill>
-                  <a:effectLst>
-                    <a:outerShdw blurRad="38100" dist="19050" dir="2700000" algn="tl" rotWithShape="0">
-                      <a:schemeClr val="dk1">
-                        <a:alpha val="40000"/>
-                      </a:schemeClr>
-                    </a:outerShdw>
-                  </a:effectLst>
-                  <a:latin typeface="Times New Roman" panose="02020603050405020304" pitchFamily="18" charset="0"/>
-                  <a:cs typeface="Times New Roman" panose="02020603050405020304" pitchFamily="18" charset="0"/>
-                </a:rPr>
-                <a:t>	</a:t>
-              </a:r>
-            </a:p>
-            <a:p>
-              <a:pPr algn="ctr"/>
-              <a:endParaRPr lang="en-US" dirty="0">
+              <a:endParaRPr lang="en-US" sz="2000" b="1" i="1" dirty="0">
                 <a:ln w="0"/>
                 <a:solidFill>
                   <a:schemeClr val="tx1"/>
@@ -3474,231 +3563,12 @@
             </a:p>
           </p:txBody>
         </p:sp>
-        <p:grpSp>
-          <p:nvGrpSpPr>
-            <p:cNvPr id="65" name="Group 64">
+        <p:sp>
+          <p:nvSpPr>
+            <p:cNvPr id="56" name="Rectangle 55">
               <a:extLst>
                 <a:ext uri="{FF2B5EF4-FFF2-40B4-BE49-F238E27FC236}">
-                  <a16:creationId xmlns:a16="http://schemas.microsoft.com/office/drawing/2014/main" id="{C5D731A4-FC92-4676-A882-3D50ECA2A487}"/>
-                </a:ext>
-              </a:extLst>
-            </p:cNvPr>
-            <p:cNvGrpSpPr/>
-            <p:nvPr/>
-          </p:nvGrpSpPr>
-          <p:grpSpPr>
-            <a:xfrm>
-              <a:off x="1778357" y="631695"/>
-              <a:ext cx="3006078" cy="467553"/>
-              <a:chOff x="1272210" y="327534"/>
-              <a:chExt cx="3006078" cy="467553"/>
-            </a:xfrm>
-          </p:grpSpPr>
-          <p:sp>
-            <p:nvSpPr>
-              <p:cNvPr id="49" name="Rectangle: Rounded Corners 48">
-                <a:extLst>
-                  <a:ext uri="{FF2B5EF4-FFF2-40B4-BE49-F238E27FC236}">
-                    <a16:creationId xmlns:a16="http://schemas.microsoft.com/office/drawing/2014/main" id="{4D5B91FA-437E-4B27-B3FE-B35FD1159757}"/>
-                  </a:ext>
-                </a:extLst>
-              </p:cNvPr>
-              <p:cNvSpPr/>
-              <p:nvPr/>
-            </p:nvSpPr>
-            <p:spPr>
-              <a:xfrm>
-                <a:off x="1272210" y="347412"/>
-                <a:ext cx="464446" cy="447675"/>
-              </a:xfrm>
-              <a:prstGeom prst="roundRect">
-                <a:avLst>
-                  <a:gd name="adj" fmla="val 50000"/>
-                </a:avLst>
-              </a:prstGeom>
-              <a:solidFill>
-                <a:schemeClr val="bg1"/>
-              </a:solidFill>
-              <a:ln w="38100">
-                <a:solidFill>
-                  <a:schemeClr val="tx1"/>
-                </a:solidFill>
-              </a:ln>
-            </p:spPr>
-            <p:style>
-              <a:lnRef idx="2">
-                <a:schemeClr val="accent1">
-                  <a:shade val="50000"/>
-                </a:schemeClr>
-              </a:lnRef>
-              <a:fillRef idx="1">
-                <a:schemeClr val="accent1"/>
-              </a:fillRef>
-              <a:effectRef idx="0">
-                <a:schemeClr val="accent1"/>
-              </a:effectRef>
-              <a:fontRef idx="minor">
-                <a:schemeClr val="lt1"/>
-              </a:fontRef>
-            </p:style>
-            <p:txBody>
-              <a:bodyPr rtlCol="0" anchor="ctr"/>
-              <a:lstStyle/>
-              <a:p>
-                <a:pPr algn="ctr"/>
-                <a:r>
-                  <a:rPr lang="en-US" sz="2000" b="1" dirty="0">
-                    <a:ln w="0"/>
-                    <a:solidFill>
-                      <a:schemeClr val="tx1"/>
-                    </a:solidFill>
-                    <a:effectLst>
-                      <a:outerShdw blurRad="38100" dist="19050" dir="2700000" algn="tl" rotWithShape="0">
-                        <a:schemeClr val="dk1">
-                          <a:alpha val="40000"/>
-                        </a:schemeClr>
-                      </a:outerShdw>
-                    </a:effectLst>
-                    <a:latin typeface="Times New Roman" panose="02020603050405020304" pitchFamily="18" charset="0"/>
-                    <a:cs typeface="Times New Roman" panose="02020603050405020304" pitchFamily="18" charset="0"/>
-                  </a:rPr>
-                  <a:t>1</a:t>
-                </a:r>
-                <a:endParaRPr lang="en-US" sz="2000" b="1" i="1" dirty="0">
-                  <a:ln w="0"/>
-                  <a:solidFill>
-                    <a:schemeClr val="tx1"/>
-                  </a:solidFill>
-                  <a:effectLst>
-                    <a:outerShdw blurRad="38100" dist="19050" dir="2700000" algn="tl" rotWithShape="0">
-                      <a:schemeClr val="dk1">
-                        <a:alpha val="40000"/>
-                      </a:schemeClr>
-                    </a:outerShdw>
-                  </a:effectLst>
-                  <a:latin typeface="Times New Roman" panose="02020603050405020304" pitchFamily="18" charset="0"/>
-                  <a:cs typeface="Times New Roman" panose="02020603050405020304" pitchFamily="18" charset="0"/>
-                </a:endParaRPr>
-              </a:p>
-            </p:txBody>
-          </p:sp>
-          <p:sp>
-            <p:nvSpPr>
-              <p:cNvPr id="56" name="Rectangle 55">
-                <a:extLst>
-                  <a:ext uri="{FF2B5EF4-FFF2-40B4-BE49-F238E27FC236}">
-                    <a16:creationId xmlns:a16="http://schemas.microsoft.com/office/drawing/2014/main" id="{E34104EC-2F51-426B-BC57-DCCB63BB3464}"/>
-                  </a:ext>
-                </a:extLst>
-              </p:cNvPr>
-              <p:cNvSpPr/>
-              <p:nvPr/>
-            </p:nvSpPr>
-            <p:spPr>
-              <a:xfrm>
-                <a:off x="2900841" y="372488"/>
-                <a:ext cx="1377447" cy="357765"/>
-              </a:xfrm>
-              <a:prstGeom prst="rect">
-                <a:avLst/>
-              </a:prstGeom>
-              <a:solidFill>
-                <a:schemeClr val="bg1"/>
-              </a:solidFill>
-              <a:ln w="19050">
-                <a:solidFill>
-                  <a:schemeClr val="tx1"/>
-                </a:solidFill>
-              </a:ln>
-            </p:spPr>
-            <p:style>
-              <a:lnRef idx="2">
-                <a:schemeClr val="accent1">
-                  <a:shade val="50000"/>
-                </a:schemeClr>
-              </a:lnRef>
-              <a:fillRef idx="1">
-                <a:schemeClr val="accent1"/>
-              </a:fillRef>
-              <a:effectRef idx="0">
-                <a:schemeClr val="accent1"/>
-              </a:effectRef>
-              <a:fontRef idx="minor">
-                <a:schemeClr val="lt1"/>
-              </a:fontRef>
-            </p:style>
-            <p:txBody>
-              <a:bodyPr rtlCol="0" anchor="ctr"/>
-              <a:lstStyle/>
-              <a:p>
-                <a:pPr algn="ctr"/>
-                <a:r>
-                  <a:rPr lang="en-US" sz="2400" dirty="0">
-                    <a:solidFill>
-                      <a:schemeClr val="tx1"/>
-                    </a:solidFill>
-                    <a:latin typeface="Times New Roman" panose="02020603050405020304" pitchFamily="18" charset="0"/>
-                    <a:cs typeface="Times New Roman" panose="02020603050405020304" pitchFamily="18" charset="0"/>
-                  </a:rPr>
-                  <a:t>Features</a:t>
-                </a:r>
-              </a:p>
-            </p:txBody>
-          </p:sp>
-          <p:sp>
-            <p:nvSpPr>
-              <p:cNvPr id="61" name="TextBox 60">
-                <a:extLst>
-                  <a:ext uri="{FF2B5EF4-FFF2-40B4-BE49-F238E27FC236}">
-                    <a16:creationId xmlns:a16="http://schemas.microsoft.com/office/drawing/2014/main" id="{03BB78F3-254E-470D-95B6-96F598973623}"/>
-                  </a:ext>
-                </a:extLst>
-              </p:cNvPr>
-              <p:cNvSpPr txBox="1"/>
-              <p:nvPr/>
-            </p:nvSpPr>
-            <p:spPr>
-              <a:xfrm>
-                <a:off x="1763028" y="327534"/>
-                <a:ext cx="1107996" cy="461665"/>
-              </a:xfrm>
-              <a:prstGeom prst="rect">
-                <a:avLst/>
-              </a:prstGeom>
-              <a:noFill/>
-            </p:spPr>
-            <p:txBody>
-              <a:bodyPr wrap="none" rtlCol="0">
-                <a:spAutoFit/>
-              </a:bodyPr>
-              <a:lstStyle/>
-              <a:p>
-                <a:r>
-                  <a:rPr lang="en-US" sz="2400" dirty="0">
-                    <a:ln w="0"/>
-                    <a:effectLst>
-                      <a:outerShdw blurRad="38100" dist="19050" dir="2700000" algn="tl" rotWithShape="0">
-                        <a:schemeClr val="dk1">
-                          <a:alpha val="40000"/>
-                        </a:schemeClr>
-                      </a:outerShdw>
-                    </a:effectLst>
-                    <a:latin typeface="Times New Roman" panose="02020603050405020304" pitchFamily="18" charset="0"/>
-                    <a:cs typeface="Times New Roman" panose="02020603050405020304" pitchFamily="18" charset="0"/>
-                  </a:rPr>
-                  <a:t>Choose</a:t>
-                </a:r>
-                <a:endParaRPr lang="en-US" sz="2400" dirty="0"/>
-              </a:p>
-            </p:txBody>
-          </p:sp>
-        </p:grpSp>
-        <p:sp>
-          <p:nvSpPr>
-            <p:cNvPr id="48" name="Rectangle 47">
-              <a:extLst>
-                <a:ext uri="{FF2B5EF4-FFF2-40B4-BE49-F238E27FC236}">
-                  <a16:creationId xmlns:a16="http://schemas.microsoft.com/office/drawing/2014/main" id="{6A8B599C-9AF0-4248-8629-50785B4BF912}"/>
+                  <a16:creationId xmlns:a16="http://schemas.microsoft.com/office/drawing/2014/main" id="{E34104EC-2F51-426B-BC57-DCCB63BB3464}"/>
                 </a:ext>
               </a:extLst>
             </p:cNvPr>
@@ -3707,22 +3577,19 @@
           </p:nvSpPr>
           <p:spPr>
             <a:xfrm>
-              <a:off x="2721863" y="1269938"/>
-              <a:ext cx="3310277" cy="458462"/>
+              <a:off x="2900841" y="372488"/>
+              <a:ext cx="1377447" cy="357765"/>
             </a:xfrm>
             <a:prstGeom prst="rect">
               <a:avLst/>
             </a:prstGeom>
             <a:solidFill>
-              <a:schemeClr val="accent1">
-                <a:lumMod val="75000"/>
-              </a:schemeClr>
+              <a:schemeClr val="bg1"/>
             </a:solidFill>
-            <a:ln w="38100">
+            <a:ln w="19050">
               <a:solidFill>
                 <a:schemeClr val="tx1"/>
               </a:solidFill>
-              <a:prstDash val="solid"/>
             </a:ln>
           </p:spPr>
           <p:style>
@@ -3747,11 +3614,49 @@
             <a:p>
               <a:pPr algn="ctr"/>
               <a:r>
-                <a:rPr lang="en-US" dirty="0">
-                  <a:ln w="0"/>
+                <a:rPr lang="en-US" sz="2400" dirty="0">
                   <a:solidFill>
                     <a:schemeClr val="tx1"/>
                   </a:solidFill>
+                  <a:latin typeface="Times New Roman" panose="02020603050405020304" pitchFamily="18" charset="0"/>
+                  <a:cs typeface="Times New Roman" panose="02020603050405020304" pitchFamily="18" charset="0"/>
+                </a:rPr>
+                <a:t>Features</a:t>
+              </a:r>
+            </a:p>
+          </p:txBody>
+        </p:sp>
+        <p:sp>
+          <p:nvSpPr>
+            <p:cNvPr id="61" name="TextBox 60">
+              <a:extLst>
+                <a:ext uri="{FF2B5EF4-FFF2-40B4-BE49-F238E27FC236}">
+                  <a16:creationId xmlns:a16="http://schemas.microsoft.com/office/drawing/2014/main" id="{03BB78F3-254E-470D-95B6-96F598973623}"/>
+                </a:ext>
+              </a:extLst>
+            </p:cNvPr>
+            <p:cNvSpPr txBox="1"/>
+            <p:nvPr/>
+          </p:nvSpPr>
+          <p:spPr>
+            <a:xfrm>
+              <a:off x="1763028" y="327534"/>
+              <a:ext cx="1107996" cy="461665"/>
+            </a:xfrm>
+            <a:prstGeom prst="rect">
+              <a:avLst/>
+            </a:prstGeom>
+            <a:noFill/>
+          </p:spPr>
+          <p:txBody>
+            <a:bodyPr wrap="none" rtlCol="0">
+              <a:spAutoFit/>
+            </a:bodyPr>
+            <a:lstStyle/>
+            <a:p>
+              <a:r>
+                <a:rPr lang="en-US" sz="2400" dirty="0">
+                  <a:ln w="0"/>
                   <a:effectLst>
                     <a:outerShdw blurRad="38100" dist="19050" dir="2700000" algn="tl" rotWithShape="0">
                       <a:schemeClr val="dk1">
@@ -3762,119 +3667,68 @@
                   <a:latin typeface="Times New Roman" panose="02020603050405020304" pitchFamily="18" charset="0"/>
                   <a:cs typeface="Times New Roman" panose="02020603050405020304" pitchFamily="18" charset="0"/>
                 </a:rPr>
-                <a:t>All </a:t>
+                <a:t>Choose</a:t>
               </a:r>
-              <a:r>
-                <a:rPr lang="en-US" i="1" dirty="0" err="1">
-                  <a:ln w="0"/>
-                  <a:solidFill>
-                    <a:schemeClr val="tx1"/>
-                  </a:solidFill>
-                  <a:effectLst>
-                    <a:outerShdw blurRad="38100" dist="19050" dir="2700000" algn="tl" rotWithShape="0">
-                      <a:schemeClr val="dk1">
-                        <a:alpha val="40000"/>
-                      </a:schemeClr>
-                    </a:outerShdw>
-                  </a:effectLst>
-                  <a:latin typeface="Times New Roman" panose="02020603050405020304" pitchFamily="18" charset="0"/>
-                  <a:cs typeface="Times New Roman" panose="02020603050405020304" pitchFamily="18" charset="0"/>
-                </a:rPr>
-                <a:t>mothur</a:t>
-              </a:r>
-              <a:r>
-                <a:rPr lang="en-US" dirty="0">
-                  <a:ln w="0"/>
-                  <a:solidFill>
-                    <a:schemeClr val="tx1"/>
-                  </a:solidFill>
-                  <a:effectLst>
-                    <a:outerShdw blurRad="38100" dist="19050" dir="2700000" algn="tl" rotWithShape="0">
-                      <a:schemeClr val="dk1">
-                        <a:alpha val="40000"/>
-                      </a:schemeClr>
-                    </a:outerShdw>
-                  </a:effectLst>
-                  <a:latin typeface="Times New Roman" panose="02020603050405020304" pitchFamily="18" charset="0"/>
-                  <a:cs typeface="Times New Roman" panose="02020603050405020304" pitchFamily="18" charset="0"/>
-                </a:rPr>
-                <a:t> ecological measures</a:t>
-              </a:r>
+              <a:endParaRPr lang="en-US" sz="2400" dirty="0"/>
             </a:p>
           </p:txBody>
         </p:sp>
-        <p:sp>
-          <p:nvSpPr>
-            <p:cNvPr id="47" name="Rectangle 46">
-              <a:extLst>
-                <a:ext uri="{FF2B5EF4-FFF2-40B4-BE49-F238E27FC236}">
-                  <a16:creationId xmlns:a16="http://schemas.microsoft.com/office/drawing/2014/main" id="{95B5F4DA-0816-4D72-A36A-E0D2C062EB5B}"/>
-                </a:ext>
-              </a:extLst>
-            </p:cNvPr>
-            <p:cNvSpPr/>
-            <p:nvPr/>
-          </p:nvSpPr>
-          <p:spPr>
-            <a:xfrm>
-              <a:off x="1282384" y="1266629"/>
-              <a:ext cx="1299084" cy="448056"/>
-            </a:xfrm>
-            <a:prstGeom prst="rect">
-              <a:avLst/>
-            </a:prstGeom>
+      </p:grpSp>
+      <p:sp>
+        <p:nvSpPr>
+          <p:cNvPr id="48" name="Rectangle 47">
+            <a:extLst>
+              <a:ext uri="{FF2B5EF4-FFF2-40B4-BE49-F238E27FC236}">
+                <a16:creationId xmlns:a16="http://schemas.microsoft.com/office/drawing/2014/main" id="{6A8B599C-9AF0-4248-8629-50785B4BF912}"/>
+              </a:ext>
+            </a:extLst>
+          </p:cNvPr>
+          <p:cNvSpPr/>
+          <p:nvPr/>
+        </p:nvSpPr>
+        <p:spPr>
+          <a:xfrm>
+            <a:off x="3331462" y="955908"/>
+            <a:ext cx="2655122" cy="458462"/>
+          </a:xfrm>
+          <a:prstGeom prst="rect">
+            <a:avLst/>
+          </a:prstGeom>
+          <a:solidFill>
+            <a:schemeClr val="accent1">
+              <a:lumMod val="75000"/>
+            </a:schemeClr>
+          </a:solidFill>
+          <a:ln w="38100">
             <a:solidFill>
-              <a:schemeClr val="accent1">
-                <a:lumMod val="75000"/>
-              </a:schemeClr>
+              <a:schemeClr val="tx1"/>
             </a:solidFill>
-            <a:ln w="38100">
-              <a:solidFill>
-                <a:schemeClr val="tx1"/>
-              </a:solidFill>
-              <a:prstDash val="solid"/>
-            </a:ln>
-          </p:spPr>
-          <p:style>
-            <a:lnRef idx="2">
-              <a:schemeClr val="accent1">
-                <a:shade val="50000"/>
-              </a:schemeClr>
-            </a:lnRef>
-            <a:fillRef idx="1">
-              <a:schemeClr val="accent1"/>
-            </a:fillRef>
-            <a:effectRef idx="0">
-              <a:schemeClr val="accent1"/>
-            </a:effectRef>
-            <a:fontRef idx="minor">
-              <a:schemeClr val="lt1"/>
-            </a:fontRef>
-          </p:style>
-          <p:txBody>
-            <a:bodyPr rtlCol="0" anchor="ctr"/>
-            <a:lstStyle/>
-            <a:p>
-              <a:pPr algn="ctr"/>
-              <a:r>
-                <a:rPr lang="en-US" dirty="0">
-                  <a:ln w="0"/>
-                  <a:solidFill>
-                    <a:schemeClr val="tx1"/>
-                  </a:solidFill>
-                  <a:effectLst>
-                    <a:outerShdw blurRad="38100" dist="19050" dir="2700000" algn="tl" rotWithShape="0">
-                      <a:schemeClr val="dk1">
-                        <a:alpha val="40000"/>
-                      </a:schemeClr>
-                    </a:outerShdw>
-                  </a:effectLst>
-                  <a:latin typeface="Times New Roman" panose="02020603050405020304" pitchFamily="18" charset="0"/>
-                  <a:cs typeface="Times New Roman" panose="02020603050405020304" pitchFamily="18" charset="0"/>
-                </a:rPr>
-                <a:t>OTUs</a:t>
-              </a:r>
-              <a:endParaRPr lang="en-US" i="1" dirty="0">
+            <a:prstDash val="solid"/>
+          </a:ln>
+        </p:spPr>
+        <p:style>
+          <a:lnRef idx="2">
+            <a:schemeClr val="accent1">
+              <a:shade val="50000"/>
+            </a:schemeClr>
+          </a:lnRef>
+          <a:fillRef idx="1">
+            <a:schemeClr val="accent1"/>
+          </a:fillRef>
+          <a:effectRef idx="0">
+            <a:schemeClr val="accent1"/>
+          </a:effectRef>
+          <a:fontRef idx="minor">
+            <a:schemeClr val="lt1"/>
+          </a:fontRef>
+        </p:style>
+        <p:txBody>
+          <a:bodyPr rtlCol="0" anchor="ctr"/>
+          <a:lstStyle/>
+          <a:p>
+            <a:pPr algn="ctr"/>
+            <a:r>
+              <a:rPr lang="en-US" dirty="0">
                 <a:ln w="0"/>
                 <a:solidFill>
                   <a:schemeClr val="tx1"/>
@@ -3888,11 +3742,137 @@
                 </a:effectLst>
                 <a:latin typeface="Times New Roman" panose="02020603050405020304" pitchFamily="18" charset="0"/>
                 <a:cs typeface="Times New Roman" panose="02020603050405020304" pitchFamily="18" charset="0"/>
-              </a:endParaRPr>
-            </a:p>
-          </p:txBody>
-        </p:sp>
-      </p:grpSp>
+              </a:rPr>
+              <a:t>All </a:t>
+            </a:r>
+            <a:r>
+              <a:rPr lang="en-US" i="1" dirty="0" err="1">
+                <a:ln w="0"/>
+                <a:solidFill>
+                  <a:schemeClr val="tx1"/>
+                </a:solidFill>
+                <a:effectLst>
+                  <a:outerShdw blurRad="38100" dist="19050" dir="2700000" algn="tl" rotWithShape="0">
+                    <a:schemeClr val="dk1">
+                      <a:alpha val="40000"/>
+                    </a:schemeClr>
+                  </a:outerShdw>
+                </a:effectLst>
+                <a:latin typeface="Times New Roman" panose="02020603050405020304" pitchFamily="18" charset="0"/>
+                <a:cs typeface="Times New Roman" panose="02020603050405020304" pitchFamily="18" charset="0"/>
+              </a:rPr>
+              <a:t>mothur</a:t>
+            </a:r>
+            <a:r>
+              <a:rPr lang="en-US" dirty="0">
+                <a:ln w="0"/>
+                <a:solidFill>
+                  <a:schemeClr val="tx1"/>
+                </a:solidFill>
+                <a:effectLst>
+                  <a:outerShdw blurRad="38100" dist="19050" dir="2700000" algn="tl" rotWithShape="0">
+                    <a:schemeClr val="dk1">
+                      <a:alpha val="40000"/>
+                    </a:schemeClr>
+                  </a:outerShdw>
+                </a:effectLst>
+                <a:latin typeface="Times New Roman" panose="02020603050405020304" pitchFamily="18" charset="0"/>
+                <a:cs typeface="Times New Roman" panose="02020603050405020304" pitchFamily="18" charset="0"/>
+              </a:rPr>
+              <a:t> eco. measures</a:t>
+            </a:r>
+          </a:p>
+        </p:txBody>
+      </p:sp>
+      <p:sp>
+        <p:nvSpPr>
+          <p:cNvPr id="47" name="Rectangle 46">
+            <a:extLst>
+              <a:ext uri="{FF2B5EF4-FFF2-40B4-BE49-F238E27FC236}">
+                <a16:creationId xmlns:a16="http://schemas.microsoft.com/office/drawing/2014/main" id="{95B5F4DA-0816-4D72-A36A-E0D2C062EB5B}"/>
+              </a:ext>
+            </a:extLst>
+          </p:cNvPr>
+          <p:cNvSpPr/>
+          <p:nvPr/>
+        </p:nvSpPr>
+        <p:spPr>
+          <a:xfrm>
+            <a:off x="454573" y="961835"/>
+            <a:ext cx="1299084" cy="448056"/>
+          </a:xfrm>
+          <a:prstGeom prst="rect">
+            <a:avLst/>
+          </a:prstGeom>
+          <a:solidFill>
+            <a:schemeClr val="accent1">
+              <a:lumMod val="75000"/>
+            </a:schemeClr>
+          </a:solidFill>
+          <a:ln w="38100">
+            <a:solidFill>
+              <a:schemeClr val="tx1"/>
+            </a:solidFill>
+            <a:prstDash val="solid"/>
+          </a:ln>
+        </p:spPr>
+        <p:style>
+          <a:lnRef idx="2">
+            <a:schemeClr val="accent1">
+              <a:shade val="50000"/>
+            </a:schemeClr>
+          </a:lnRef>
+          <a:fillRef idx="1">
+            <a:schemeClr val="accent1"/>
+          </a:fillRef>
+          <a:effectRef idx="0">
+            <a:schemeClr val="accent1"/>
+          </a:effectRef>
+          <a:fontRef idx="minor">
+            <a:schemeClr val="lt1"/>
+          </a:fontRef>
+        </p:style>
+        <p:txBody>
+          <a:bodyPr rtlCol="0" anchor="ctr"/>
+          <a:lstStyle/>
+          <a:p>
+            <a:pPr algn="ctr"/>
+            <a:r>
+              <a:rPr lang="en-US" dirty="0">
+                <a:ln w="0"/>
+                <a:solidFill>
+                  <a:schemeClr val="tx1"/>
+                </a:solidFill>
+                <a:effectLst>
+                  <a:outerShdw blurRad="38100" dist="19050" dir="2700000" algn="tl" rotWithShape="0">
+                    <a:schemeClr val="dk1">
+                      <a:alpha val="40000"/>
+                    </a:schemeClr>
+                  </a:outerShdw>
+                </a:effectLst>
+                <a:latin typeface="Times New Roman" panose="02020603050405020304" pitchFamily="18" charset="0"/>
+                <a:cs typeface="Times New Roman" panose="02020603050405020304" pitchFamily="18" charset="0"/>
+              </a:rPr>
+              <a:t>OTUs</a:t>
+            </a:r>
+            <a:endParaRPr lang="en-US" i="1" dirty="0">
+              <a:ln w="0"/>
+              <a:solidFill>
+                <a:schemeClr val="tx1"/>
+              </a:solidFill>
+              <a:effectLst>
+                <a:outerShdw blurRad="38100" dist="19050" dir="2700000" algn="tl" rotWithShape="0">
+                  <a:schemeClr val="dk1">
+                    <a:alpha val="40000"/>
+                  </a:schemeClr>
+                </a:outerShdw>
+              </a:effectLst>
+              <a:latin typeface="Times New Roman" panose="02020603050405020304" pitchFamily="18" charset="0"/>
+              <a:cs typeface="Times New Roman" panose="02020603050405020304" pitchFamily="18" charset="0"/>
+            </a:endParaRPr>
+          </a:p>
+        </p:txBody>
+      </p:sp>
       <p:grpSp>
         <p:nvGrpSpPr>
           <p:cNvPr id="140" name="Group 139">
@@ -5068,7 +5048,7 @@
             <a:graphicData uri="http://schemas.openxmlformats.org/presentationml/2006/ole">
               <mc:AlternateContent xmlns:mc="http://schemas.openxmlformats.org/markup-compatibility/2006">
                 <mc:Choice xmlns:v="urn:schemas-microsoft-com:vml" Requires="v">
-                  <p:oleObj spid="_x0000_s2068" name="Equation" r:id="rId3" imgW="2463480" imgH="838080" progId="Equation.DSMT4">
+                  <p:oleObj spid="_x0000_s2074" name="Equation" r:id="rId3" imgW="2463480" imgH="838080" progId="Equation.DSMT4">
                     <p:embed/>
                   </p:oleObj>
                 </mc:Choice>
@@ -5134,7 +5114,7 @@
           <a:graphicData uri="http://schemas.openxmlformats.org/presentationml/2006/ole">
             <mc:AlternateContent xmlns:mc="http://schemas.openxmlformats.org/markup-compatibility/2006">
               <mc:Choice xmlns:v="urn:schemas-microsoft-com:vml" Requires="v">
-                <p:oleObj spid="_x0000_s2069" name="Equation" r:id="rId5" imgW="914400" imgH="306720" progId="Equation.DSMT4">
+                <p:oleObj spid="_x0000_s2075" name="Equation" r:id="rId5" imgW="914400" imgH="306720" progId="Equation.DSMT4">
                   <p:embed/>
                 </p:oleObj>
               </mc:Choice>
@@ -5294,7 +5274,7 @@
             <a:graphicData uri="http://schemas.openxmlformats.org/presentationml/2006/ole">
               <mc:AlternateContent xmlns:mc="http://schemas.openxmlformats.org/markup-compatibility/2006">
                 <mc:Choice xmlns:v="urn:schemas-microsoft-com:vml" Requires="v">
-                  <p:oleObj spid="_x0000_s2070" name="Equation" r:id="rId7" imgW="2958840" imgH="787320" progId="Equation.DSMT4">
+                  <p:oleObj spid="_x0000_s2076" name="Equation" r:id="rId7" imgW="2958840" imgH="787320" progId="Equation.DSMT4">
                     <p:embed/>
                   </p:oleObj>
                 </mc:Choice>
@@ -5911,6 +5891,7 @@
             </a:bodyPr>
             <a:lstStyle/>
             <a:p>
+              <a:pPr algn="ctr"/>
               <a:r>
                 <a:rPr lang="en-US" sz="2400" dirty="0">
                   <a:ln w="0"/>
@@ -5924,7 +5905,7 @@
                   <a:latin typeface="Times New Roman" panose="02020603050405020304" pitchFamily="18" charset="0"/>
                   <a:cs typeface="Times New Roman" panose="02020603050405020304" pitchFamily="18" charset="0"/>
                 </a:rPr>
-                <a:t>(top 100 highest F-scores)</a:t>
+                <a:t>(F-score &gt; 0.3)</a:t>
               </a:r>
               <a:endParaRPr lang="en-US" sz="2400" dirty="0"/>
             </a:p>
@@ -6192,7 +6173,7 @@
         </p:nvSpPr>
         <p:spPr>
           <a:xfrm>
-            <a:off x="7611742" y="1881790"/>
+            <a:off x="7528618" y="1650889"/>
             <a:ext cx="3748985" cy="461665"/>
           </a:xfrm>
           <a:prstGeom prst="rect">
@@ -6403,7 +6384,7 @@
         </p:nvSpPr>
         <p:spPr>
           <a:xfrm>
-            <a:off x="7080632" y="1899794"/>
+            <a:off x="6997508" y="1668893"/>
             <a:ext cx="464446" cy="447675"/>
           </a:xfrm>
           <a:prstGeom prst="roundRect">
@@ -6491,7 +6472,7 @@
         </p:nvSpPr>
         <p:spPr>
           <a:xfrm>
-            <a:off x="7611742" y="2441756"/>
+            <a:off x="7528618" y="2173911"/>
             <a:ext cx="3748985" cy="461665"/>
           </a:xfrm>
           <a:prstGeom prst="rect">
@@ -6538,7 +6519,7 @@
         </p:nvSpPr>
         <p:spPr>
           <a:xfrm>
-            <a:off x="7089868" y="2487468"/>
+            <a:off x="7006744" y="2210387"/>
             <a:ext cx="464446" cy="447675"/>
           </a:xfrm>
           <a:prstGeom prst="roundRect">
@@ -6626,7 +6607,7 @@
         </p:nvSpPr>
         <p:spPr>
           <a:xfrm>
-            <a:off x="7627904" y="3036958"/>
+            <a:off x="7544780" y="2722933"/>
             <a:ext cx="3748985" cy="461665"/>
           </a:xfrm>
           <a:prstGeom prst="rect">
@@ -6673,7 +6654,7 @@
         </p:nvSpPr>
         <p:spPr>
           <a:xfrm>
-            <a:off x="7106030" y="3082670"/>
+            <a:off x="7022906" y="2777881"/>
             <a:ext cx="464446" cy="447675"/>
           </a:xfrm>
           <a:prstGeom prst="roundRect">
@@ -6747,6 +6728,143 @@
           </a:p>
         </p:txBody>
       </p:sp>
+      <p:sp>
+        <p:nvSpPr>
+          <p:cNvPr id="57" name="Rectangle 56">
+            <a:extLst>
+              <a:ext uri="{FF2B5EF4-FFF2-40B4-BE49-F238E27FC236}">
+                <a16:creationId xmlns:a16="http://schemas.microsoft.com/office/drawing/2014/main" id="{45F40DBB-4EC5-4E04-A16D-F51A6568CF39}"/>
+              </a:ext>
+            </a:extLst>
+          </p:cNvPr>
+          <p:cNvSpPr/>
+          <p:nvPr/>
+        </p:nvSpPr>
+        <p:spPr>
+          <a:xfrm>
+            <a:off x="1906871" y="957588"/>
+            <a:ext cx="1299084" cy="448056"/>
+          </a:xfrm>
+          <a:prstGeom prst="rect">
+            <a:avLst/>
+          </a:prstGeom>
+          <a:solidFill>
+            <a:schemeClr val="accent1">
+              <a:lumMod val="75000"/>
+            </a:schemeClr>
+          </a:solidFill>
+          <a:ln w="38100">
+            <a:solidFill>
+              <a:schemeClr val="tx1"/>
+            </a:solidFill>
+            <a:prstDash val="solid"/>
+          </a:ln>
+        </p:spPr>
+        <p:style>
+          <a:lnRef idx="2">
+            <a:schemeClr val="accent1">
+              <a:shade val="50000"/>
+            </a:schemeClr>
+          </a:lnRef>
+          <a:fillRef idx="1">
+            <a:schemeClr val="accent1"/>
+          </a:fillRef>
+          <a:effectRef idx="0">
+            <a:schemeClr val="accent1"/>
+          </a:effectRef>
+          <a:fontRef idx="minor">
+            <a:schemeClr val="lt1"/>
+          </a:fontRef>
+        </p:style>
+        <p:txBody>
+          <a:bodyPr rtlCol="0" anchor="ctr"/>
+          <a:lstStyle/>
+          <a:p>
+            <a:pPr algn="ctr"/>
+            <a:r>
+              <a:rPr lang="en-US" dirty="0">
+                <a:ln w="0"/>
+                <a:solidFill>
+                  <a:schemeClr val="tx1"/>
+                </a:solidFill>
+                <a:effectLst>
+                  <a:outerShdw blurRad="38100" dist="19050" dir="2700000" algn="tl" rotWithShape="0">
+                    <a:schemeClr val="dk1">
+                      <a:alpha val="40000"/>
+                    </a:schemeClr>
+                  </a:outerShdw>
+                </a:effectLst>
+                <a:latin typeface="Times New Roman" panose="02020603050405020304" pitchFamily="18" charset="0"/>
+                <a:cs typeface="Times New Roman" panose="02020603050405020304" pitchFamily="18" charset="0"/>
+              </a:rPr>
+              <a:t>Genera</a:t>
+            </a:r>
+            <a:endParaRPr lang="en-US" i="1" dirty="0">
+              <a:ln w="0"/>
+              <a:solidFill>
+                <a:schemeClr val="tx1"/>
+              </a:solidFill>
+              <a:effectLst>
+                <a:outerShdw blurRad="38100" dist="19050" dir="2700000" algn="tl" rotWithShape="0">
+                  <a:schemeClr val="dk1">
+                    <a:alpha val="40000"/>
+                  </a:schemeClr>
+                </a:outerShdw>
+              </a:effectLst>
+              <a:latin typeface="Times New Roman" panose="02020603050405020304" pitchFamily="18" charset="0"/>
+              <a:cs typeface="Times New Roman" panose="02020603050405020304" pitchFamily="18" charset="0"/>
+            </a:endParaRPr>
+          </a:p>
+        </p:txBody>
+      </p:sp>
+      <p:sp>
+        <p:nvSpPr>
+          <p:cNvPr id="62" name="TextBox 61">
+            <a:extLst>
+              <a:ext uri="{FF2B5EF4-FFF2-40B4-BE49-F238E27FC236}">
+                <a16:creationId xmlns:a16="http://schemas.microsoft.com/office/drawing/2014/main" id="{5DB227C3-D99D-4C19-8B72-EE5485B878CB}"/>
+              </a:ext>
+            </a:extLst>
+          </p:cNvPr>
+          <p:cNvSpPr txBox="1"/>
+          <p:nvPr/>
+        </p:nvSpPr>
+        <p:spPr>
+          <a:xfrm>
+            <a:off x="7237417" y="3214113"/>
+            <a:ext cx="3856213" cy="461665"/>
+          </a:xfrm>
+          <a:prstGeom prst="rect">
+            <a:avLst/>
+          </a:prstGeom>
+          <a:noFill/>
+        </p:spPr>
+        <p:txBody>
+          <a:bodyPr wrap="square" rtlCol="0">
+            <a:spAutoFit/>
+          </a:bodyPr>
+          <a:lstStyle/>
+          <a:p>
+            <a:pPr algn="ctr"/>
+            <a:r>
+              <a:rPr lang="en-US" sz="2400" i="1" dirty="0">
+                <a:ln w="0"/>
+                <a:effectLst>
+                  <a:outerShdw blurRad="38100" dist="19050" dir="2700000" algn="tl" rotWithShape="0">
+                    <a:schemeClr val="dk1">
+                      <a:alpha val="40000"/>
+                    </a:schemeClr>
+                  </a:outerShdw>
+                </a:effectLst>
+                <a:latin typeface="Times New Roman" panose="02020603050405020304" pitchFamily="18" charset="0"/>
+                <a:cs typeface="Times New Roman" panose="02020603050405020304" pitchFamily="18" charset="0"/>
+              </a:rPr>
+              <a:t>( Done when Accuracy &gt; 0.8)</a:t>
+            </a:r>
+            <a:endParaRPr lang="en-US" sz="2400" i="1" dirty="0"/>
+          </a:p>
+        </p:txBody>
+      </p:sp>
     </p:spTree>
     <p:extLst>
       <p:ext uri="{BB962C8B-B14F-4D97-AF65-F5344CB8AC3E}">
@@ -6761,6 +6879,146 @@
 </file>
 
 <file path=ppt/slides/slide2.xml><?xml version="1.0" encoding="utf-8"?>
+<p:sld xmlns:a="http://schemas.openxmlformats.org/drawingml/2006/main" xmlns:r="http://schemas.openxmlformats.org/officeDocument/2006/relationships" xmlns:p="http://schemas.openxmlformats.org/presentationml/2006/main">
+  <p:cSld>
+    <p:spTree>
+      <p:nvGrpSpPr>
+        <p:cNvPr id="1" name=""/>
+        <p:cNvGrpSpPr/>
+        <p:nvPr/>
+      </p:nvGrpSpPr>
+      <p:grpSpPr>
+        <a:xfrm>
+          <a:off x="0" y="0"/>
+          <a:ext cx="0" cy="0"/>
+          <a:chOff x="0" y="0"/>
+          <a:chExt cx="0" cy="0"/>
+        </a:xfrm>
+      </p:grpSpPr>
+      <p:sp>
+        <p:nvSpPr>
+          <p:cNvPr id="4" name="Rectangle 3">
+            <a:extLst>
+              <a:ext uri="{FF2B5EF4-FFF2-40B4-BE49-F238E27FC236}">
+                <a16:creationId xmlns:a16="http://schemas.microsoft.com/office/drawing/2014/main" id="{B20B6E9A-4B24-43B8-B64E-FE60E48883F1}"/>
+              </a:ext>
+            </a:extLst>
+          </p:cNvPr>
+          <p:cNvSpPr/>
+          <p:nvPr/>
+        </p:nvSpPr>
+        <p:spPr>
+          <a:xfrm>
+            <a:off x="4768439" y="355545"/>
+            <a:ext cx="2655122" cy="458462"/>
+          </a:xfrm>
+          <a:prstGeom prst="rect">
+            <a:avLst/>
+          </a:prstGeom>
+          <a:solidFill>
+            <a:schemeClr val="accent1">
+              <a:lumMod val="75000"/>
+            </a:schemeClr>
+          </a:solidFill>
+          <a:ln w="38100">
+            <a:solidFill>
+              <a:schemeClr val="tx1"/>
+            </a:solidFill>
+            <a:prstDash val="solid"/>
+          </a:ln>
+        </p:spPr>
+        <p:style>
+          <a:lnRef idx="2">
+            <a:schemeClr val="accent1">
+              <a:shade val="50000"/>
+            </a:schemeClr>
+          </a:lnRef>
+          <a:fillRef idx="1">
+            <a:schemeClr val="accent1"/>
+          </a:fillRef>
+          <a:effectRef idx="0">
+            <a:schemeClr val="accent1"/>
+          </a:effectRef>
+          <a:fontRef idx="minor">
+            <a:schemeClr val="lt1"/>
+          </a:fontRef>
+        </p:style>
+        <p:txBody>
+          <a:bodyPr rtlCol="0" anchor="ctr"/>
+          <a:lstStyle/>
+          <a:p>
+            <a:pPr algn="ctr"/>
+            <a:r>
+              <a:rPr lang="en-US" dirty="0">
+                <a:ln w="0"/>
+                <a:solidFill>
+                  <a:schemeClr val="tx1"/>
+                </a:solidFill>
+                <a:effectLst>
+                  <a:outerShdw blurRad="38100" dist="19050" dir="2700000" algn="tl" rotWithShape="0">
+                    <a:schemeClr val="dk1">
+                      <a:alpha val="40000"/>
+                    </a:schemeClr>
+                  </a:outerShdw>
+                </a:effectLst>
+                <a:latin typeface="Times New Roman" panose="02020603050405020304" pitchFamily="18" charset="0"/>
+                <a:cs typeface="Times New Roman" panose="02020603050405020304" pitchFamily="18" charset="0"/>
+              </a:rPr>
+              <a:t>All </a:t>
+            </a:r>
+            <a:r>
+              <a:rPr lang="en-US" i="1" dirty="0" err="1">
+                <a:ln w="0"/>
+                <a:solidFill>
+                  <a:schemeClr val="tx1"/>
+                </a:solidFill>
+                <a:effectLst>
+                  <a:outerShdw blurRad="38100" dist="19050" dir="2700000" algn="tl" rotWithShape="0">
+                    <a:schemeClr val="dk1">
+                      <a:alpha val="40000"/>
+                    </a:schemeClr>
+                  </a:outerShdw>
+                </a:effectLst>
+                <a:latin typeface="Times New Roman" panose="02020603050405020304" pitchFamily="18" charset="0"/>
+                <a:cs typeface="Times New Roman" panose="02020603050405020304" pitchFamily="18" charset="0"/>
+              </a:rPr>
+              <a:t>mothur</a:t>
+            </a:r>
+            <a:r>
+              <a:rPr lang="en-US" dirty="0">
+                <a:ln w="0"/>
+                <a:solidFill>
+                  <a:schemeClr val="tx1"/>
+                </a:solidFill>
+                <a:effectLst>
+                  <a:outerShdw blurRad="38100" dist="19050" dir="2700000" algn="tl" rotWithShape="0">
+                    <a:schemeClr val="dk1">
+                      <a:alpha val="40000"/>
+                    </a:schemeClr>
+                  </a:outerShdw>
+                </a:effectLst>
+                <a:latin typeface="Times New Roman" panose="02020603050405020304" pitchFamily="18" charset="0"/>
+                <a:cs typeface="Times New Roman" panose="02020603050405020304" pitchFamily="18" charset="0"/>
+              </a:rPr>
+              <a:t> eco. measures</a:t>
+            </a:r>
+          </a:p>
+        </p:txBody>
+      </p:sp>
+    </p:spTree>
+    <p:extLst>
+      <p:ext uri="{BB962C8B-B14F-4D97-AF65-F5344CB8AC3E}">
+        <p14:creationId xmlns:p14="http://schemas.microsoft.com/office/powerpoint/2010/main" val="3279652232"/>
+      </p:ext>
+    </p:extLst>
+  </p:cSld>
+  <p:clrMapOvr>
+    <a:masterClrMapping/>
+  </p:clrMapOvr>
+</p:sld>
+</file>
+
+<file path=ppt/slides/slide3.xml><?xml version="1.0" encoding="utf-8"?>
 <p:sld xmlns:a="http://schemas.openxmlformats.org/drawingml/2006/main" xmlns:r="http://schemas.openxmlformats.org/officeDocument/2006/relationships" xmlns:p="http://schemas.openxmlformats.org/presentationml/2006/main">
   <p:cSld>
     <p:spTree>
@@ -9980,7 +10238,7 @@
             <a:graphicData uri="http://schemas.openxmlformats.org/presentationml/2006/ole">
               <mc:AlternateContent xmlns:mc="http://schemas.openxmlformats.org/markup-compatibility/2006">
                 <mc:Choice xmlns:v="urn:schemas-microsoft-com:vml" Requires="v">
-                  <p:oleObj spid="_x0000_s1056" name="Equation" r:id="rId6" imgW="1218960" imgH="787320" progId="Equation.DSMT4">
+                  <p:oleObj spid="_x0000_s1062" name="Equation" r:id="rId6" imgW="1218960" imgH="787320" progId="Equation.DSMT4">
                     <p:embed/>
                   </p:oleObj>
                 </mc:Choice>
@@ -10044,7 +10302,7 @@
           <a:graphicData uri="http://schemas.openxmlformats.org/presentationml/2006/ole">
             <mc:AlternateContent xmlns:mc="http://schemas.openxmlformats.org/markup-compatibility/2006">
               <mc:Choice xmlns:v="urn:schemas-microsoft-com:vml" Requires="v">
-                <p:oleObj spid="_x0000_s1057" name="Equation" r:id="rId8" imgW="914400" imgH="306720" progId="Equation.DSMT4">
+                <p:oleObj spid="_x0000_s1063" name="Equation" r:id="rId8" imgW="914400" imgH="306720" progId="Equation.DSMT4">
                   <p:embed/>
                 </p:oleObj>
               </mc:Choice>
@@ -10198,7 +10456,7 @@
             <a:graphicData uri="http://schemas.openxmlformats.org/presentationml/2006/ole">
               <mc:AlternateContent xmlns:mc="http://schemas.openxmlformats.org/markup-compatibility/2006">
                 <mc:Choice xmlns:v="urn:schemas-microsoft-com:vml" Requires="v">
-                  <p:oleObj spid="_x0000_s1058" name="Equation" r:id="rId10" imgW="3543120" imgH="431640" progId="Equation.DSMT4">
+                  <p:oleObj spid="_x0000_s1064" name="Equation" r:id="rId10" imgW="3543120" imgH="431640" progId="Equation.DSMT4">
                     <p:embed/>
                   </p:oleObj>
                 </mc:Choice>

--- a/figures/src_PPT_files/ML_summary_figure.pptx
+++ b/figures/src_PPT_files/ML_summary_figure.pptx
@@ -6,8 +6,7 @@
   </p:sldMasterIdLst>
   <p:sldIdLst>
     <p:sldId id="257" r:id="rId2"/>
-    <p:sldId id="258" r:id="rId3"/>
-    <p:sldId id="256" r:id="rId4"/>
+    <p:sldId id="256" r:id="rId3"/>
   </p:sldIdLst>
   <p:sldSz cx="12192000" cy="6858000"/>
   <p:notesSz cx="6858000" cy="9144000"/>
@@ -261,7 +260,7 @@
           <a:p>
             <a:fld id="{95F4E32A-8D0A-4F18-AD24-E8EE5FC79879}" type="datetimeFigureOut">
               <a:rPr lang="en-US" smtClean="0"/>
-              <a:t>2/20/2018</a:t>
+              <a:t>2/19/2018</a:t>
             </a:fld>
             <a:endParaRPr lang="en-US"/>
           </a:p>
@@ -459,7 +458,7 @@
           <a:p>
             <a:fld id="{95F4E32A-8D0A-4F18-AD24-E8EE5FC79879}" type="datetimeFigureOut">
               <a:rPr lang="en-US" smtClean="0"/>
-              <a:t>2/20/2018</a:t>
+              <a:t>2/19/2018</a:t>
             </a:fld>
             <a:endParaRPr lang="en-US"/>
           </a:p>
@@ -667,7 +666,7 @@
           <a:p>
             <a:fld id="{95F4E32A-8D0A-4F18-AD24-E8EE5FC79879}" type="datetimeFigureOut">
               <a:rPr lang="en-US" smtClean="0"/>
-              <a:t>2/20/2018</a:t>
+              <a:t>2/19/2018</a:t>
             </a:fld>
             <a:endParaRPr lang="en-US"/>
           </a:p>
@@ -865,7 +864,7 @@
           <a:p>
             <a:fld id="{95F4E32A-8D0A-4F18-AD24-E8EE5FC79879}" type="datetimeFigureOut">
               <a:rPr lang="en-US" smtClean="0"/>
-              <a:t>2/20/2018</a:t>
+              <a:t>2/19/2018</a:t>
             </a:fld>
             <a:endParaRPr lang="en-US"/>
           </a:p>
@@ -1140,7 +1139,7 @@
           <a:p>
             <a:fld id="{95F4E32A-8D0A-4F18-AD24-E8EE5FC79879}" type="datetimeFigureOut">
               <a:rPr lang="en-US" smtClean="0"/>
-              <a:t>2/20/2018</a:t>
+              <a:t>2/19/2018</a:t>
             </a:fld>
             <a:endParaRPr lang="en-US"/>
           </a:p>
@@ -1405,7 +1404,7 @@
           <a:p>
             <a:fld id="{95F4E32A-8D0A-4F18-AD24-E8EE5FC79879}" type="datetimeFigureOut">
               <a:rPr lang="en-US" smtClean="0"/>
-              <a:t>2/20/2018</a:t>
+              <a:t>2/19/2018</a:t>
             </a:fld>
             <a:endParaRPr lang="en-US"/>
           </a:p>
@@ -1817,7 +1816,7 @@
           <a:p>
             <a:fld id="{95F4E32A-8D0A-4F18-AD24-E8EE5FC79879}" type="datetimeFigureOut">
               <a:rPr lang="en-US" smtClean="0"/>
-              <a:t>2/20/2018</a:t>
+              <a:t>2/19/2018</a:t>
             </a:fld>
             <a:endParaRPr lang="en-US"/>
           </a:p>
@@ -1958,7 +1957,7 @@
           <a:p>
             <a:fld id="{95F4E32A-8D0A-4F18-AD24-E8EE5FC79879}" type="datetimeFigureOut">
               <a:rPr lang="en-US" smtClean="0"/>
-              <a:t>2/20/2018</a:t>
+              <a:t>2/19/2018</a:t>
             </a:fld>
             <a:endParaRPr lang="en-US"/>
           </a:p>
@@ -2071,7 +2070,7 @@
           <a:p>
             <a:fld id="{95F4E32A-8D0A-4F18-AD24-E8EE5FC79879}" type="datetimeFigureOut">
               <a:rPr lang="en-US" smtClean="0"/>
-              <a:t>2/20/2018</a:t>
+              <a:t>2/19/2018</a:t>
             </a:fld>
             <a:endParaRPr lang="en-US"/>
           </a:p>
@@ -2382,7 +2381,7 @@
           <a:p>
             <a:fld id="{95F4E32A-8D0A-4F18-AD24-E8EE5FC79879}" type="datetimeFigureOut">
               <a:rPr lang="en-US" smtClean="0"/>
-              <a:t>2/20/2018</a:t>
+              <a:t>2/19/2018</a:t>
             </a:fld>
             <a:endParaRPr lang="en-US"/>
           </a:p>
@@ -2670,7 +2669,7 @@
           <a:p>
             <a:fld id="{95F4E32A-8D0A-4F18-AD24-E8EE5FC79879}" type="datetimeFigureOut">
               <a:rPr lang="en-US" smtClean="0"/>
-              <a:t>2/20/2018</a:t>
+              <a:t>2/19/2018</a:t>
             </a:fld>
             <a:endParaRPr lang="en-US"/>
           </a:p>
@@ -2911,7 +2910,7 @@
           <a:p>
             <a:fld id="{95F4E32A-8D0A-4F18-AD24-E8EE5FC79879}" type="datetimeFigureOut">
               <a:rPr lang="en-US" smtClean="0"/>
-              <a:t>2/20/2018</a:t>
+              <a:t>2/19/2018</a:t>
             </a:fld>
             <a:endParaRPr lang="en-US"/>
           </a:p>
@@ -3328,139 +3327,12 @@
           <a:chExt cx="0" cy="0"/>
         </a:xfrm>
       </p:grpSpPr>
-      <p:sp>
-        <p:nvSpPr>
-          <p:cNvPr id="46" name="Rectangle: Rounded Corners 45">
-            <a:extLst>
-              <a:ext uri="{FF2B5EF4-FFF2-40B4-BE49-F238E27FC236}">
-                <a16:creationId xmlns:a16="http://schemas.microsoft.com/office/drawing/2014/main" id="{6B35A77C-4CDC-47F7-B2E9-C647E36FA59E}"/>
-              </a:ext>
-            </a:extLst>
-          </p:cNvPr>
-          <p:cNvSpPr/>
-          <p:nvPr/>
-        </p:nvSpPr>
-        <p:spPr>
-          <a:xfrm>
-            <a:off x="307211" y="252774"/>
-            <a:ext cx="5852160" cy="1352206"/>
-          </a:xfrm>
-          <a:prstGeom prst="roundRect">
-            <a:avLst/>
-          </a:prstGeom>
-          <a:solidFill>
-            <a:srgbClr val="C00000"/>
-          </a:solidFill>
-          <a:ln w="38100">
-            <a:solidFill>
-              <a:schemeClr val="tx1"/>
-            </a:solidFill>
-          </a:ln>
-        </p:spPr>
-        <p:style>
-          <a:lnRef idx="2">
-            <a:schemeClr val="accent1">
-              <a:shade val="50000"/>
-            </a:schemeClr>
-          </a:lnRef>
-          <a:fillRef idx="1">
-            <a:schemeClr val="accent1"/>
-          </a:fillRef>
-          <a:effectRef idx="0">
-            <a:schemeClr val="accent1"/>
-          </a:effectRef>
-          <a:fontRef idx="minor">
-            <a:schemeClr val="lt1"/>
-          </a:fontRef>
-        </p:style>
-        <p:txBody>
-          <a:bodyPr numCol="1" rtlCol="0" anchor="t"/>
-          <a:lstStyle/>
-          <a:p>
-            <a:r>
-              <a:rPr lang="en-US" sz="2400" dirty="0">
-                <a:ln w="0"/>
-                <a:solidFill>
-                  <a:schemeClr val="tx1"/>
-                </a:solidFill>
-                <a:effectLst>
-                  <a:outerShdw blurRad="38100" dist="19050" dir="2700000" algn="tl" rotWithShape="0">
-                    <a:schemeClr val="dk1">
-                      <a:alpha val="40000"/>
-                    </a:schemeClr>
-                  </a:outerShdw>
-                </a:effectLst>
-                <a:latin typeface="Times New Roman" panose="02020603050405020304" pitchFamily="18" charset="0"/>
-                <a:cs typeface="Times New Roman" panose="02020603050405020304" pitchFamily="18" charset="0"/>
-              </a:rPr>
-              <a:t>                   </a:t>
-            </a:r>
-          </a:p>
-          <a:p>
-            <a:pPr algn="ctr"/>
-            <a:endParaRPr lang="en-US" dirty="0">
-              <a:ln w="0"/>
-              <a:solidFill>
-                <a:schemeClr val="tx1"/>
-              </a:solidFill>
-              <a:effectLst>
-                <a:outerShdw blurRad="38100" dist="19050" dir="2700000" algn="tl" rotWithShape="0">
-                  <a:schemeClr val="dk1">
-                    <a:alpha val="40000"/>
-                  </a:schemeClr>
-                </a:outerShdw>
-              </a:effectLst>
-              <a:latin typeface="Times New Roman" panose="02020603050405020304" pitchFamily="18" charset="0"/>
-              <a:cs typeface="Times New Roman" panose="02020603050405020304" pitchFamily="18" charset="0"/>
-            </a:endParaRPr>
-          </a:p>
-          <a:p>
-            <a:pPr algn="ctr"/>
-            <a:r>
-              <a:rPr lang="en-US" sz="2000" i="1" dirty="0">
-                <a:ln w="0"/>
-                <a:solidFill>
-                  <a:schemeClr val="tx1"/>
-                </a:solidFill>
-                <a:effectLst>
-                  <a:outerShdw blurRad="38100" dist="19050" dir="2700000" algn="tl" rotWithShape="0">
-                    <a:schemeClr val="dk1">
-                      <a:alpha val="40000"/>
-                    </a:schemeClr>
-                  </a:outerShdw>
-                </a:effectLst>
-                <a:latin typeface="Times New Roman" panose="02020603050405020304" pitchFamily="18" charset="0"/>
-                <a:cs typeface="Times New Roman" panose="02020603050405020304" pitchFamily="18" charset="0"/>
-              </a:rPr>
-              <a:t>	</a:t>
-            </a:r>
-          </a:p>
-          <a:p>
-            <a:pPr algn="ctr"/>
-            <a:endParaRPr lang="en-US" dirty="0">
-              <a:ln w="0"/>
-              <a:solidFill>
-                <a:schemeClr val="tx1"/>
-              </a:solidFill>
-              <a:effectLst>
-                <a:outerShdw blurRad="38100" dist="19050" dir="2700000" algn="tl" rotWithShape="0">
-                  <a:schemeClr val="dk1">
-                    <a:alpha val="40000"/>
-                  </a:schemeClr>
-                </a:outerShdw>
-              </a:effectLst>
-              <a:latin typeface="Times New Roman" panose="02020603050405020304" pitchFamily="18" charset="0"/>
-              <a:cs typeface="Times New Roman" panose="02020603050405020304" pitchFamily="18" charset="0"/>
-            </a:endParaRPr>
-          </a:p>
-        </p:txBody>
-      </p:sp>
       <p:grpSp>
         <p:nvGrpSpPr>
-          <p:cNvPr id="65" name="Group 64">
-            <a:extLst>
-              <a:ext uri="{FF2B5EF4-FFF2-40B4-BE49-F238E27FC236}">
-                <a16:creationId xmlns:a16="http://schemas.microsoft.com/office/drawing/2014/main" id="{C5D731A4-FC92-4676-A882-3D50ECA2A487}"/>
+          <p:cNvPr id="128" name="Group 127">
+            <a:extLst>
+              <a:ext uri="{FF2B5EF4-FFF2-40B4-BE49-F238E27FC236}">
+                <a16:creationId xmlns:a16="http://schemas.microsoft.com/office/drawing/2014/main" id="{039E7156-B3C8-4911-A863-8DC315FB1ABF}"/>
               </a:ext>
             </a:extLst>
           </p:cNvPr>
@@ -3469,18 +3341,18 @@
         </p:nvGrpSpPr>
         <p:grpSpPr>
           <a:xfrm>
-            <a:off x="1528977" y="317665"/>
-            <a:ext cx="3006078" cy="467553"/>
-            <a:chOff x="1272210" y="327534"/>
-            <a:chExt cx="3006078" cy="467553"/>
+            <a:off x="307211" y="252774"/>
+            <a:ext cx="5852160" cy="1352206"/>
+            <a:chOff x="556591" y="566804"/>
+            <a:chExt cx="5852160" cy="1352206"/>
           </a:xfrm>
         </p:grpSpPr>
         <p:sp>
           <p:nvSpPr>
-            <p:cNvPr id="49" name="Rectangle: Rounded Corners 48">
+            <p:cNvPr id="46" name="Rectangle: Rounded Corners 45">
               <a:extLst>
                 <a:ext uri="{FF2B5EF4-FFF2-40B4-BE49-F238E27FC236}">
-                  <a16:creationId xmlns:a16="http://schemas.microsoft.com/office/drawing/2014/main" id="{4D5B91FA-437E-4B27-B3FE-B35FD1159757}"/>
+                  <a16:creationId xmlns:a16="http://schemas.microsoft.com/office/drawing/2014/main" id="{6B35A77C-4CDC-47F7-B2E9-C647E36FA59E}"/>
                 </a:ext>
               </a:extLst>
             </p:cNvPr>
@@ -3489,16 +3361,14 @@
           </p:nvSpPr>
           <p:spPr>
             <a:xfrm>
-              <a:off x="1272210" y="347412"/>
-              <a:ext cx="464446" cy="447675"/>
+              <a:off x="556591" y="566804"/>
+              <a:ext cx="5852160" cy="1352206"/>
             </a:xfrm>
             <a:prstGeom prst="roundRect">
-              <a:avLst>
-                <a:gd name="adj" fmla="val 50000"/>
-              </a:avLst>
+              <a:avLst/>
             </a:prstGeom>
             <a:solidFill>
-              <a:schemeClr val="bg1"/>
+              <a:srgbClr val="C00000"/>
             </a:solidFill>
             <a:ln w="38100">
               <a:solidFill>
@@ -3523,12 +3393,11 @@
             </a:fontRef>
           </p:style>
           <p:txBody>
-            <a:bodyPr rtlCol="0" anchor="ctr"/>
+            <a:bodyPr numCol="1" rtlCol="0" anchor="t"/>
             <a:lstStyle/>
             <a:p>
-              <a:pPr algn="ctr"/>
               <a:r>
-                <a:rPr lang="en-US" sz="2000" b="1" dirty="0">
+                <a:rPr lang="en-US" sz="2400" dirty="0">
                   <a:ln w="0"/>
                   <a:solidFill>
                     <a:schemeClr val="tx1"/>
@@ -3543,9 +3412,51 @@
                   <a:latin typeface="Times New Roman" panose="02020603050405020304" pitchFamily="18" charset="0"/>
                   <a:cs typeface="Times New Roman" panose="02020603050405020304" pitchFamily="18" charset="0"/>
                 </a:rPr>
-                <a:t>1</a:t>
+                <a:t>                   </a:t>
               </a:r>
-              <a:endParaRPr lang="en-US" sz="2000" b="1" i="1" dirty="0">
+            </a:p>
+            <a:p>
+              <a:pPr algn="ctr"/>
+              <a:endParaRPr lang="en-US" dirty="0">
+                <a:ln w="0"/>
+                <a:solidFill>
+                  <a:schemeClr val="tx1"/>
+                </a:solidFill>
+                <a:effectLst>
+                  <a:outerShdw blurRad="38100" dist="19050" dir="2700000" algn="tl" rotWithShape="0">
+                    <a:schemeClr val="dk1">
+                      <a:alpha val="40000"/>
+                    </a:schemeClr>
+                  </a:outerShdw>
+                </a:effectLst>
+                <a:latin typeface="Times New Roman" panose="02020603050405020304" pitchFamily="18" charset="0"/>
+                <a:cs typeface="Times New Roman" panose="02020603050405020304" pitchFamily="18" charset="0"/>
+              </a:endParaRPr>
+            </a:p>
+            <a:p>
+              <a:pPr algn="ctr"/>
+              <a:r>
+                <a:rPr lang="en-US" sz="2000" i="1" dirty="0">
+                  <a:ln w="0"/>
+                  <a:solidFill>
+                    <a:schemeClr val="tx1"/>
+                  </a:solidFill>
+                  <a:effectLst>
+                    <a:outerShdw blurRad="38100" dist="19050" dir="2700000" algn="tl" rotWithShape="0">
+                      <a:schemeClr val="dk1">
+                        <a:alpha val="40000"/>
+                      </a:schemeClr>
+                    </a:outerShdw>
+                  </a:effectLst>
+                  <a:latin typeface="Times New Roman" panose="02020603050405020304" pitchFamily="18" charset="0"/>
+                  <a:cs typeface="Times New Roman" panose="02020603050405020304" pitchFamily="18" charset="0"/>
+                </a:rPr>
+                <a:t>	</a:t>
+              </a:r>
+            </a:p>
+            <a:p>
+              <a:pPr algn="ctr"/>
+              <a:endParaRPr lang="en-US" dirty="0">
                 <a:ln w="0"/>
                 <a:solidFill>
                   <a:schemeClr val="tx1"/>
@@ -3563,12 +3474,231 @@
             </a:p>
           </p:txBody>
         </p:sp>
+        <p:grpSp>
+          <p:nvGrpSpPr>
+            <p:cNvPr id="65" name="Group 64">
+              <a:extLst>
+                <a:ext uri="{FF2B5EF4-FFF2-40B4-BE49-F238E27FC236}">
+                  <a16:creationId xmlns:a16="http://schemas.microsoft.com/office/drawing/2014/main" id="{C5D731A4-FC92-4676-A882-3D50ECA2A487}"/>
+                </a:ext>
+              </a:extLst>
+            </p:cNvPr>
+            <p:cNvGrpSpPr/>
+            <p:nvPr/>
+          </p:nvGrpSpPr>
+          <p:grpSpPr>
+            <a:xfrm>
+              <a:off x="1778357" y="631695"/>
+              <a:ext cx="3006078" cy="467553"/>
+              <a:chOff x="1272210" y="327534"/>
+              <a:chExt cx="3006078" cy="467553"/>
+            </a:xfrm>
+          </p:grpSpPr>
+          <p:sp>
+            <p:nvSpPr>
+              <p:cNvPr id="49" name="Rectangle: Rounded Corners 48">
+                <a:extLst>
+                  <a:ext uri="{FF2B5EF4-FFF2-40B4-BE49-F238E27FC236}">
+                    <a16:creationId xmlns:a16="http://schemas.microsoft.com/office/drawing/2014/main" id="{4D5B91FA-437E-4B27-B3FE-B35FD1159757}"/>
+                  </a:ext>
+                </a:extLst>
+              </p:cNvPr>
+              <p:cNvSpPr/>
+              <p:nvPr/>
+            </p:nvSpPr>
+            <p:spPr>
+              <a:xfrm>
+                <a:off x="1272210" y="347412"/>
+                <a:ext cx="464446" cy="447675"/>
+              </a:xfrm>
+              <a:prstGeom prst="roundRect">
+                <a:avLst>
+                  <a:gd name="adj" fmla="val 50000"/>
+                </a:avLst>
+              </a:prstGeom>
+              <a:solidFill>
+                <a:schemeClr val="bg1"/>
+              </a:solidFill>
+              <a:ln w="38100">
+                <a:solidFill>
+                  <a:schemeClr val="tx1"/>
+                </a:solidFill>
+              </a:ln>
+            </p:spPr>
+            <p:style>
+              <a:lnRef idx="2">
+                <a:schemeClr val="accent1">
+                  <a:shade val="50000"/>
+                </a:schemeClr>
+              </a:lnRef>
+              <a:fillRef idx="1">
+                <a:schemeClr val="accent1"/>
+              </a:fillRef>
+              <a:effectRef idx="0">
+                <a:schemeClr val="accent1"/>
+              </a:effectRef>
+              <a:fontRef idx="minor">
+                <a:schemeClr val="lt1"/>
+              </a:fontRef>
+            </p:style>
+            <p:txBody>
+              <a:bodyPr rtlCol="0" anchor="ctr"/>
+              <a:lstStyle/>
+              <a:p>
+                <a:pPr algn="ctr"/>
+                <a:r>
+                  <a:rPr lang="en-US" sz="2000" b="1" dirty="0">
+                    <a:ln w="0"/>
+                    <a:solidFill>
+                      <a:schemeClr val="tx1"/>
+                    </a:solidFill>
+                    <a:effectLst>
+                      <a:outerShdw blurRad="38100" dist="19050" dir="2700000" algn="tl" rotWithShape="0">
+                        <a:schemeClr val="dk1">
+                          <a:alpha val="40000"/>
+                        </a:schemeClr>
+                      </a:outerShdw>
+                    </a:effectLst>
+                    <a:latin typeface="Times New Roman" panose="02020603050405020304" pitchFamily="18" charset="0"/>
+                    <a:cs typeface="Times New Roman" panose="02020603050405020304" pitchFamily="18" charset="0"/>
+                  </a:rPr>
+                  <a:t>1</a:t>
+                </a:r>
+                <a:endParaRPr lang="en-US" sz="2000" b="1" i="1" dirty="0">
+                  <a:ln w="0"/>
+                  <a:solidFill>
+                    <a:schemeClr val="tx1"/>
+                  </a:solidFill>
+                  <a:effectLst>
+                    <a:outerShdw blurRad="38100" dist="19050" dir="2700000" algn="tl" rotWithShape="0">
+                      <a:schemeClr val="dk1">
+                        <a:alpha val="40000"/>
+                      </a:schemeClr>
+                    </a:outerShdw>
+                  </a:effectLst>
+                  <a:latin typeface="Times New Roman" panose="02020603050405020304" pitchFamily="18" charset="0"/>
+                  <a:cs typeface="Times New Roman" panose="02020603050405020304" pitchFamily="18" charset="0"/>
+                </a:endParaRPr>
+              </a:p>
+            </p:txBody>
+          </p:sp>
+          <p:sp>
+            <p:nvSpPr>
+              <p:cNvPr id="56" name="Rectangle 55">
+                <a:extLst>
+                  <a:ext uri="{FF2B5EF4-FFF2-40B4-BE49-F238E27FC236}">
+                    <a16:creationId xmlns:a16="http://schemas.microsoft.com/office/drawing/2014/main" id="{E34104EC-2F51-426B-BC57-DCCB63BB3464}"/>
+                  </a:ext>
+                </a:extLst>
+              </p:cNvPr>
+              <p:cNvSpPr/>
+              <p:nvPr/>
+            </p:nvSpPr>
+            <p:spPr>
+              <a:xfrm>
+                <a:off x="2900841" y="372488"/>
+                <a:ext cx="1377447" cy="357765"/>
+              </a:xfrm>
+              <a:prstGeom prst="rect">
+                <a:avLst/>
+              </a:prstGeom>
+              <a:solidFill>
+                <a:schemeClr val="bg1"/>
+              </a:solidFill>
+              <a:ln w="19050">
+                <a:solidFill>
+                  <a:schemeClr val="tx1"/>
+                </a:solidFill>
+              </a:ln>
+            </p:spPr>
+            <p:style>
+              <a:lnRef idx="2">
+                <a:schemeClr val="accent1">
+                  <a:shade val="50000"/>
+                </a:schemeClr>
+              </a:lnRef>
+              <a:fillRef idx="1">
+                <a:schemeClr val="accent1"/>
+              </a:fillRef>
+              <a:effectRef idx="0">
+                <a:schemeClr val="accent1"/>
+              </a:effectRef>
+              <a:fontRef idx="minor">
+                <a:schemeClr val="lt1"/>
+              </a:fontRef>
+            </p:style>
+            <p:txBody>
+              <a:bodyPr rtlCol="0" anchor="ctr"/>
+              <a:lstStyle/>
+              <a:p>
+                <a:pPr algn="ctr"/>
+                <a:r>
+                  <a:rPr lang="en-US" sz="2400" dirty="0">
+                    <a:solidFill>
+                      <a:schemeClr val="tx1"/>
+                    </a:solidFill>
+                    <a:latin typeface="Times New Roman" panose="02020603050405020304" pitchFamily="18" charset="0"/>
+                    <a:cs typeface="Times New Roman" panose="02020603050405020304" pitchFamily="18" charset="0"/>
+                  </a:rPr>
+                  <a:t>Features</a:t>
+                </a:r>
+              </a:p>
+            </p:txBody>
+          </p:sp>
+          <p:sp>
+            <p:nvSpPr>
+              <p:cNvPr id="61" name="TextBox 60">
+                <a:extLst>
+                  <a:ext uri="{FF2B5EF4-FFF2-40B4-BE49-F238E27FC236}">
+                    <a16:creationId xmlns:a16="http://schemas.microsoft.com/office/drawing/2014/main" id="{03BB78F3-254E-470D-95B6-96F598973623}"/>
+                  </a:ext>
+                </a:extLst>
+              </p:cNvPr>
+              <p:cNvSpPr txBox="1"/>
+              <p:nvPr/>
+            </p:nvSpPr>
+            <p:spPr>
+              <a:xfrm>
+                <a:off x="1763028" y="327534"/>
+                <a:ext cx="1107996" cy="461665"/>
+              </a:xfrm>
+              <a:prstGeom prst="rect">
+                <a:avLst/>
+              </a:prstGeom>
+              <a:noFill/>
+            </p:spPr>
+            <p:txBody>
+              <a:bodyPr wrap="none" rtlCol="0">
+                <a:spAutoFit/>
+              </a:bodyPr>
+              <a:lstStyle/>
+              <a:p>
+                <a:r>
+                  <a:rPr lang="en-US" sz="2400" dirty="0">
+                    <a:ln w="0"/>
+                    <a:effectLst>
+                      <a:outerShdw blurRad="38100" dist="19050" dir="2700000" algn="tl" rotWithShape="0">
+                        <a:schemeClr val="dk1">
+                          <a:alpha val="40000"/>
+                        </a:schemeClr>
+                      </a:outerShdw>
+                    </a:effectLst>
+                    <a:latin typeface="Times New Roman" panose="02020603050405020304" pitchFamily="18" charset="0"/>
+                    <a:cs typeface="Times New Roman" panose="02020603050405020304" pitchFamily="18" charset="0"/>
+                  </a:rPr>
+                  <a:t>Choose</a:t>
+                </a:r>
+                <a:endParaRPr lang="en-US" sz="2400" dirty="0"/>
+              </a:p>
+            </p:txBody>
+          </p:sp>
+        </p:grpSp>
         <p:sp>
           <p:nvSpPr>
-            <p:cNvPr id="56" name="Rectangle 55">
+            <p:cNvPr id="48" name="Rectangle 47">
               <a:extLst>
                 <a:ext uri="{FF2B5EF4-FFF2-40B4-BE49-F238E27FC236}">
-                  <a16:creationId xmlns:a16="http://schemas.microsoft.com/office/drawing/2014/main" id="{E34104EC-2F51-426B-BC57-DCCB63BB3464}"/>
+                  <a16:creationId xmlns:a16="http://schemas.microsoft.com/office/drawing/2014/main" id="{6A8B599C-9AF0-4248-8629-50785B4BF912}"/>
                 </a:ext>
               </a:extLst>
             </p:cNvPr>
@@ -3577,19 +3707,22 @@
           </p:nvSpPr>
           <p:spPr>
             <a:xfrm>
-              <a:off x="2900841" y="372488"/>
-              <a:ext cx="1377447" cy="357765"/>
+              <a:off x="2721863" y="1269938"/>
+              <a:ext cx="3310277" cy="458462"/>
             </a:xfrm>
             <a:prstGeom prst="rect">
               <a:avLst/>
             </a:prstGeom>
             <a:solidFill>
-              <a:schemeClr val="bg1"/>
+              <a:schemeClr val="accent1">
+                <a:lumMod val="75000"/>
+              </a:schemeClr>
             </a:solidFill>
-            <a:ln w="19050">
+            <a:ln w="38100">
               <a:solidFill>
                 <a:schemeClr val="tx1"/>
               </a:solidFill>
+              <a:prstDash val="solid"/>
             </a:ln>
           </p:spPr>
           <p:style>
@@ -3614,49 +3747,11 @@
             <a:p>
               <a:pPr algn="ctr"/>
               <a:r>
-                <a:rPr lang="en-US" sz="2400" dirty="0">
+                <a:rPr lang="en-US" dirty="0">
+                  <a:ln w="0"/>
                   <a:solidFill>
                     <a:schemeClr val="tx1"/>
                   </a:solidFill>
-                  <a:latin typeface="Times New Roman" panose="02020603050405020304" pitchFamily="18" charset="0"/>
-                  <a:cs typeface="Times New Roman" panose="02020603050405020304" pitchFamily="18" charset="0"/>
-                </a:rPr>
-                <a:t>Features</a:t>
-              </a:r>
-            </a:p>
-          </p:txBody>
-        </p:sp>
-        <p:sp>
-          <p:nvSpPr>
-            <p:cNvPr id="61" name="TextBox 60">
-              <a:extLst>
-                <a:ext uri="{FF2B5EF4-FFF2-40B4-BE49-F238E27FC236}">
-                  <a16:creationId xmlns:a16="http://schemas.microsoft.com/office/drawing/2014/main" id="{03BB78F3-254E-470D-95B6-96F598973623}"/>
-                </a:ext>
-              </a:extLst>
-            </p:cNvPr>
-            <p:cNvSpPr txBox="1"/>
-            <p:nvPr/>
-          </p:nvSpPr>
-          <p:spPr>
-            <a:xfrm>
-              <a:off x="1763028" y="327534"/>
-              <a:ext cx="1107996" cy="461665"/>
-            </a:xfrm>
-            <a:prstGeom prst="rect">
-              <a:avLst/>
-            </a:prstGeom>
-            <a:noFill/>
-          </p:spPr>
-          <p:txBody>
-            <a:bodyPr wrap="none" rtlCol="0">
-              <a:spAutoFit/>
-            </a:bodyPr>
-            <a:lstStyle/>
-            <a:p>
-              <a:r>
-                <a:rPr lang="en-US" sz="2400" dirty="0">
-                  <a:ln w="0"/>
                   <a:effectLst>
                     <a:outerShdw blurRad="38100" dist="19050" dir="2700000" algn="tl" rotWithShape="0">
                       <a:schemeClr val="dk1">
@@ -3667,68 +3762,119 @@
                   <a:latin typeface="Times New Roman" panose="02020603050405020304" pitchFamily="18" charset="0"/>
                   <a:cs typeface="Times New Roman" panose="02020603050405020304" pitchFamily="18" charset="0"/>
                 </a:rPr>
-                <a:t>Choose</a:t>
+                <a:t>All </a:t>
               </a:r>
-              <a:endParaRPr lang="en-US" sz="2400" dirty="0"/>
+              <a:r>
+                <a:rPr lang="en-US" i="1" dirty="0" err="1">
+                  <a:ln w="0"/>
+                  <a:solidFill>
+                    <a:schemeClr val="tx1"/>
+                  </a:solidFill>
+                  <a:effectLst>
+                    <a:outerShdw blurRad="38100" dist="19050" dir="2700000" algn="tl" rotWithShape="0">
+                      <a:schemeClr val="dk1">
+                        <a:alpha val="40000"/>
+                      </a:schemeClr>
+                    </a:outerShdw>
+                  </a:effectLst>
+                  <a:latin typeface="Times New Roman" panose="02020603050405020304" pitchFamily="18" charset="0"/>
+                  <a:cs typeface="Times New Roman" panose="02020603050405020304" pitchFamily="18" charset="0"/>
+                </a:rPr>
+                <a:t>mothur</a:t>
+              </a:r>
+              <a:r>
+                <a:rPr lang="en-US" dirty="0">
+                  <a:ln w="0"/>
+                  <a:solidFill>
+                    <a:schemeClr val="tx1"/>
+                  </a:solidFill>
+                  <a:effectLst>
+                    <a:outerShdw blurRad="38100" dist="19050" dir="2700000" algn="tl" rotWithShape="0">
+                      <a:schemeClr val="dk1">
+                        <a:alpha val="40000"/>
+                      </a:schemeClr>
+                    </a:outerShdw>
+                  </a:effectLst>
+                  <a:latin typeface="Times New Roman" panose="02020603050405020304" pitchFamily="18" charset="0"/>
+                  <a:cs typeface="Times New Roman" panose="02020603050405020304" pitchFamily="18" charset="0"/>
+                </a:rPr>
+                <a:t> ecological measures</a:t>
+              </a:r>
             </a:p>
           </p:txBody>
         </p:sp>
-      </p:grpSp>
-      <p:sp>
-        <p:nvSpPr>
-          <p:cNvPr id="48" name="Rectangle 47">
-            <a:extLst>
-              <a:ext uri="{FF2B5EF4-FFF2-40B4-BE49-F238E27FC236}">
-                <a16:creationId xmlns:a16="http://schemas.microsoft.com/office/drawing/2014/main" id="{6A8B599C-9AF0-4248-8629-50785B4BF912}"/>
-              </a:ext>
-            </a:extLst>
-          </p:cNvPr>
-          <p:cNvSpPr/>
-          <p:nvPr/>
-        </p:nvSpPr>
-        <p:spPr>
-          <a:xfrm>
-            <a:off x="3331462" y="955908"/>
-            <a:ext cx="2655122" cy="458462"/>
-          </a:xfrm>
-          <a:prstGeom prst="rect">
-            <a:avLst/>
-          </a:prstGeom>
-          <a:solidFill>
-            <a:schemeClr val="accent1">
-              <a:lumMod val="75000"/>
-            </a:schemeClr>
-          </a:solidFill>
-          <a:ln w="38100">
+        <p:sp>
+          <p:nvSpPr>
+            <p:cNvPr id="47" name="Rectangle 46">
+              <a:extLst>
+                <a:ext uri="{FF2B5EF4-FFF2-40B4-BE49-F238E27FC236}">
+                  <a16:creationId xmlns:a16="http://schemas.microsoft.com/office/drawing/2014/main" id="{95B5F4DA-0816-4D72-A36A-E0D2C062EB5B}"/>
+                </a:ext>
+              </a:extLst>
+            </p:cNvPr>
+            <p:cNvSpPr/>
+            <p:nvPr/>
+          </p:nvSpPr>
+          <p:spPr>
+            <a:xfrm>
+              <a:off x="1282384" y="1266629"/>
+              <a:ext cx="1299084" cy="448056"/>
+            </a:xfrm>
+            <a:prstGeom prst="rect">
+              <a:avLst/>
+            </a:prstGeom>
             <a:solidFill>
-              <a:schemeClr val="tx1"/>
+              <a:schemeClr val="accent1">
+                <a:lumMod val="75000"/>
+              </a:schemeClr>
             </a:solidFill>
-            <a:prstDash val="solid"/>
-          </a:ln>
-        </p:spPr>
-        <p:style>
-          <a:lnRef idx="2">
-            <a:schemeClr val="accent1">
-              <a:shade val="50000"/>
-            </a:schemeClr>
-          </a:lnRef>
-          <a:fillRef idx="1">
-            <a:schemeClr val="accent1"/>
-          </a:fillRef>
-          <a:effectRef idx="0">
-            <a:schemeClr val="accent1"/>
-          </a:effectRef>
-          <a:fontRef idx="minor">
-            <a:schemeClr val="lt1"/>
-          </a:fontRef>
-        </p:style>
-        <p:txBody>
-          <a:bodyPr rtlCol="0" anchor="ctr"/>
-          <a:lstStyle/>
-          <a:p>
-            <a:pPr algn="ctr"/>
-            <a:r>
-              <a:rPr lang="en-US" dirty="0">
+            <a:ln w="38100">
+              <a:solidFill>
+                <a:schemeClr val="tx1"/>
+              </a:solidFill>
+              <a:prstDash val="solid"/>
+            </a:ln>
+          </p:spPr>
+          <p:style>
+            <a:lnRef idx="2">
+              <a:schemeClr val="accent1">
+                <a:shade val="50000"/>
+              </a:schemeClr>
+            </a:lnRef>
+            <a:fillRef idx="1">
+              <a:schemeClr val="accent1"/>
+            </a:fillRef>
+            <a:effectRef idx="0">
+              <a:schemeClr val="accent1"/>
+            </a:effectRef>
+            <a:fontRef idx="minor">
+              <a:schemeClr val="lt1"/>
+            </a:fontRef>
+          </p:style>
+          <p:txBody>
+            <a:bodyPr rtlCol="0" anchor="ctr"/>
+            <a:lstStyle/>
+            <a:p>
+              <a:pPr algn="ctr"/>
+              <a:r>
+                <a:rPr lang="en-US" dirty="0">
+                  <a:ln w="0"/>
+                  <a:solidFill>
+                    <a:schemeClr val="tx1"/>
+                  </a:solidFill>
+                  <a:effectLst>
+                    <a:outerShdw blurRad="38100" dist="19050" dir="2700000" algn="tl" rotWithShape="0">
+                      <a:schemeClr val="dk1">
+                        <a:alpha val="40000"/>
+                      </a:schemeClr>
+                    </a:outerShdw>
+                  </a:effectLst>
+                  <a:latin typeface="Times New Roman" panose="02020603050405020304" pitchFamily="18" charset="0"/>
+                  <a:cs typeface="Times New Roman" panose="02020603050405020304" pitchFamily="18" charset="0"/>
+                </a:rPr>
+                <a:t>OTUs</a:t>
+              </a:r>
+              <a:endParaRPr lang="en-US" i="1" dirty="0">
                 <a:ln w="0"/>
                 <a:solidFill>
                   <a:schemeClr val="tx1"/>
@@ -3742,137 +3888,11 @@
                 </a:effectLst>
                 <a:latin typeface="Times New Roman" panose="02020603050405020304" pitchFamily="18" charset="0"/>
                 <a:cs typeface="Times New Roman" panose="02020603050405020304" pitchFamily="18" charset="0"/>
-              </a:rPr>
-              <a:t>All </a:t>
-            </a:r>
-            <a:r>
-              <a:rPr lang="en-US" i="1" dirty="0" err="1">
-                <a:ln w="0"/>
-                <a:solidFill>
-                  <a:schemeClr val="tx1"/>
-                </a:solidFill>
-                <a:effectLst>
-                  <a:outerShdw blurRad="38100" dist="19050" dir="2700000" algn="tl" rotWithShape="0">
-                    <a:schemeClr val="dk1">
-                      <a:alpha val="40000"/>
-                    </a:schemeClr>
-                  </a:outerShdw>
-                </a:effectLst>
-                <a:latin typeface="Times New Roman" panose="02020603050405020304" pitchFamily="18" charset="0"/>
-                <a:cs typeface="Times New Roman" panose="02020603050405020304" pitchFamily="18" charset="0"/>
-              </a:rPr>
-              <a:t>mothur</a:t>
-            </a:r>
-            <a:r>
-              <a:rPr lang="en-US" dirty="0">
-                <a:ln w="0"/>
-                <a:solidFill>
-                  <a:schemeClr val="tx1"/>
-                </a:solidFill>
-                <a:effectLst>
-                  <a:outerShdw blurRad="38100" dist="19050" dir="2700000" algn="tl" rotWithShape="0">
-                    <a:schemeClr val="dk1">
-                      <a:alpha val="40000"/>
-                    </a:schemeClr>
-                  </a:outerShdw>
-                </a:effectLst>
-                <a:latin typeface="Times New Roman" panose="02020603050405020304" pitchFamily="18" charset="0"/>
-                <a:cs typeface="Times New Roman" panose="02020603050405020304" pitchFamily="18" charset="0"/>
-              </a:rPr>
-              <a:t> eco. measures</a:t>
-            </a:r>
-          </a:p>
-        </p:txBody>
-      </p:sp>
-      <p:sp>
-        <p:nvSpPr>
-          <p:cNvPr id="47" name="Rectangle 46">
-            <a:extLst>
-              <a:ext uri="{FF2B5EF4-FFF2-40B4-BE49-F238E27FC236}">
-                <a16:creationId xmlns:a16="http://schemas.microsoft.com/office/drawing/2014/main" id="{95B5F4DA-0816-4D72-A36A-E0D2C062EB5B}"/>
-              </a:ext>
-            </a:extLst>
-          </p:cNvPr>
-          <p:cNvSpPr/>
-          <p:nvPr/>
-        </p:nvSpPr>
-        <p:spPr>
-          <a:xfrm>
-            <a:off x="454573" y="961835"/>
-            <a:ext cx="1299084" cy="448056"/>
-          </a:xfrm>
-          <a:prstGeom prst="rect">
-            <a:avLst/>
-          </a:prstGeom>
-          <a:solidFill>
-            <a:schemeClr val="accent1">
-              <a:lumMod val="75000"/>
-            </a:schemeClr>
-          </a:solidFill>
-          <a:ln w="38100">
-            <a:solidFill>
-              <a:schemeClr val="tx1"/>
-            </a:solidFill>
-            <a:prstDash val="solid"/>
-          </a:ln>
-        </p:spPr>
-        <p:style>
-          <a:lnRef idx="2">
-            <a:schemeClr val="accent1">
-              <a:shade val="50000"/>
-            </a:schemeClr>
-          </a:lnRef>
-          <a:fillRef idx="1">
-            <a:schemeClr val="accent1"/>
-          </a:fillRef>
-          <a:effectRef idx="0">
-            <a:schemeClr val="accent1"/>
-          </a:effectRef>
-          <a:fontRef idx="minor">
-            <a:schemeClr val="lt1"/>
-          </a:fontRef>
-        </p:style>
-        <p:txBody>
-          <a:bodyPr rtlCol="0" anchor="ctr"/>
-          <a:lstStyle/>
-          <a:p>
-            <a:pPr algn="ctr"/>
-            <a:r>
-              <a:rPr lang="en-US" dirty="0">
-                <a:ln w="0"/>
-                <a:solidFill>
-                  <a:schemeClr val="tx1"/>
-                </a:solidFill>
-                <a:effectLst>
-                  <a:outerShdw blurRad="38100" dist="19050" dir="2700000" algn="tl" rotWithShape="0">
-                    <a:schemeClr val="dk1">
-                      <a:alpha val="40000"/>
-                    </a:schemeClr>
-                  </a:outerShdw>
-                </a:effectLst>
-                <a:latin typeface="Times New Roman" panose="02020603050405020304" pitchFamily="18" charset="0"/>
-                <a:cs typeface="Times New Roman" panose="02020603050405020304" pitchFamily="18" charset="0"/>
-              </a:rPr>
-              <a:t>OTUs</a:t>
-            </a:r>
-            <a:endParaRPr lang="en-US" i="1" dirty="0">
-              <a:ln w="0"/>
-              <a:solidFill>
-                <a:schemeClr val="tx1"/>
-              </a:solidFill>
-              <a:effectLst>
-                <a:outerShdw blurRad="38100" dist="19050" dir="2700000" algn="tl" rotWithShape="0">
-                  <a:schemeClr val="dk1">
-                    <a:alpha val="40000"/>
-                  </a:schemeClr>
-                </a:outerShdw>
-              </a:effectLst>
-              <a:latin typeface="Times New Roman" panose="02020603050405020304" pitchFamily="18" charset="0"/>
-              <a:cs typeface="Times New Roman" panose="02020603050405020304" pitchFamily="18" charset="0"/>
-            </a:endParaRPr>
-          </a:p>
-        </p:txBody>
-      </p:sp>
+              </a:endParaRPr>
+            </a:p>
+          </p:txBody>
+        </p:sp>
+      </p:grpSp>
       <p:grpSp>
         <p:nvGrpSpPr>
           <p:cNvPr id="140" name="Group 139">
@@ -5048,7 +5068,7 @@
             <a:graphicData uri="http://schemas.openxmlformats.org/presentationml/2006/ole">
               <mc:AlternateContent xmlns:mc="http://schemas.openxmlformats.org/markup-compatibility/2006">
                 <mc:Choice xmlns:v="urn:schemas-microsoft-com:vml" Requires="v">
-                  <p:oleObj spid="_x0000_s2074" name="Equation" r:id="rId3" imgW="2463480" imgH="838080" progId="Equation.DSMT4">
+                  <p:oleObj spid="_x0000_s2068" name="Equation" r:id="rId3" imgW="2463480" imgH="838080" progId="Equation.DSMT4">
                     <p:embed/>
                   </p:oleObj>
                 </mc:Choice>
@@ -5114,7 +5134,7 @@
           <a:graphicData uri="http://schemas.openxmlformats.org/presentationml/2006/ole">
             <mc:AlternateContent xmlns:mc="http://schemas.openxmlformats.org/markup-compatibility/2006">
               <mc:Choice xmlns:v="urn:schemas-microsoft-com:vml" Requires="v">
-                <p:oleObj spid="_x0000_s2075" name="Equation" r:id="rId5" imgW="914400" imgH="306720" progId="Equation.DSMT4">
+                <p:oleObj spid="_x0000_s2069" name="Equation" r:id="rId5" imgW="914400" imgH="306720" progId="Equation.DSMT4">
                   <p:embed/>
                 </p:oleObj>
               </mc:Choice>
@@ -5274,7 +5294,7 @@
             <a:graphicData uri="http://schemas.openxmlformats.org/presentationml/2006/ole">
               <mc:AlternateContent xmlns:mc="http://schemas.openxmlformats.org/markup-compatibility/2006">
                 <mc:Choice xmlns:v="urn:schemas-microsoft-com:vml" Requires="v">
-                  <p:oleObj spid="_x0000_s2076" name="Equation" r:id="rId7" imgW="2958840" imgH="787320" progId="Equation.DSMT4">
+                  <p:oleObj spid="_x0000_s2070" name="Equation" r:id="rId7" imgW="2958840" imgH="787320" progId="Equation.DSMT4">
                     <p:embed/>
                   </p:oleObj>
                 </mc:Choice>
@@ -5891,7 +5911,6 @@
             </a:bodyPr>
             <a:lstStyle/>
             <a:p>
-              <a:pPr algn="ctr"/>
               <a:r>
                 <a:rPr lang="en-US" sz="2400" dirty="0">
                   <a:ln w="0"/>
@@ -5905,7 +5924,7 @@
                   <a:latin typeface="Times New Roman" panose="02020603050405020304" pitchFamily="18" charset="0"/>
                   <a:cs typeface="Times New Roman" panose="02020603050405020304" pitchFamily="18" charset="0"/>
                 </a:rPr>
-                <a:t>(F-score &gt; 0.3)</a:t>
+                <a:t>(top 100 highest F-scores)</a:t>
               </a:r>
               <a:endParaRPr lang="en-US" sz="2400" dirty="0"/>
             </a:p>
@@ -6173,7 +6192,7 @@
         </p:nvSpPr>
         <p:spPr>
           <a:xfrm>
-            <a:off x="7528618" y="1650889"/>
+            <a:off x="7611742" y="1881790"/>
             <a:ext cx="3748985" cy="461665"/>
           </a:xfrm>
           <a:prstGeom prst="rect">
@@ -6384,7 +6403,7 @@
         </p:nvSpPr>
         <p:spPr>
           <a:xfrm>
-            <a:off x="6997508" y="1668893"/>
+            <a:off x="7080632" y="1899794"/>
             <a:ext cx="464446" cy="447675"/>
           </a:xfrm>
           <a:prstGeom prst="roundRect">
@@ -6472,7 +6491,7 @@
         </p:nvSpPr>
         <p:spPr>
           <a:xfrm>
-            <a:off x="7528618" y="2173911"/>
+            <a:off x="7611742" y="2441756"/>
             <a:ext cx="3748985" cy="461665"/>
           </a:xfrm>
           <a:prstGeom prst="rect">
@@ -6519,7 +6538,7 @@
         </p:nvSpPr>
         <p:spPr>
           <a:xfrm>
-            <a:off x="7006744" y="2210387"/>
+            <a:off x="7089868" y="2487468"/>
             <a:ext cx="464446" cy="447675"/>
           </a:xfrm>
           <a:prstGeom prst="roundRect">
@@ -6607,7 +6626,7 @@
         </p:nvSpPr>
         <p:spPr>
           <a:xfrm>
-            <a:off x="7544780" y="2722933"/>
+            <a:off x="7627904" y="3036958"/>
             <a:ext cx="3748985" cy="461665"/>
           </a:xfrm>
           <a:prstGeom prst="rect">
@@ -6654,7 +6673,7 @@
         </p:nvSpPr>
         <p:spPr>
           <a:xfrm>
-            <a:off x="7022906" y="2777881"/>
+            <a:off x="7106030" y="3082670"/>
             <a:ext cx="464446" cy="447675"/>
           </a:xfrm>
           <a:prstGeom prst="roundRect">
@@ -6728,143 +6747,6 @@
           </a:p>
         </p:txBody>
       </p:sp>
-      <p:sp>
-        <p:nvSpPr>
-          <p:cNvPr id="57" name="Rectangle 56">
-            <a:extLst>
-              <a:ext uri="{FF2B5EF4-FFF2-40B4-BE49-F238E27FC236}">
-                <a16:creationId xmlns:a16="http://schemas.microsoft.com/office/drawing/2014/main" id="{45F40DBB-4EC5-4E04-A16D-F51A6568CF39}"/>
-              </a:ext>
-            </a:extLst>
-          </p:cNvPr>
-          <p:cNvSpPr/>
-          <p:nvPr/>
-        </p:nvSpPr>
-        <p:spPr>
-          <a:xfrm>
-            <a:off x="1906871" y="957588"/>
-            <a:ext cx="1299084" cy="448056"/>
-          </a:xfrm>
-          <a:prstGeom prst="rect">
-            <a:avLst/>
-          </a:prstGeom>
-          <a:solidFill>
-            <a:schemeClr val="accent1">
-              <a:lumMod val="75000"/>
-            </a:schemeClr>
-          </a:solidFill>
-          <a:ln w="38100">
-            <a:solidFill>
-              <a:schemeClr val="tx1"/>
-            </a:solidFill>
-            <a:prstDash val="solid"/>
-          </a:ln>
-        </p:spPr>
-        <p:style>
-          <a:lnRef idx="2">
-            <a:schemeClr val="accent1">
-              <a:shade val="50000"/>
-            </a:schemeClr>
-          </a:lnRef>
-          <a:fillRef idx="1">
-            <a:schemeClr val="accent1"/>
-          </a:fillRef>
-          <a:effectRef idx="0">
-            <a:schemeClr val="accent1"/>
-          </a:effectRef>
-          <a:fontRef idx="minor">
-            <a:schemeClr val="lt1"/>
-          </a:fontRef>
-        </p:style>
-        <p:txBody>
-          <a:bodyPr rtlCol="0" anchor="ctr"/>
-          <a:lstStyle/>
-          <a:p>
-            <a:pPr algn="ctr"/>
-            <a:r>
-              <a:rPr lang="en-US" dirty="0">
-                <a:ln w="0"/>
-                <a:solidFill>
-                  <a:schemeClr val="tx1"/>
-                </a:solidFill>
-                <a:effectLst>
-                  <a:outerShdw blurRad="38100" dist="19050" dir="2700000" algn="tl" rotWithShape="0">
-                    <a:schemeClr val="dk1">
-                      <a:alpha val="40000"/>
-                    </a:schemeClr>
-                  </a:outerShdw>
-                </a:effectLst>
-                <a:latin typeface="Times New Roman" panose="02020603050405020304" pitchFamily="18" charset="0"/>
-                <a:cs typeface="Times New Roman" panose="02020603050405020304" pitchFamily="18" charset="0"/>
-              </a:rPr>
-              <a:t>Genera</a:t>
-            </a:r>
-            <a:endParaRPr lang="en-US" i="1" dirty="0">
-              <a:ln w="0"/>
-              <a:solidFill>
-                <a:schemeClr val="tx1"/>
-              </a:solidFill>
-              <a:effectLst>
-                <a:outerShdw blurRad="38100" dist="19050" dir="2700000" algn="tl" rotWithShape="0">
-                  <a:schemeClr val="dk1">
-                    <a:alpha val="40000"/>
-                  </a:schemeClr>
-                </a:outerShdw>
-              </a:effectLst>
-              <a:latin typeface="Times New Roman" panose="02020603050405020304" pitchFamily="18" charset="0"/>
-              <a:cs typeface="Times New Roman" panose="02020603050405020304" pitchFamily="18" charset="0"/>
-            </a:endParaRPr>
-          </a:p>
-        </p:txBody>
-      </p:sp>
-      <p:sp>
-        <p:nvSpPr>
-          <p:cNvPr id="62" name="TextBox 61">
-            <a:extLst>
-              <a:ext uri="{FF2B5EF4-FFF2-40B4-BE49-F238E27FC236}">
-                <a16:creationId xmlns:a16="http://schemas.microsoft.com/office/drawing/2014/main" id="{5DB227C3-D99D-4C19-8B72-EE5485B878CB}"/>
-              </a:ext>
-            </a:extLst>
-          </p:cNvPr>
-          <p:cNvSpPr txBox="1"/>
-          <p:nvPr/>
-        </p:nvSpPr>
-        <p:spPr>
-          <a:xfrm>
-            <a:off x="7237417" y="3214113"/>
-            <a:ext cx="3856213" cy="461665"/>
-          </a:xfrm>
-          <a:prstGeom prst="rect">
-            <a:avLst/>
-          </a:prstGeom>
-          <a:noFill/>
-        </p:spPr>
-        <p:txBody>
-          <a:bodyPr wrap="square" rtlCol="0">
-            <a:spAutoFit/>
-          </a:bodyPr>
-          <a:lstStyle/>
-          <a:p>
-            <a:pPr algn="ctr"/>
-            <a:r>
-              <a:rPr lang="en-US" sz="2400" i="1" dirty="0">
-                <a:ln w="0"/>
-                <a:effectLst>
-                  <a:outerShdw blurRad="38100" dist="19050" dir="2700000" algn="tl" rotWithShape="0">
-                    <a:schemeClr val="dk1">
-                      <a:alpha val="40000"/>
-                    </a:schemeClr>
-                  </a:outerShdw>
-                </a:effectLst>
-                <a:latin typeface="Times New Roman" panose="02020603050405020304" pitchFamily="18" charset="0"/>
-                <a:cs typeface="Times New Roman" panose="02020603050405020304" pitchFamily="18" charset="0"/>
-              </a:rPr>
-              <a:t>( Done when Accuracy &gt; 0.8)</a:t>
-            </a:r>
-            <a:endParaRPr lang="en-US" sz="2400" i="1" dirty="0"/>
-          </a:p>
-        </p:txBody>
-      </p:sp>
     </p:spTree>
     <p:extLst>
       <p:ext uri="{BB962C8B-B14F-4D97-AF65-F5344CB8AC3E}">
@@ -6879,146 +6761,6 @@
 </file>
 
 <file path=ppt/slides/slide2.xml><?xml version="1.0" encoding="utf-8"?>
-<p:sld xmlns:a="http://schemas.openxmlformats.org/drawingml/2006/main" xmlns:r="http://schemas.openxmlformats.org/officeDocument/2006/relationships" xmlns:p="http://schemas.openxmlformats.org/presentationml/2006/main">
-  <p:cSld>
-    <p:spTree>
-      <p:nvGrpSpPr>
-        <p:cNvPr id="1" name=""/>
-        <p:cNvGrpSpPr/>
-        <p:nvPr/>
-      </p:nvGrpSpPr>
-      <p:grpSpPr>
-        <a:xfrm>
-          <a:off x="0" y="0"/>
-          <a:ext cx="0" cy="0"/>
-          <a:chOff x="0" y="0"/>
-          <a:chExt cx="0" cy="0"/>
-        </a:xfrm>
-      </p:grpSpPr>
-      <p:sp>
-        <p:nvSpPr>
-          <p:cNvPr id="4" name="Rectangle 3">
-            <a:extLst>
-              <a:ext uri="{FF2B5EF4-FFF2-40B4-BE49-F238E27FC236}">
-                <a16:creationId xmlns:a16="http://schemas.microsoft.com/office/drawing/2014/main" id="{B20B6E9A-4B24-43B8-B64E-FE60E48883F1}"/>
-              </a:ext>
-            </a:extLst>
-          </p:cNvPr>
-          <p:cNvSpPr/>
-          <p:nvPr/>
-        </p:nvSpPr>
-        <p:spPr>
-          <a:xfrm>
-            <a:off x="4768439" y="355545"/>
-            <a:ext cx="2655122" cy="458462"/>
-          </a:xfrm>
-          <a:prstGeom prst="rect">
-            <a:avLst/>
-          </a:prstGeom>
-          <a:solidFill>
-            <a:schemeClr val="accent1">
-              <a:lumMod val="75000"/>
-            </a:schemeClr>
-          </a:solidFill>
-          <a:ln w="38100">
-            <a:solidFill>
-              <a:schemeClr val="tx1"/>
-            </a:solidFill>
-            <a:prstDash val="solid"/>
-          </a:ln>
-        </p:spPr>
-        <p:style>
-          <a:lnRef idx="2">
-            <a:schemeClr val="accent1">
-              <a:shade val="50000"/>
-            </a:schemeClr>
-          </a:lnRef>
-          <a:fillRef idx="1">
-            <a:schemeClr val="accent1"/>
-          </a:fillRef>
-          <a:effectRef idx="0">
-            <a:schemeClr val="accent1"/>
-          </a:effectRef>
-          <a:fontRef idx="minor">
-            <a:schemeClr val="lt1"/>
-          </a:fontRef>
-        </p:style>
-        <p:txBody>
-          <a:bodyPr rtlCol="0" anchor="ctr"/>
-          <a:lstStyle/>
-          <a:p>
-            <a:pPr algn="ctr"/>
-            <a:r>
-              <a:rPr lang="en-US" dirty="0">
-                <a:ln w="0"/>
-                <a:solidFill>
-                  <a:schemeClr val="tx1"/>
-                </a:solidFill>
-                <a:effectLst>
-                  <a:outerShdw blurRad="38100" dist="19050" dir="2700000" algn="tl" rotWithShape="0">
-                    <a:schemeClr val="dk1">
-                      <a:alpha val="40000"/>
-                    </a:schemeClr>
-                  </a:outerShdw>
-                </a:effectLst>
-                <a:latin typeface="Times New Roman" panose="02020603050405020304" pitchFamily="18" charset="0"/>
-                <a:cs typeface="Times New Roman" panose="02020603050405020304" pitchFamily="18" charset="0"/>
-              </a:rPr>
-              <a:t>All </a:t>
-            </a:r>
-            <a:r>
-              <a:rPr lang="en-US" i="1" dirty="0" err="1">
-                <a:ln w="0"/>
-                <a:solidFill>
-                  <a:schemeClr val="tx1"/>
-                </a:solidFill>
-                <a:effectLst>
-                  <a:outerShdw blurRad="38100" dist="19050" dir="2700000" algn="tl" rotWithShape="0">
-                    <a:schemeClr val="dk1">
-                      <a:alpha val="40000"/>
-                    </a:schemeClr>
-                  </a:outerShdw>
-                </a:effectLst>
-                <a:latin typeface="Times New Roman" panose="02020603050405020304" pitchFamily="18" charset="0"/>
-                <a:cs typeface="Times New Roman" panose="02020603050405020304" pitchFamily="18" charset="0"/>
-              </a:rPr>
-              <a:t>mothur</a:t>
-            </a:r>
-            <a:r>
-              <a:rPr lang="en-US" dirty="0">
-                <a:ln w="0"/>
-                <a:solidFill>
-                  <a:schemeClr val="tx1"/>
-                </a:solidFill>
-                <a:effectLst>
-                  <a:outerShdw blurRad="38100" dist="19050" dir="2700000" algn="tl" rotWithShape="0">
-                    <a:schemeClr val="dk1">
-                      <a:alpha val="40000"/>
-                    </a:schemeClr>
-                  </a:outerShdw>
-                </a:effectLst>
-                <a:latin typeface="Times New Roman" panose="02020603050405020304" pitchFamily="18" charset="0"/>
-                <a:cs typeface="Times New Roman" panose="02020603050405020304" pitchFamily="18" charset="0"/>
-              </a:rPr>
-              <a:t> eco. measures</a:t>
-            </a:r>
-          </a:p>
-        </p:txBody>
-      </p:sp>
-    </p:spTree>
-    <p:extLst>
-      <p:ext uri="{BB962C8B-B14F-4D97-AF65-F5344CB8AC3E}">
-        <p14:creationId xmlns:p14="http://schemas.microsoft.com/office/powerpoint/2010/main" val="3279652232"/>
-      </p:ext>
-    </p:extLst>
-  </p:cSld>
-  <p:clrMapOvr>
-    <a:masterClrMapping/>
-  </p:clrMapOvr>
-</p:sld>
-</file>
-
-<file path=ppt/slides/slide3.xml><?xml version="1.0" encoding="utf-8"?>
 <p:sld xmlns:a="http://schemas.openxmlformats.org/drawingml/2006/main" xmlns:r="http://schemas.openxmlformats.org/officeDocument/2006/relationships" xmlns:p="http://schemas.openxmlformats.org/presentationml/2006/main">
   <p:cSld>
     <p:spTree>
@@ -10238,7 +9980,7 @@
             <a:graphicData uri="http://schemas.openxmlformats.org/presentationml/2006/ole">
               <mc:AlternateContent xmlns:mc="http://schemas.openxmlformats.org/markup-compatibility/2006">
                 <mc:Choice xmlns:v="urn:schemas-microsoft-com:vml" Requires="v">
-                  <p:oleObj spid="_x0000_s1062" name="Equation" r:id="rId6" imgW="1218960" imgH="787320" progId="Equation.DSMT4">
+                  <p:oleObj spid="_x0000_s1056" name="Equation" r:id="rId6" imgW="1218960" imgH="787320" progId="Equation.DSMT4">
                     <p:embed/>
                   </p:oleObj>
                 </mc:Choice>
@@ -10302,7 +10044,7 @@
           <a:graphicData uri="http://schemas.openxmlformats.org/presentationml/2006/ole">
             <mc:AlternateContent xmlns:mc="http://schemas.openxmlformats.org/markup-compatibility/2006">
               <mc:Choice xmlns:v="urn:schemas-microsoft-com:vml" Requires="v">
-                <p:oleObj spid="_x0000_s1063" name="Equation" r:id="rId8" imgW="914400" imgH="306720" progId="Equation.DSMT4">
+                <p:oleObj spid="_x0000_s1057" name="Equation" r:id="rId8" imgW="914400" imgH="306720" progId="Equation.DSMT4">
                   <p:embed/>
                 </p:oleObj>
               </mc:Choice>
@@ -10456,7 +10198,7 @@
             <a:graphicData uri="http://schemas.openxmlformats.org/presentationml/2006/ole">
               <mc:AlternateContent xmlns:mc="http://schemas.openxmlformats.org/markup-compatibility/2006">
                 <mc:Choice xmlns:v="urn:schemas-microsoft-com:vml" Requires="v">
-                  <p:oleObj spid="_x0000_s1064" name="Equation" r:id="rId10" imgW="3543120" imgH="431640" progId="Equation.DSMT4">
+                  <p:oleObj spid="_x0000_s1058" name="Equation" r:id="rId10" imgW="3543120" imgH="431640" progId="Equation.DSMT4">
                     <p:embed/>
                   </p:oleObj>
                 </mc:Choice>
